--- a/PPT FWD TNSDC 2025 (1).pptx
+++ b/PPT FWD TNSDC 2025 (1).pptx
@@ -19,6 +19,20 @@
     <p:sldId id="265" r:id="rId11"/>
     <p:sldId id="266" r:id="rId12"/>
     <p:sldId id="268" r:id="rId13"/>
+    <p:sldId id="269" r:id="rId14"/>
+    <p:sldId id="270" r:id="rId15"/>
+    <p:sldId id="271" r:id="rId16"/>
+    <p:sldId id="272" r:id="rId17"/>
+    <p:sldId id="273" r:id="rId18"/>
+    <p:sldId id="274" r:id="rId19"/>
+    <p:sldId id="275" r:id="rId20"/>
+    <p:sldId id="276" r:id="rId21"/>
+    <p:sldId id="277" r:id="rId22"/>
+    <p:sldId id="278" r:id="rId23"/>
+    <p:sldId id="279" r:id="rId24"/>
+    <p:sldId id="280" r:id="rId25"/>
+    <p:sldId id="281" r:id="rId26"/>
+    <p:sldId id="282" r:id="rId27"/>
   </p:sldIdLst>
   <p:sldSz type="screen16x9" cy="6858000" cx="12192000"/>
   <p:notesSz cx="12192000" cy="6858000"/>
@@ -186,7 +200,7 @@
     </p:bg>
     <p:spTree>
       <p:nvGrpSpPr>
-        <p:cNvPr id="44" name=""/>
+        <p:cNvPr id="72" name=""/>
         <p:cNvGrpSpPr/>
         <p:nvPr/>
       </p:nvGrpSpPr>
@@ -200,7 +214,7 @@
       </p:grpSpPr>
       <p:sp>
         <p:nvSpPr>
-          <p:cNvPr id="1048694" name="Header Placeholder 1"/>
+          <p:cNvPr id="1048712" name="Header Placeholder 1"/>
           <p:cNvSpPr>
             <a:spLocks noGrp="1"/>
           </p:cNvSpPr>
@@ -229,7 +243,7 @@
       </p:sp>
       <p:sp>
         <p:nvSpPr>
-          <p:cNvPr id="1048695" name="Date Placeholder 2"/>
+          <p:cNvPr id="1048713" name="Date Placeholder 2"/>
           <p:cNvSpPr>
             <a:spLocks noGrp="1"/>
           </p:cNvSpPr>
@@ -262,7 +276,7 @@
       </p:sp>
       <p:sp>
         <p:nvSpPr>
-          <p:cNvPr id="1048696" name="Slide Image Placeholder 3"/>
+          <p:cNvPr id="1048714" name="Slide Image Placeholder 3"/>
           <p:cNvSpPr>
             <a:spLocks noChangeAspect="1" noRot="1" noGrp="1"/>
           </p:cNvSpPr>
@@ -292,7 +306,7 @@
       </p:sp>
       <p:sp>
         <p:nvSpPr>
-          <p:cNvPr id="1048697" name="Notes Placeholder 4"/>
+          <p:cNvPr id="1048715" name="Notes Placeholder 4"/>
           <p:cNvSpPr>
             <a:spLocks noGrp="1"/>
           </p:cNvSpPr>
@@ -349,7 +363,7 @@
       </p:sp>
       <p:sp>
         <p:nvSpPr>
-          <p:cNvPr id="1048698" name="Footer Placeholder 5"/>
+          <p:cNvPr id="1048716" name="Footer Placeholder 5"/>
           <p:cNvSpPr>
             <a:spLocks noGrp="1"/>
           </p:cNvSpPr>
@@ -378,7 +392,7 @@
       </p:sp>
       <p:sp>
         <p:nvSpPr>
-          <p:cNvPr id="1048699" name="Slide Number Placeholder 6"/>
+          <p:cNvPr id="1048717" name="Slide Number Placeholder 6"/>
           <p:cNvSpPr>
             <a:spLocks noGrp="1"/>
           </p:cNvSpPr>
@@ -526,7 +540,7 @@
       </p:grpSpPr>
       <p:sp>
         <p:nvSpPr>
-          <p:cNvPr id="1048603" name="Slide Image Placeholder 1"/>
+          <p:cNvPr id="1048606" name="Slide Image Placeholder 1"/>
           <p:cNvSpPr>
             <a:spLocks noChangeAspect="1" noRot="1" noGrp="1"/>
           </p:cNvSpPr>
@@ -538,7 +552,7 @@
       </p:sp>
       <p:sp>
         <p:nvSpPr>
-          <p:cNvPr id="1048604" name="Notes Placeholder 2"/>
+          <p:cNvPr id="1048607" name="Notes Placeholder 2"/>
           <p:cNvSpPr>
             <a:spLocks noGrp="1"/>
           </p:cNvSpPr>
@@ -556,7 +570,7 @@
       </p:sp>
       <p:sp>
         <p:nvSpPr>
-          <p:cNvPr id="1048605" name="Slide Number Placeholder 3"/>
+          <p:cNvPr id="1048608" name="Slide Number Placeholder 3"/>
           <p:cNvSpPr>
             <a:spLocks noGrp="1"/>
           </p:cNvSpPr>
@@ -614,7 +628,7 @@
         <p:spPr>
           <a:xfrm>
             <a:off x="3195574" y="2067305"/>
-            <a:ext cx="5800851" cy="518160"/>
+            <a:ext cx="5800851" cy="482600"/>
           </a:xfrm>
           <a:prstGeom prst="rect"/>
         </p:spPr>
@@ -649,7 +663,7 @@
         <p:spPr>
           <a:xfrm>
             <a:off x="1828800" y="3840480"/>
-            <a:ext cx="8534400" cy="1714500"/>
+            <a:ext cx="8534400" cy="266700"/>
           </a:xfrm>
           <a:prstGeom prst="rect"/>
         </p:spPr>
@@ -774,7 +788,7 @@
   <p:cSld name="Title and Content">
     <p:spTree>
       <p:nvGrpSpPr>
-        <p:cNvPr id="41" name=""/>
+        <p:cNvPr id="70" name=""/>
         <p:cNvGrpSpPr/>
         <p:nvPr/>
       </p:nvGrpSpPr>
@@ -788,7 +802,7 @@
       </p:grpSpPr>
       <p:sp>
         <p:nvSpPr>
-          <p:cNvPr id="1048680" name="Holder 2"/>
+          <p:cNvPr id="1048701" name="Holder 2"/>
           <p:cNvSpPr>
             <a:spLocks noGrp="1"/>
           </p:cNvSpPr>
@@ -796,7 +810,12 @@
             <p:ph type="title"/>
           </p:nvPr>
         </p:nvSpPr>
-        <p:spPr/>
+        <p:spPr>
+          <a:xfrm>
+            <a:off x="755332" y="385444"/>
+            <a:ext cx="10681335" cy="723901"/>
+          </a:xfrm>
+        </p:spPr>
         <p:txBody>
           <a:bodyPr bIns="0" lIns="0" rIns="0" tIns="0"/>
           <a:lstStyle>
@@ -815,7 +834,7 @@
       </p:sp>
       <p:sp>
         <p:nvSpPr>
-          <p:cNvPr id="1048681" name="Holder 3"/>
+          <p:cNvPr id="1048702" name="Holder 3"/>
           <p:cNvSpPr>
             <a:spLocks noGrp="1"/>
           </p:cNvSpPr>
@@ -823,7 +842,12 @@
             <p:ph type="body" idx="1"/>
           </p:nvPr>
         </p:nvSpPr>
-        <p:spPr/>
+        <p:spPr>
+          <a:xfrm>
+            <a:off x="609600" y="1577340"/>
+            <a:ext cx="10972800" cy="266700"/>
+          </a:xfrm>
+        </p:spPr>
         <p:txBody>
           <a:bodyPr bIns="0" lIns="0" rIns="0" tIns="0"/>
           <a:p/>
@@ -831,7 +855,7 @@
       </p:sp>
       <p:sp>
         <p:nvSpPr>
-          <p:cNvPr id="1048682" name="Holder 4"/>
+          <p:cNvPr id="1048703" name="Holder 4"/>
           <p:cNvSpPr>
             <a:spLocks noGrp="1"/>
           </p:cNvSpPr>
@@ -858,7 +882,7 @@
       </p:sp>
       <p:sp>
         <p:nvSpPr>
-          <p:cNvPr id="1048683" name="Holder 5"/>
+          <p:cNvPr id="1048704" name="Holder 5"/>
           <p:cNvSpPr>
             <a:spLocks noGrp="1"/>
           </p:cNvSpPr>
@@ -891,7 +915,7 @@
       </p:sp>
       <p:sp>
         <p:nvSpPr>
-          <p:cNvPr id="1048684" name="Holder 6"/>
+          <p:cNvPr id="1048705" name="Holder 6"/>
           <p:cNvSpPr>
             <a:spLocks noGrp="1"/>
           </p:cNvSpPr>
@@ -943,7 +967,7 @@
   <p:cSld name="Two Content">
     <p:spTree>
       <p:nvGrpSpPr>
-        <p:cNvPr id="42" name=""/>
+        <p:cNvPr id="71" name=""/>
         <p:cNvGrpSpPr/>
         <p:nvPr/>
       </p:nvGrpSpPr>
@@ -957,7 +981,7 @@
       </p:grpSpPr>
       <p:sp>
         <p:nvSpPr>
-          <p:cNvPr id="1048685" name="Holder 2"/>
+          <p:cNvPr id="1048706" name="Holder 2"/>
           <p:cNvSpPr>
             <a:spLocks noGrp="1"/>
           </p:cNvSpPr>
@@ -965,7 +989,12 @@
             <p:ph type="title"/>
           </p:nvPr>
         </p:nvSpPr>
-        <p:spPr/>
+        <p:spPr>
+          <a:xfrm>
+            <a:off x="755332" y="385444"/>
+            <a:ext cx="10681335" cy="723901"/>
+          </a:xfrm>
+        </p:spPr>
         <p:txBody>
           <a:bodyPr bIns="0" lIns="0" rIns="0" tIns="0"/>
           <a:lstStyle>
@@ -984,7 +1013,7 @@
       </p:sp>
       <p:sp>
         <p:nvSpPr>
-          <p:cNvPr id="1048686" name="Holder 3"/>
+          <p:cNvPr id="1048707" name="Holder 3"/>
           <p:cNvSpPr>
             <a:spLocks noGrp="1"/>
           </p:cNvSpPr>
@@ -995,7 +1024,7 @@
         <p:spPr>
           <a:xfrm>
             <a:off x="609600" y="1577340"/>
-            <a:ext cx="5303520" cy="4526280"/>
+            <a:ext cx="5303520" cy="266700"/>
           </a:xfrm>
           <a:prstGeom prst="rect"/>
         </p:spPr>
@@ -1008,7 +1037,7 @@
       </p:sp>
       <p:sp>
         <p:nvSpPr>
-          <p:cNvPr id="1048687" name="Holder 4"/>
+          <p:cNvPr id="1048708" name="Holder 4"/>
           <p:cNvSpPr>
             <a:spLocks noGrp="1"/>
           </p:cNvSpPr>
@@ -1019,7 +1048,7 @@
         <p:spPr>
           <a:xfrm>
             <a:off x="6278880" y="1577340"/>
-            <a:ext cx="5303520" cy="4526280"/>
+            <a:ext cx="5303520" cy="266700"/>
           </a:xfrm>
           <a:prstGeom prst="rect"/>
         </p:spPr>
@@ -1032,7 +1061,7 @@
       </p:sp>
       <p:sp>
         <p:nvSpPr>
-          <p:cNvPr id="1048688" name="Holder 5"/>
+          <p:cNvPr id="1048709" name="Holder 5"/>
           <p:cNvSpPr>
             <a:spLocks noGrp="1"/>
           </p:cNvSpPr>
@@ -1059,7 +1088,7 @@
       </p:sp>
       <p:sp>
         <p:nvSpPr>
-          <p:cNvPr id="1048689" name="Holder 6"/>
+          <p:cNvPr id="1048710" name="Holder 6"/>
           <p:cNvSpPr>
             <a:spLocks noGrp="1"/>
           </p:cNvSpPr>
@@ -1092,7 +1121,7 @@
       </p:sp>
       <p:sp>
         <p:nvSpPr>
-          <p:cNvPr id="1048690" name="Holder 7"/>
+          <p:cNvPr id="1048711" name="Holder 7"/>
           <p:cNvSpPr>
             <a:spLocks noGrp="1"/>
           </p:cNvSpPr>
@@ -1144,7 +1173,7 @@
   <p:cSld name="Title Only">
     <p:spTree>
       <p:nvGrpSpPr>
-        <p:cNvPr id="24" name=""/>
+        <p:cNvPr id="38" name=""/>
         <p:cNvGrpSpPr/>
         <p:nvPr/>
       </p:nvGrpSpPr>
@@ -1158,7 +1187,7 @@
       </p:grpSpPr>
       <p:sp>
         <p:nvSpPr>
-          <p:cNvPr id="1048606" name="Holder 2"/>
+          <p:cNvPr id="1048609" name="Holder 2"/>
           <p:cNvSpPr>
             <a:spLocks noGrp="1"/>
           </p:cNvSpPr>
@@ -1166,7 +1195,12 @@
             <p:ph type="title"/>
           </p:nvPr>
         </p:nvSpPr>
-        <p:spPr/>
+        <p:spPr>
+          <a:xfrm>
+            <a:off x="755332" y="385444"/>
+            <a:ext cx="10681335" cy="723901"/>
+          </a:xfrm>
+        </p:spPr>
         <p:txBody>
           <a:bodyPr bIns="0" lIns="0" rIns="0" tIns="0"/>
           <a:lstStyle>
@@ -1185,7 +1219,7 @@
       </p:sp>
       <p:sp>
         <p:nvSpPr>
-          <p:cNvPr id="1048607" name="Holder 3"/>
+          <p:cNvPr id="1048610" name="Holder 3"/>
           <p:cNvSpPr>
             <a:spLocks noGrp="1"/>
           </p:cNvSpPr>
@@ -1212,7 +1246,7 @@
       </p:sp>
       <p:sp>
         <p:nvSpPr>
-          <p:cNvPr id="1048608" name="Holder 4"/>
+          <p:cNvPr id="1048611" name="Holder 4"/>
           <p:cNvSpPr>
             <a:spLocks noGrp="1"/>
           </p:cNvSpPr>
@@ -1245,7 +1279,7 @@
       </p:sp>
       <p:sp>
         <p:nvSpPr>
-          <p:cNvPr id="1048609" name="Holder 5"/>
+          <p:cNvPr id="1048612" name="Holder 5"/>
           <p:cNvSpPr>
             <a:spLocks noGrp="1"/>
           </p:cNvSpPr>
@@ -1297,7 +1331,7 @@
   <p:cSld name="Blank">
     <p:spTree>
       <p:nvGrpSpPr>
-        <p:cNvPr id="43" name=""/>
+        <p:cNvPr id="47" name=""/>
         <p:cNvGrpSpPr/>
         <p:nvPr/>
       </p:nvGrpSpPr>
@@ -1311,7 +1345,7 @@
       </p:grpSpPr>
       <p:sp>
         <p:nvSpPr>
-          <p:cNvPr id="1048691" name="Holder 2"/>
+          <p:cNvPr id="1048653" name="Holder 2"/>
           <p:cNvSpPr>
             <a:spLocks noGrp="1"/>
           </p:cNvSpPr>
@@ -1338,7 +1372,7 @@
       </p:sp>
       <p:sp>
         <p:nvSpPr>
-          <p:cNvPr id="1048692" name="Holder 3"/>
+          <p:cNvPr id="1048654" name="Holder 3"/>
           <p:cNvSpPr>
             <a:spLocks noGrp="1"/>
           </p:cNvSpPr>
@@ -1371,7 +1405,7 @@
       </p:sp>
       <p:sp>
         <p:nvSpPr>
-          <p:cNvPr id="1048693" name="Holder 4"/>
+          <p:cNvPr id="1048655" name="Holder 4"/>
           <p:cNvSpPr>
             <a:spLocks noGrp="1"/>
           </p:cNvSpPr>
@@ -2574,7 +2608,7 @@
         <p:spPr>
           <a:xfrm>
             <a:off x="2554542" y="3314150"/>
-            <a:ext cx="8610600" cy="1869440"/>
+            <a:ext cx="8610600" cy="2580640"/>
           </a:xfrm>
           <a:prstGeom prst="rect"/>
           <a:noFill/>
@@ -2585,37 +2619,334 @@
           </a:bodyPr>
           <a:p>
             <a:r>
-              <a:rPr dirty="0" sz="2400" lang="en-US"/>
+              <a:rPr b="1" dirty="0" sz="2400" lang="en-US">
+                <a:latin typeface="Carrois Gothic SC"/>
+                <a:cs typeface="FZZWXBTOT_Uni"/>
+              </a:rPr>
               <a:t>STUDENT NAME: </a:t>
             </a:r>
-          </a:p>
-          <a:p>
-            <a:r>
-              <a:rPr dirty="0" sz="2400" lang="en-US"/>
-              <a:t>REGISTER NO AND NMID: </a:t>
-            </a:r>
-            <a:endParaRPr dirty="0" sz="2400" lang="en-US">
-              <a:cs typeface="Calibri"/>
+            <a:endParaRPr b="1" sz="2000">
+              <a:latin typeface="Carrois Gothic SC"/>
+              <a:cs typeface="FZZWXBTOT_Uni"/>
             </a:endParaRPr>
           </a:p>
           <a:p>
             <a:r>
-              <a:rPr dirty="0" sz="2400" lang="en-US"/>
-              <a:t>DEPARTMENT: </a:t>
-            </a:r>
+              <a:rPr b="1" dirty="0" sz="2400" lang="en-US">
+                <a:latin typeface="Carrois Gothic SC"/>
+                <a:cs typeface="FZZWXBTOT_Uni"/>
+              </a:rPr>
+              <a:t>REGISTER NO AND NMID: E87258EABCBA7F2B9CD4A6555D308ECF</a:t>
+            </a:r>
+            <a:endParaRPr b="1" dirty="0" sz="2000" lang="en-US">
+              <a:latin typeface="Carrois Gothic SC"/>
+              <a:cs typeface="FZZWXBTOT_Uni"/>
+            </a:endParaRPr>
           </a:p>
           <a:p>
             <a:r>
-              <a:rPr dirty="0" sz="2400" lang="en-US"/>
-              <a:t>COLLEGE: COLLEGE/ UNIVERSITY</a:t>
-            </a:r>
+              <a:rPr b="1" dirty="0" sz="2400" lang="en-US">
+                <a:latin typeface="Carrois Gothic SC"/>
+                <a:cs typeface="FZZWXBTOT_Uni"/>
+              </a:rPr>
+              <a:t>DEPARTMENT: </a:t>
+            </a:r>
+            <a:r>
+              <a:rPr altLang="en-GB" b="1" dirty="0" sz="2400" lang="en-US">
+                <a:latin typeface="Carrois Gothic SC"/>
+                <a:cs typeface="FZZWXBTOT_Uni"/>
+              </a:rPr>
+              <a:t>B</a:t>
+            </a:r>
+            <a:r>
+              <a:rPr altLang="en-GB" b="1" dirty="0" sz="2400" lang="en-US">
+                <a:latin typeface="Carrois Gothic SC"/>
+                <a:cs typeface="FZZWXBTOT_Uni"/>
+              </a:rPr>
+              <a:t>S</a:t>
+            </a:r>
+            <a:r>
+              <a:rPr altLang="en-GB" b="1" dirty="0" sz="2400" lang="en-US">
+                <a:latin typeface="Carrois Gothic SC"/>
+                <a:cs typeface="FZZWXBTOT_Uni"/>
+              </a:rPr>
+              <a:t>C</a:t>
+            </a:r>
+            <a:r>
+              <a:rPr altLang="en-GB" b="1" dirty="0" sz="2400" lang="en-US">
+                <a:latin typeface="Carrois Gothic SC"/>
+                <a:cs typeface="FZZWXBTOT_Uni"/>
+              </a:rPr>
+              <a:t>.</a:t>
+            </a:r>
+            <a:r>
+              <a:rPr altLang="en-GB" b="1" dirty="0" sz="2400" lang="en-US">
+                <a:latin typeface="Carrois Gothic SC"/>
+                <a:cs typeface="FZZWXBTOT_Uni"/>
+              </a:rPr>
+              <a:t> </a:t>
+            </a:r>
+            <a:r>
+              <a:rPr altLang="en-GB" b="1" dirty="0" sz="2400" lang="en-US">
+                <a:latin typeface="Carrois Gothic SC"/>
+                <a:cs typeface="FZZWXBTOT_Uni"/>
+              </a:rPr>
+              <a:t>C</a:t>
+            </a:r>
+            <a:r>
+              <a:rPr altLang="en-GB" b="1" dirty="0" sz="2400" lang="en-US">
+                <a:latin typeface="Carrois Gothic SC"/>
+                <a:cs typeface="FZZWXBTOT_Uni"/>
+              </a:rPr>
+              <a:t>o</a:t>
+            </a:r>
+            <a:r>
+              <a:rPr altLang="en-GB" b="1" dirty="0" sz="2400" lang="en-US">
+                <a:latin typeface="Carrois Gothic SC"/>
+                <a:cs typeface="FZZWXBTOT_Uni"/>
+              </a:rPr>
+              <a:t>m</a:t>
+            </a:r>
+            <a:r>
+              <a:rPr altLang="en-GB" b="1" dirty="0" sz="2400" lang="en-US">
+                <a:latin typeface="Carrois Gothic SC"/>
+                <a:cs typeface="FZZWXBTOT_Uni"/>
+              </a:rPr>
+              <a:t>p</a:t>
+            </a:r>
+            <a:r>
+              <a:rPr altLang="en-GB" b="1" dirty="0" sz="2400" lang="en-US">
+                <a:latin typeface="Carrois Gothic SC"/>
+                <a:cs typeface="FZZWXBTOT_Uni"/>
+              </a:rPr>
+              <a:t>u</a:t>
+            </a:r>
+            <a:r>
+              <a:rPr altLang="en-GB" b="1" dirty="0" sz="2400" lang="en-US">
+                <a:latin typeface="Carrois Gothic SC"/>
+                <a:cs typeface="FZZWXBTOT_Uni"/>
+              </a:rPr>
+              <a:t>ter </a:t>
+            </a:r>
+            <a:r>
+              <a:rPr altLang="en-GB" b="1" dirty="0" sz="2400" lang="en-US">
+                <a:latin typeface="Carrois Gothic SC"/>
+                <a:cs typeface="FZZWXBTOT_Uni"/>
+              </a:rPr>
+              <a:t>s</a:t>
+            </a:r>
+            <a:r>
+              <a:rPr altLang="en-GB" b="1" dirty="0" sz="2400" lang="en-US">
+                <a:latin typeface="Carrois Gothic SC"/>
+                <a:cs typeface="FZZWXBTOT_Uni"/>
+              </a:rPr>
+              <a:t>c</a:t>
+            </a:r>
+            <a:r>
+              <a:rPr altLang="en-GB" b="1" dirty="0" sz="2400" lang="en-US">
+                <a:latin typeface="Carrois Gothic SC"/>
+                <a:cs typeface="FZZWXBTOT_Uni"/>
+              </a:rPr>
+              <a:t>ience </a:t>
+            </a:r>
+            <a:endParaRPr altLang="en-US" b="1" sz="2000" lang="zh-CN">
+              <a:latin typeface="Carrois Gothic SC"/>
+              <a:cs typeface="FZZWXBTOT_Uni"/>
+            </a:endParaRPr>
           </a:p>
           <a:p>
             <a:r>
-              <a:rPr dirty="0" sz="2400" lang="en-US"/>
+              <a:rPr b="1" dirty="0" sz="2400" lang="en-US">
+                <a:latin typeface="Carrois Gothic SC"/>
+                <a:cs typeface="FZZWXBTOT_Uni"/>
+              </a:rPr>
+              <a:t>COLLEGE: COLLEGE/ UNIVERSITY</a:t>
+            </a:r>
+            <a:r>
+              <a:rPr altLang="en-GB" b="1" dirty="0" sz="2400" lang="en-US">
+                <a:latin typeface="Carrois Gothic SC"/>
+                <a:cs typeface="FZZWXBTOT_Uni"/>
+              </a:rPr>
+              <a:t>:</a:t>
+            </a:r>
+            <a:r>
+              <a:rPr altLang="en-GB" b="1" dirty="0" sz="2400" lang="en-US">
+                <a:latin typeface="Carrois Gothic SC"/>
+                <a:cs typeface="FZZWXBTOT_Uni"/>
+              </a:rPr>
+              <a:t> </a:t>
+            </a:r>
+            <a:r>
+              <a:rPr altLang="en-GB" b="1" dirty="0" sz="2400" lang="en-US">
+                <a:latin typeface="Carrois Gothic SC"/>
+                <a:cs typeface="FZZWXBTOT_Uni"/>
+              </a:rPr>
+              <a:t>L</a:t>
+            </a:r>
+            <a:r>
+              <a:rPr altLang="en-GB" b="1" dirty="0" sz="2400" lang="en-US">
+                <a:latin typeface="Carrois Gothic SC"/>
+                <a:cs typeface="FZZWXBTOT_Uni"/>
+              </a:rPr>
+              <a:t>R</a:t>
+            </a:r>
+            <a:r>
+              <a:rPr altLang="en-GB" b="1" dirty="0" sz="2400" lang="en-US">
+                <a:latin typeface="Carrois Gothic SC"/>
+                <a:cs typeface="FZZWXBTOT_Uni"/>
+              </a:rPr>
+              <a:t>G</a:t>
+            </a:r>
+            <a:r>
+              <a:rPr altLang="en-GB" b="1" dirty="0" sz="2400" lang="en-US">
+                <a:latin typeface="Carrois Gothic SC"/>
+                <a:cs typeface="FZZWXBTOT_Uni"/>
+              </a:rPr>
+              <a:t> </a:t>
+            </a:r>
+            <a:r>
+              <a:rPr altLang="en-GB" b="1" dirty="0" sz="2400" lang="en-US">
+                <a:latin typeface="Carrois Gothic SC"/>
+                <a:cs typeface="FZZWXBTOT_Uni"/>
+              </a:rPr>
+              <a:t>w</a:t>
+            </a:r>
+            <a:r>
+              <a:rPr altLang="en-GB" b="1" dirty="0" sz="2400" lang="en-US">
+                <a:latin typeface="Carrois Gothic SC"/>
+                <a:cs typeface="FZZWXBTOT_Uni"/>
+              </a:rPr>
+              <a:t>o</a:t>
+            </a:r>
+            <a:r>
+              <a:rPr altLang="en-GB" b="1" dirty="0" sz="2400" lang="en-US">
+                <a:latin typeface="Carrois Gothic SC"/>
+                <a:cs typeface="FZZWXBTOT_Uni"/>
+              </a:rPr>
+              <a:t>men's </a:t>
+            </a:r>
+            <a:r>
+              <a:rPr altLang="en-GB" b="1" dirty="0" sz="2400" lang="en-US">
+                <a:latin typeface="Carrois Gothic SC"/>
+                <a:cs typeface="FZZWXBTOT_Uni"/>
+              </a:rPr>
+              <a:t> </a:t>
+            </a:r>
+            <a:r>
+              <a:rPr altLang="en-GB" b="1" dirty="0" sz="2400" lang="en-US">
+                <a:latin typeface="Carrois Gothic SC"/>
+                <a:cs typeface="FZZWXBTOT_Uni"/>
+              </a:rPr>
+              <a:t>A</a:t>
+            </a:r>
+            <a:r>
+              <a:rPr altLang="en-GB" b="1" dirty="0" sz="2400" lang="en-US">
+                <a:latin typeface="Carrois Gothic SC"/>
+                <a:cs typeface="FZZWXBTOT_Uni"/>
+              </a:rPr>
+              <a:t>r</a:t>
+            </a:r>
+            <a:r>
+              <a:rPr altLang="en-GB" b="1" dirty="0" sz="2400" lang="en-US">
+                <a:latin typeface="Carrois Gothic SC"/>
+                <a:cs typeface="FZZWXBTOT_Uni"/>
+              </a:rPr>
+              <a:t>t</a:t>
+            </a:r>
+            <a:r>
+              <a:rPr altLang="en-GB" b="1" dirty="0" sz="2400" lang="en-US">
+                <a:latin typeface="Carrois Gothic SC"/>
+                <a:cs typeface="FZZWXBTOT_Uni"/>
+              </a:rPr>
+              <a:t>s</a:t>
+            </a:r>
+            <a:r>
+              <a:rPr altLang="en-GB" b="1" dirty="0" sz="2400" lang="en-US">
+                <a:latin typeface="Carrois Gothic SC"/>
+                <a:cs typeface="FZZWXBTOT_Uni"/>
+              </a:rPr>
+              <a:t> </a:t>
+            </a:r>
+            <a:r>
+              <a:rPr altLang="en-GB" b="1" dirty="0" sz="2400" lang="en-US">
+                <a:latin typeface="Carrois Gothic SC"/>
+                <a:cs typeface="FZZWXBTOT_Uni"/>
+              </a:rPr>
+              <a:t>a</a:t>
+            </a:r>
+            <a:r>
+              <a:rPr altLang="en-GB" b="1" dirty="0" sz="2400" lang="en-US">
+                <a:latin typeface="Carrois Gothic SC"/>
+                <a:cs typeface="FZZWXBTOT_Uni"/>
+              </a:rPr>
+              <a:t>n</a:t>
+            </a:r>
+            <a:r>
+              <a:rPr altLang="en-GB" b="1" dirty="0" sz="2400" lang="en-US">
+                <a:latin typeface="Carrois Gothic SC"/>
+                <a:cs typeface="FZZWXBTOT_Uni"/>
+              </a:rPr>
+              <a:t>d</a:t>
+            </a:r>
+            <a:r>
+              <a:rPr altLang="en-GB" b="1" dirty="0" sz="2400" lang="en-US">
+                <a:latin typeface="Carrois Gothic SC"/>
+                <a:cs typeface="FZZWXBTOT_Uni"/>
+              </a:rPr>
+              <a:t> </a:t>
+            </a:r>
+            <a:r>
+              <a:rPr altLang="en-GB" b="1" dirty="0" sz="2400" lang="en-US">
+                <a:latin typeface="Carrois Gothic SC"/>
+                <a:cs typeface="FZZWXBTOT_Uni"/>
+              </a:rPr>
+              <a:t>s</a:t>
+            </a:r>
+            <a:r>
+              <a:rPr altLang="en-GB" b="1" dirty="0" sz="2400" lang="en-US">
+                <a:latin typeface="Carrois Gothic SC"/>
+                <a:cs typeface="FZZWXBTOT_Uni"/>
+              </a:rPr>
+              <a:t>c</a:t>
+            </a:r>
+            <a:r>
+              <a:rPr altLang="en-GB" b="1" dirty="0" sz="2400" lang="en-US">
+                <a:latin typeface="Carrois Gothic SC"/>
+                <a:cs typeface="FZZWXBTOT_Uni"/>
+              </a:rPr>
+              <a:t>i</a:t>
+            </a:r>
+            <a:r>
+              <a:rPr altLang="en-GB" b="1" dirty="0" sz="2400" lang="en-US">
+                <a:latin typeface="Carrois Gothic SC"/>
+                <a:cs typeface="FZZWXBTOT_Uni"/>
+              </a:rPr>
+              <a:t>ence </a:t>
+            </a:r>
+            <a:r>
+              <a:rPr altLang="en-GB" b="1" dirty="0" sz="2400" lang="en-US">
+                <a:latin typeface="Carrois Gothic SC"/>
+                <a:cs typeface="FZZWXBTOT_Uni"/>
+              </a:rPr>
+              <a:t>College </a:t>
+            </a:r>
+            <a:endParaRPr altLang="en-US" b="1" sz="2000" lang="zh-CN">
+              <a:latin typeface="Carrois Gothic SC"/>
+              <a:cs typeface="FZZWXBTOT_Uni"/>
+            </a:endParaRPr>
+          </a:p>
+          <a:p>
+            <a:r>
+              <a:rPr b="1" dirty="0" sz="2400" lang="en-US">
+                <a:latin typeface="Carrois Gothic SC"/>
+                <a:cs typeface="FZZWXBTOT_Uni"/>
+              </a:rPr>
               <a:t>           </a:t>
             </a:r>
-            <a:endParaRPr dirty="0" sz="2400" lang="en-IN"/>
+            <a:endParaRPr b="1" dirty="0" sz="2400" lang="en-IN">
+              <a:latin typeface="Carrois Gothic SC"/>
+              <a:cs typeface="FZZWXBTOT_Uni"/>
+            </a:endParaRPr>
           </a:p>
         </p:txBody>
       </p:sp>
@@ -2623,7 +2954,7 @@
         <mc:Choice xmlns:p14="http://schemas.microsoft.com/office/powerpoint/2010/main" Requires="p14">
           <p:contentPart p14:bwMode="auto" r:id="rId2">
             <p14:nvContentPartPr>
-              <p14:cNvPr id="1048700" name=""/>
+              <p14:cNvPr id="1048603" name=""/>
               <p14:cNvContentPartPr/>
               <p14:nvPr/>
             </p14:nvContentPartPr>
@@ -2636,7 +2967,7 @@
         <mc:Fallback>
           <p:sp>
             <p:nvSpPr>
-              <p:cNvPr id="1048700" name=""/>
+              <p:cNvPr id="1048603" name=""/>
               <p:cNvSpPr/>
               <p:nvPr/>
             </p:nvSpPr>
@@ -2653,7 +2984,7 @@
         <mc:Choice xmlns:p14="http://schemas.microsoft.com/office/powerpoint/2010/main" Requires="p14">
           <p:contentPart p14:bwMode="auto" r:id="rId3">
             <p14:nvContentPartPr>
-              <p14:cNvPr id="1048701" name=""/>
+              <p14:cNvPr id="1048604" name=""/>
               <p14:cNvContentPartPr/>
               <p14:nvPr/>
             </p14:nvContentPartPr>
@@ -2666,7 +2997,7 @@
         <mc:Fallback>
           <p:sp>
             <p:nvSpPr>
-              <p:cNvPr id="1048701" name=""/>
+              <p:cNvPr id="1048604" name=""/>
               <p:cNvSpPr/>
               <p:nvPr/>
             </p:nvSpPr>
@@ -2679,6 +3010,168 @@
           </p:sp>
         </mc:Fallback>
       </mc:AlternateContent>
+      <p:sp>
+        <p:nvSpPr>
+          <p:cNvPr id="1048605" name=""/>
+          <p:cNvSpPr txBox="1"/>
+          <p:nvPr/>
+        </p:nvSpPr>
+        <p:spPr>
+          <a:xfrm>
+            <a:off x="4096000" y="3219450"/>
+            <a:ext cx="4000000" cy="510540"/>
+          </a:xfrm>
+          <a:prstGeom prst="rect"/>
+        </p:spPr>
+        <p:txBody>
+          <a:bodyPr rtlCol="0" wrap="square">
+            <a:spAutoFit/>
+          </a:bodyPr>
+          <a:p>
+            <a:r>
+              <a:rPr altLang="en-GB" sz="2800" lang="en-US">
+                <a:solidFill>
+                  <a:srgbClr val="000000"/>
+                </a:solidFill>
+              </a:rPr>
+              <a:t> </a:t>
+            </a:r>
+            <a:r>
+              <a:rPr altLang="en-GB" sz="2800" lang="en-US">
+                <a:solidFill>
+                  <a:srgbClr val="000000"/>
+                </a:solidFill>
+              </a:rPr>
+              <a:t> </a:t>
+            </a:r>
+            <a:r>
+              <a:rPr altLang="en-GB" sz="2800" lang="en-US">
+                <a:solidFill>
+                  <a:srgbClr val="000000"/>
+                </a:solidFill>
+              </a:rPr>
+              <a:t> </a:t>
+            </a:r>
+            <a:r>
+              <a:rPr altLang="en-GB" sz="2800" lang="en-US">
+                <a:solidFill>
+                  <a:srgbClr val="000000"/>
+                </a:solidFill>
+              </a:rPr>
+              <a:t> </a:t>
+            </a:r>
+            <a:r>
+              <a:rPr altLang="en-GB" sz="2800" lang="en-US">
+                <a:solidFill>
+                  <a:srgbClr val="000000"/>
+                </a:solidFill>
+              </a:rPr>
+              <a:t> </a:t>
+            </a:r>
+            <a:r>
+              <a:rPr altLang="en-GB" sz="2800" lang="en-US">
+                <a:solidFill>
+                  <a:srgbClr val="000000"/>
+                </a:solidFill>
+              </a:rPr>
+              <a:t> </a:t>
+            </a:r>
+            <a:r>
+              <a:rPr altLang="en-GB" sz="2800" lang="en-US">
+                <a:solidFill>
+                  <a:srgbClr val="000000"/>
+                </a:solidFill>
+              </a:rPr>
+              <a:t> </a:t>
+            </a:r>
+            <a:r>
+              <a:rPr altLang="en-GB" sz="2800" lang="en-US">
+                <a:solidFill>
+                  <a:srgbClr val="000000"/>
+                </a:solidFill>
+              </a:rPr>
+              <a:t>G</a:t>
+            </a:r>
+            <a:r>
+              <a:rPr altLang="en-GB" sz="2800" lang="en-US">
+                <a:solidFill>
+                  <a:srgbClr val="000000"/>
+                </a:solidFill>
+              </a:rPr>
+              <a:t>.</a:t>
+            </a:r>
+            <a:r>
+              <a:rPr altLang="en-GB" sz="2800" lang="en-US">
+                <a:solidFill>
+                  <a:srgbClr val="000000"/>
+                </a:solidFill>
+              </a:rPr>
+              <a:t>k</a:t>
+            </a:r>
+            <a:r>
+              <a:rPr altLang="en-GB" sz="2800" lang="en-US">
+                <a:solidFill>
+                  <a:srgbClr val="000000"/>
+                </a:solidFill>
+              </a:rPr>
+              <a:t>a</a:t>
+            </a:r>
+            <a:r>
+              <a:rPr altLang="en-GB" sz="2800" lang="en-US">
+                <a:solidFill>
+                  <a:srgbClr val="000000"/>
+                </a:solidFill>
+              </a:rPr>
+              <a:t>r</a:t>
+            </a:r>
+            <a:r>
+              <a:rPr altLang="en-GB" sz="2800" lang="en-US">
+                <a:solidFill>
+                  <a:srgbClr val="000000"/>
+                </a:solidFill>
+              </a:rPr>
+              <a:t>t</a:t>
+            </a:r>
+            <a:r>
+              <a:rPr altLang="en-GB" sz="2800" lang="en-US">
+                <a:solidFill>
+                  <a:srgbClr val="000000"/>
+                </a:solidFill>
+              </a:rPr>
+              <a:t>h</a:t>
+            </a:r>
+            <a:r>
+              <a:rPr altLang="en-GB" sz="2800" lang="en-US">
+                <a:solidFill>
+                  <a:srgbClr val="000000"/>
+                </a:solidFill>
+              </a:rPr>
+              <a:t>i</a:t>
+            </a:r>
+            <a:r>
+              <a:rPr altLang="en-GB" sz="2800" lang="en-US">
+                <a:solidFill>
+                  <a:srgbClr val="000000"/>
+                </a:solidFill>
+              </a:rPr>
+              <a:t>k</a:t>
+            </a:r>
+            <a:r>
+              <a:rPr altLang="en-GB" sz="2800" lang="en-US">
+                <a:solidFill>
+                  <a:srgbClr val="000000"/>
+                </a:solidFill>
+              </a:rPr>
+              <a:t>a</a:t>
+            </a:r>
+            <a:endParaRPr sz="2800" lang="en-GB">
+              <a:solidFill>
+                <a:srgbClr val="000000"/>
+              </a:solidFill>
+            </a:endParaRPr>
+          </a:p>
+        </p:txBody>
+      </p:sp>
     </p:spTree>
   </p:cSld>
   <p:clrMapOvr>
@@ -2692,7 +3185,7 @@
   <p:cSld>
     <p:spTree>
       <p:nvGrpSpPr>
-        <p:cNvPr id="39" name=""/>
+        <p:cNvPr id="54" name=""/>
         <p:cNvGrpSpPr/>
         <p:nvPr/>
       </p:nvGrpSpPr>
@@ -2706,267 +3199,7 @@
       </p:grpSpPr>
       <p:sp>
         <p:nvSpPr>
-          <p:cNvPr id="1048668" name="object 2"/>
-          <p:cNvSpPr txBox="1"/>
-          <p:nvPr/>
-        </p:nvSpPr>
-        <p:spPr>
-          <a:xfrm>
-            <a:off x="752475" y="6486037"/>
-            <a:ext cx="1773555" cy="166370"/>
-          </a:xfrm>
-          <a:prstGeom prst="rect"/>
-        </p:spPr>
-        <p:txBody>
-          <a:bodyPr bIns="0" lIns="0" rIns="0" rtlCol="0" tIns="0" vert="horz" wrap="square">
-            <a:spAutoFit/>
-          </a:bodyPr>
-          <a:p>
-            <a:pPr>
-              <a:lnSpc>
-                <a:spcPts val="1275"/>
-              </a:lnSpc>
-            </a:pPr>
-            <a:r>
-              <a:rPr dirty="0" sz="1100" spc="20">
-                <a:solidFill>
-                  <a:srgbClr val="2D83C3"/>
-                </a:solidFill>
-                <a:latin typeface="Trebuchet MS"/>
-                <a:cs typeface="Trebuchet MS"/>
-              </a:rPr>
-              <a:t>3/21/202</a:t>
-            </a:r>
-            <a:r>
-              <a:rPr dirty="0" sz="1100" spc="10">
-                <a:solidFill>
-                  <a:srgbClr val="2D83C3"/>
-                </a:solidFill>
-                <a:latin typeface="Trebuchet MS"/>
-                <a:cs typeface="Trebuchet MS"/>
-              </a:rPr>
-              <a:t>4</a:t>
-            </a:r>
-            <a:r>
-              <a:rPr dirty="0" sz="1100">
-                <a:solidFill>
-                  <a:srgbClr val="2D83C3"/>
-                </a:solidFill>
-                <a:latin typeface="Trebuchet MS"/>
-                <a:cs typeface="Trebuchet MS"/>
-              </a:rPr>
-              <a:t> </a:t>
-            </a:r>
-            <a:r>
-              <a:rPr dirty="0" sz="1100" spc="130">
-                <a:solidFill>
-                  <a:srgbClr val="2D83C3"/>
-                </a:solidFill>
-                <a:latin typeface="Trebuchet MS"/>
-                <a:cs typeface="Trebuchet MS"/>
-              </a:rPr>
-              <a:t> </a:t>
-            </a:r>
-            <a:r>
-              <a:rPr b="1" dirty="0" sz="1100" spc="50">
-                <a:solidFill>
-                  <a:srgbClr val="2D83C3"/>
-                </a:solidFill>
-                <a:latin typeface="Trebuchet MS"/>
-                <a:cs typeface="Trebuchet MS"/>
-              </a:rPr>
-              <a:t>A</a:t>
-            </a:r>
-            <a:r>
-              <a:rPr b="1" dirty="0" sz="1100" spc="15">
-                <a:solidFill>
-                  <a:srgbClr val="2D83C3"/>
-                </a:solidFill>
-                <a:latin typeface="Trebuchet MS"/>
-                <a:cs typeface="Trebuchet MS"/>
-              </a:rPr>
-              <a:t>nnu</a:t>
-            </a:r>
-            <a:r>
-              <a:rPr b="1" dirty="0" sz="1100" spc="10">
-                <a:solidFill>
-                  <a:srgbClr val="2D83C3"/>
-                </a:solidFill>
-                <a:latin typeface="Trebuchet MS"/>
-                <a:cs typeface="Trebuchet MS"/>
-              </a:rPr>
-              <a:t>al</a:t>
-            </a:r>
-            <a:r>
-              <a:rPr b="1" dirty="0" sz="1100" spc="-140">
-                <a:solidFill>
-                  <a:srgbClr val="2D83C3"/>
-                </a:solidFill>
-                <a:latin typeface="Trebuchet MS"/>
-                <a:cs typeface="Trebuchet MS"/>
-              </a:rPr>
-              <a:t> </a:t>
-            </a:r>
-            <a:r>
-              <a:rPr b="1" dirty="0" sz="1100">
-                <a:solidFill>
-                  <a:srgbClr val="2D83C3"/>
-                </a:solidFill>
-                <a:latin typeface="Trebuchet MS"/>
-                <a:cs typeface="Trebuchet MS"/>
-              </a:rPr>
-              <a:t>R</a:t>
-            </a:r>
-            <a:r>
-              <a:rPr b="1" dirty="0" sz="1100" spc="35">
-                <a:solidFill>
-                  <a:srgbClr val="2D83C3"/>
-                </a:solidFill>
-                <a:latin typeface="Trebuchet MS"/>
-                <a:cs typeface="Trebuchet MS"/>
-              </a:rPr>
-              <a:t>e</a:t>
-            </a:r>
-            <a:r>
-              <a:rPr b="1" dirty="0" sz="1100" spc="90">
-                <a:solidFill>
-                  <a:srgbClr val="2D83C3"/>
-                </a:solidFill>
-                <a:latin typeface="Trebuchet MS"/>
-                <a:cs typeface="Trebuchet MS"/>
-              </a:rPr>
-              <a:t>v</a:t>
-            </a:r>
-            <a:r>
-              <a:rPr b="1" dirty="0" sz="1100" spc="-35">
-                <a:solidFill>
-                  <a:srgbClr val="2D83C3"/>
-                </a:solidFill>
-                <a:latin typeface="Trebuchet MS"/>
-                <a:cs typeface="Trebuchet MS"/>
-              </a:rPr>
-              <a:t>i</a:t>
-            </a:r>
-            <a:r>
-              <a:rPr b="1" dirty="0" sz="1100" spc="35">
-                <a:solidFill>
-                  <a:srgbClr val="2D83C3"/>
-                </a:solidFill>
-                <a:latin typeface="Trebuchet MS"/>
-                <a:cs typeface="Trebuchet MS"/>
-              </a:rPr>
-              <a:t>e</a:t>
-            </a:r>
-            <a:r>
-              <a:rPr b="1" dirty="0" sz="1100" spc="15">
-                <a:solidFill>
-                  <a:srgbClr val="2D83C3"/>
-                </a:solidFill>
-                <a:latin typeface="Trebuchet MS"/>
-                <a:cs typeface="Trebuchet MS"/>
-              </a:rPr>
-              <a:t>w</a:t>
-            </a:r>
-            <a:endParaRPr sz="1100">
-              <a:latin typeface="Trebuchet MS"/>
-              <a:cs typeface="Trebuchet MS"/>
-            </a:endParaRPr>
-          </a:p>
-        </p:txBody>
-      </p:sp>
-      <p:sp>
-        <p:nvSpPr>
-          <p:cNvPr id="1048669" name="object 3"/>
-          <p:cNvSpPr/>
-          <p:nvPr/>
-        </p:nvSpPr>
-        <p:spPr>
-          <a:xfrm>
-            <a:off x="9353550" y="5362575"/>
-            <a:ext cx="457200" cy="457200"/>
-          </a:xfrm>
-          <a:custGeom>
-            <a:avLst/>
-            <a:ahLst/>
-            <a:rect l="l" t="t" r="r" b="b"/>
-            <a:pathLst>
-              <a:path w="457200" h="457200">
-                <a:moveTo>
-                  <a:pt x="457200" y="0"/>
-                </a:moveTo>
-                <a:lnTo>
-                  <a:pt x="0" y="0"/>
-                </a:lnTo>
-                <a:lnTo>
-                  <a:pt x="0" y="457200"/>
-                </a:lnTo>
-                <a:lnTo>
-                  <a:pt x="457200" y="457200"/>
-                </a:lnTo>
-                <a:lnTo>
-                  <a:pt x="457200" y="0"/>
-                </a:lnTo>
-                <a:close/>
-              </a:path>
-            </a:pathLst>
-          </a:custGeom>
-          <a:solidFill>
-            <a:srgbClr val="42AF51"/>
-          </a:solidFill>
-        </p:spPr>
-        <p:txBody>
-          <a:bodyPr bIns="0" lIns="0" rIns="0" rtlCol="0" tIns="0" wrap="square"/>
-          <a:p/>
-        </p:txBody>
-      </p:sp>
-      <p:sp>
-        <p:nvSpPr>
-          <p:cNvPr id="1048670" name="object 4"/>
-          <p:cNvSpPr/>
-          <p:nvPr/>
-        </p:nvSpPr>
-        <p:spPr>
-          <a:xfrm>
-            <a:off x="6696075" y="1695450"/>
-            <a:ext cx="314325" cy="323850"/>
-          </a:xfrm>
-          <a:custGeom>
-            <a:avLst/>
-            <a:ahLst/>
-            <a:rect l="l" t="t" r="r" b="b"/>
-            <a:pathLst>
-              <a:path w="314325" h="323850">
-                <a:moveTo>
-                  <a:pt x="314325" y="0"/>
-                </a:moveTo>
-                <a:lnTo>
-                  <a:pt x="0" y="0"/>
-                </a:lnTo>
-                <a:lnTo>
-                  <a:pt x="0" y="323850"/>
-                </a:lnTo>
-                <a:lnTo>
-                  <a:pt x="314325" y="323850"/>
-                </a:lnTo>
-                <a:lnTo>
-                  <a:pt x="314325" y="0"/>
-                </a:lnTo>
-                <a:close/>
-              </a:path>
-            </a:pathLst>
-          </a:custGeom>
-          <a:solidFill>
-            <a:srgbClr val="2D83C3"/>
-          </a:solidFill>
-        </p:spPr>
-        <p:txBody>
-          <a:bodyPr bIns="0" lIns="0" rIns="0" rtlCol="0" tIns="0" wrap="square"/>
-          <a:p/>
-        </p:txBody>
-      </p:sp>
-      <p:sp>
-        <p:nvSpPr>
-          <p:cNvPr id="1048671" name="object 5"/>
+          <p:cNvPr id="1048676" name="object 5"/>
           <p:cNvSpPr/>
           <p:nvPr/>
         </p:nvSpPr>
@@ -3011,7 +3244,7 @@
       </p:sp>
       <p:pic>
         <p:nvPicPr>
-          <p:cNvPr id="2097166" name="object 6"/>
+          <p:cNvPr id="2097165" name="object 6"/>
           <p:cNvPicPr>
             <a:picLocks/>
           </p:cNvPicPr>
@@ -3025,53 +3258,15 @@
         </p:blipFill>
         <p:spPr>
           <a:xfrm>
-            <a:off x="66675" y="3381373"/>
-            <a:ext cx="2466975" cy="3419475"/>
+            <a:off x="1666875" y="6467475"/>
+            <a:ext cx="76200" cy="177800"/>
           </a:xfrm>
           <a:prstGeom prst="rect"/>
         </p:spPr>
       </p:pic>
       <p:sp>
         <p:nvSpPr>
-          <p:cNvPr id="1048672" name="object 7"/>
-          <p:cNvSpPr txBox="1">
-            <a:spLocks noGrp="1"/>
-          </p:cNvSpPr>
-          <p:nvPr>
-            <p:ph type="title"/>
-          </p:nvPr>
-        </p:nvSpPr>
-        <p:spPr>
-          <a:xfrm>
-            <a:off x="739775" y="654938"/>
-            <a:ext cx="8480425" cy="638810"/>
-          </a:xfrm>
-          <a:prstGeom prst="rect"/>
-        </p:spPr>
-        <p:txBody>
-          <a:bodyPr bIns="0" lIns="0" rIns="0" rtlCol="0" tIns="16510" vert="horz" wrap="square">
-            <a:spAutoFit/>
-          </a:bodyPr>
-          <a:p>
-            <a:pPr marL="12700">
-              <a:lnSpc>
-                <a:spcPct val="100000"/>
-              </a:lnSpc>
-              <a:spcBef>
-                <a:spcPts val="130"/>
-              </a:spcBef>
-            </a:pPr>
-            <a:r>
-              <a:rPr dirty="0" sz="4250" lang="en-IN" spc="15"/>
-              <a:t>RESULTS AND SCREENSHOTS</a:t>
-            </a:r>
-            <a:endParaRPr dirty="0" sz="4250"/>
-          </a:p>
-        </p:txBody>
-      </p:sp>
-      <p:sp>
-        <p:nvSpPr>
-          <p:cNvPr id="1048673" name="object 8"/>
+          <p:cNvPr id="1048677" name="object 9"/>
           <p:cNvSpPr txBox="1"/>
           <p:nvPr/>
         </p:nvSpPr>
@@ -3114,7 +3309,1688 @@
       </p:sp>
       <p:sp>
         <p:nvSpPr>
-          <p:cNvPr id="1048674" name="TextBox 8"/>
+          <p:cNvPr id="1048678" name="object 8"/>
+          <p:cNvSpPr txBox="1"/>
+          <p:nvPr/>
+        </p:nvSpPr>
+        <p:spPr>
+          <a:xfrm>
+            <a:off x="739775" y="291147"/>
+            <a:ext cx="8794750" cy="629018"/>
+          </a:xfrm>
+          <a:prstGeom prst="rect"/>
+        </p:spPr>
+        <p:txBody>
+          <a:bodyPr bIns="0" lIns="0" rIns="0" rtlCol="0" tIns="13335" vert="horz" wrap="square">
+            <a:spAutoFit/>
+          </a:bodyPr>
+          <a:p>
+            <a:pPr marL="12700">
+              <a:lnSpc>
+                <a:spcPct val="100000"/>
+              </a:lnSpc>
+              <a:spcBef>
+                <a:spcPts val="105"/>
+              </a:spcBef>
+            </a:pPr>
+            <a:r>
+              <a:rPr b="1" dirty="0" sz="4000" lang="en-IN" spc="15">
+                <a:latin typeface="Trebuchet MS"/>
+                <a:cs typeface="Trebuchet MS"/>
+              </a:rPr>
+              <a:t>POTFOLIO DESIGN AND LAYOUT</a:t>
+            </a:r>
+            <a:endParaRPr dirty="0" sz="4000">
+              <a:latin typeface="Trebuchet MS"/>
+              <a:cs typeface="Trebuchet MS"/>
+            </a:endParaRPr>
+          </a:p>
+        </p:txBody>
+      </p:sp>
+      <p:sp>
+        <p:nvSpPr>
+          <p:cNvPr id="1048679" name="object 3"/>
+          <p:cNvSpPr/>
+          <p:nvPr/>
+        </p:nvSpPr>
+        <p:spPr>
+          <a:xfrm>
+            <a:off x="10058400" y="525141"/>
+            <a:ext cx="457200" cy="457200"/>
+          </a:xfrm>
+          <a:custGeom>
+            <a:avLst/>
+            <a:ahLst/>
+            <a:rect l="l" t="t" r="r" b="b"/>
+            <a:pathLst>
+              <a:path w="457200" h="457200">
+                <a:moveTo>
+                  <a:pt x="457200" y="0"/>
+                </a:moveTo>
+                <a:lnTo>
+                  <a:pt x="0" y="0"/>
+                </a:lnTo>
+                <a:lnTo>
+                  <a:pt x="0" y="457200"/>
+                </a:lnTo>
+                <a:lnTo>
+                  <a:pt x="457200" y="457200"/>
+                </a:lnTo>
+                <a:lnTo>
+                  <a:pt x="457200" y="0"/>
+                </a:lnTo>
+                <a:close/>
+              </a:path>
+            </a:pathLst>
+          </a:custGeom>
+          <a:solidFill>
+            <a:srgbClr val="42AF51"/>
+          </a:solidFill>
+        </p:spPr>
+        <p:txBody>
+          <a:bodyPr bIns="0" lIns="0" rIns="0" rtlCol="0" tIns="0" wrap="square"/>
+          <a:p/>
+        </p:txBody>
+      </p:sp>
+      <p:sp>
+        <p:nvSpPr>
+          <p:cNvPr id="1048680" name=""/>
+          <p:cNvSpPr txBox="1"/>
+          <p:nvPr/>
+        </p:nvSpPr>
+        <p:spPr>
+          <a:xfrm>
+            <a:off x="1190299" y="1294129"/>
+            <a:ext cx="5825615" cy="4269740"/>
+          </a:xfrm>
+          <a:prstGeom prst="rect"/>
+        </p:spPr>
+        <p:txBody>
+          <a:bodyPr rtlCol="0" wrap="square">
+            <a:spAutoFit/>
+          </a:bodyPr>
+          <a:p>
+            <a:pPr indent="-571500" marL="571500">
+              <a:buFont typeface="Arial"/>
+              <a:buChar char="•"/>
+            </a:pPr>
+            <a:r>
+              <a:rPr altLang="en-GB" sz="4000" lang="en-US">
+                <a:solidFill>
+                  <a:srgbClr val="000000"/>
+                </a:solidFill>
+              </a:rPr>
+              <a:t>H</a:t>
+            </a:r>
+            <a:r>
+              <a:rPr altLang="en-GB" sz="4000" lang="en-US">
+                <a:solidFill>
+                  <a:srgbClr val="000000"/>
+                </a:solidFill>
+              </a:rPr>
+              <a:t>o</a:t>
+            </a:r>
+            <a:r>
+              <a:rPr altLang="en-GB" sz="4000" lang="en-US">
+                <a:solidFill>
+                  <a:srgbClr val="000000"/>
+                </a:solidFill>
+              </a:rPr>
+              <a:t>m</a:t>
+            </a:r>
+            <a:r>
+              <a:rPr altLang="en-GB" sz="4000" lang="en-US">
+                <a:solidFill>
+                  <a:srgbClr val="000000"/>
+                </a:solidFill>
+              </a:rPr>
+              <a:t>e</a:t>
+            </a:r>
+            <a:r>
+              <a:rPr altLang="en-GB" sz="4000" lang="en-US">
+                <a:solidFill>
+                  <a:srgbClr val="000000"/>
+                </a:solidFill>
+              </a:rPr>
+              <a:t> </a:t>
+            </a:r>
+            <a:r>
+              <a:rPr altLang="en-GB" sz="4000" lang="en-US">
+                <a:solidFill>
+                  <a:srgbClr val="000000"/>
+                </a:solidFill>
+              </a:rPr>
+              <a:t>p</a:t>
+            </a:r>
+            <a:r>
+              <a:rPr altLang="en-GB" sz="4000" lang="en-US">
+                <a:solidFill>
+                  <a:srgbClr val="000000"/>
+                </a:solidFill>
+              </a:rPr>
+              <a:t>a</a:t>
+            </a:r>
+            <a:r>
+              <a:rPr altLang="en-GB" sz="4000" lang="en-US">
+                <a:solidFill>
+                  <a:srgbClr val="000000"/>
+                </a:solidFill>
+              </a:rPr>
+              <a:t>g</a:t>
+            </a:r>
+            <a:r>
+              <a:rPr altLang="en-GB" sz="4000" lang="en-US">
+                <a:solidFill>
+                  <a:srgbClr val="000000"/>
+                </a:solidFill>
+              </a:rPr>
+              <a:t>e</a:t>
+            </a:r>
+            <a:endParaRPr sz="4400" lang="en-GB">
+              <a:solidFill>
+                <a:srgbClr val="000000"/>
+              </a:solidFill>
+            </a:endParaRPr>
+          </a:p>
+          <a:p>
+            <a:pPr indent="-571500" marL="571500">
+              <a:buFont typeface="Arial"/>
+              <a:buChar char="•"/>
+            </a:pPr>
+            <a:r>
+              <a:rPr altLang="en-GB" sz="4000" lang="en-US">
+                <a:solidFill>
+                  <a:srgbClr val="000000"/>
+                </a:solidFill>
+              </a:rPr>
+              <a:t>A</a:t>
+            </a:r>
+            <a:r>
+              <a:rPr altLang="en-GB" sz="4000" lang="en-US">
+                <a:solidFill>
+                  <a:srgbClr val="000000"/>
+                </a:solidFill>
+              </a:rPr>
+              <a:t>b</a:t>
+            </a:r>
+            <a:r>
+              <a:rPr altLang="en-GB" sz="4000" lang="en-US">
+                <a:solidFill>
+                  <a:srgbClr val="000000"/>
+                </a:solidFill>
+              </a:rPr>
+              <a:t>o</a:t>
+            </a:r>
+            <a:r>
+              <a:rPr altLang="en-GB" sz="4000" lang="en-US">
+                <a:solidFill>
+                  <a:srgbClr val="000000"/>
+                </a:solidFill>
+              </a:rPr>
+              <a:t>ut </a:t>
+            </a:r>
+            <a:r>
+              <a:rPr altLang="en-GB" sz="4000" lang="en-US">
+                <a:solidFill>
+                  <a:srgbClr val="000000"/>
+                </a:solidFill>
+              </a:rPr>
+              <a:t>m</a:t>
+            </a:r>
+            <a:r>
+              <a:rPr altLang="en-GB" sz="4000" lang="en-US">
+                <a:solidFill>
+                  <a:srgbClr val="000000"/>
+                </a:solidFill>
+              </a:rPr>
+              <a:t>e</a:t>
+            </a:r>
+            <a:endParaRPr sz="4400" lang="en-GB">
+              <a:solidFill>
+                <a:srgbClr val="000000"/>
+              </a:solidFill>
+            </a:endParaRPr>
+          </a:p>
+          <a:p>
+            <a:pPr indent="-571500" marL="571500">
+              <a:buFont typeface="Arial"/>
+              <a:buChar char="•"/>
+            </a:pPr>
+            <a:r>
+              <a:rPr altLang="en-GB" sz="4000" lang="en-US">
+                <a:solidFill>
+                  <a:srgbClr val="000000"/>
+                </a:solidFill>
+              </a:rPr>
+              <a:t>M</a:t>
+            </a:r>
+            <a:r>
+              <a:rPr altLang="en-GB" sz="4000" lang="en-US">
+                <a:solidFill>
+                  <a:srgbClr val="000000"/>
+                </a:solidFill>
+              </a:rPr>
+              <a:t>y</a:t>
+            </a:r>
+            <a:r>
+              <a:rPr altLang="en-GB" sz="4000" lang="en-US">
+                <a:solidFill>
+                  <a:srgbClr val="000000"/>
+                </a:solidFill>
+              </a:rPr>
+              <a:t> </a:t>
+            </a:r>
+            <a:r>
+              <a:rPr altLang="en-GB" sz="4000" lang="en-US">
+                <a:solidFill>
+                  <a:srgbClr val="000000"/>
+                </a:solidFill>
+              </a:rPr>
+              <a:t>p</a:t>
+            </a:r>
+            <a:r>
+              <a:rPr altLang="en-GB" sz="4000" lang="en-US">
+                <a:solidFill>
+                  <a:srgbClr val="000000"/>
+                </a:solidFill>
+              </a:rPr>
+              <a:t>r</a:t>
+            </a:r>
+            <a:r>
+              <a:rPr altLang="en-GB" sz="4000" lang="en-US">
+                <a:solidFill>
+                  <a:srgbClr val="000000"/>
+                </a:solidFill>
+              </a:rPr>
+              <a:t>o</a:t>
+            </a:r>
+            <a:r>
+              <a:rPr altLang="en-GB" sz="4000" lang="en-US">
+                <a:solidFill>
+                  <a:srgbClr val="000000"/>
+                </a:solidFill>
+              </a:rPr>
+              <a:t>file </a:t>
+            </a:r>
+            <a:endParaRPr sz="4400" lang="en-GB">
+              <a:solidFill>
+                <a:srgbClr val="000000"/>
+              </a:solidFill>
+            </a:endParaRPr>
+          </a:p>
+          <a:p>
+            <a:pPr indent="-571500" marL="571500">
+              <a:buFont typeface="Arial"/>
+              <a:buChar char="•"/>
+            </a:pPr>
+            <a:r>
+              <a:rPr altLang="en-GB" sz="4000" lang="en-US">
+                <a:solidFill>
+                  <a:srgbClr val="000000"/>
+                </a:solidFill>
+              </a:rPr>
+              <a:t>E</a:t>
+            </a:r>
+            <a:r>
+              <a:rPr altLang="en-GB" sz="4000" lang="en-US">
+                <a:solidFill>
+                  <a:srgbClr val="000000"/>
+                </a:solidFill>
+              </a:rPr>
+              <a:t>m</a:t>
+            </a:r>
+            <a:r>
+              <a:rPr altLang="en-GB" sz="4000" lang="en-US">
+                <a:solidFill>
+                  <a:srgbClr val="000000"/>
+                </a:solidFill>
+              </a:rPr>
+              <a:t>a</a:t>
+            </a:r>
+            <a:r>
+              <a:rPr altLang="en-GB" sz="4000" lang="en-US">
+                <a:solidFill>
+                  <a:srgbClr val="000000"/>
+                </a:solidFill>
+              </a:rPr>
+              <a:t>i</a:t>
+            </a:r>
+            <a:r>
+              <a:rPr altLang="en-GB" sz="4000" lang="en-US">
+                <a:solidFill>
+                  <a:srgbClr val="000000"/>
+                </a:solidFill>
+              </a:rPr>
+              <a:t>l</a:t>
+            </a:r>
+            <a:r>
+              <a:rPr altLang="en-GB" sz="4000" lang="en-US">
+                <a:solidFill>
+                  <a:srgbClr val="000000"/>
+                </a:solidFill>
+              </a:rPr>
+              <a:t> </a:t>
+            </a:r>
+            <a:r>
+              <a:rPr altLang="en-GB" sz="4000" lang="en-US">
+                <a:solidFill>
+                  <a:srgbClr val="000000"/>
+                </a:solidFill>
+              </a:rPr>
+              <a:t>ID </a:t>
+            </a:r>
+            <a:endParaRPr sz="4400" lang="en-GB">
+              <a:solidFill>
+                <a:srgbClr val="000000"/>
+              </a:solidFill>
+            </a:endParaRPr>
+          </a:p>
+          <a:p>
+            <a:pPr indent="-571500" marL="571500">
+              <a:buFont typeface="Arial"/>
+              <a:buChar char="•"/>
+            </a:pPr>
+            <a:r>
+              <a:rPr altLang="en-GB" sz="4000" lang="en-US">
+                <a:solidFill>
+                  <a:srgbClr val="000000"/>
+                </a:solidFill>
+              </a:rPr>
+              <a:t>Q</a:t>
+            </a:r>
+            <a:r>
+              <a:rPr altLang="en-GB" sz="4000" lang="en-US">
+                <a:solidFill>
+                  <a:srgbClr val="000000"/>
+                </a:solidFill>
+              </a:rPr>
+              <a:t>u</a:t>
+            </a:r>
+            <a:r>
+              <a:rPr altLang="en-GB" sz="4000" lang="en-US">
+                <a:solidFill>
+                  <a:srgbClr val="000000"/>
+                </a:solidFill>
+              </a:rPr>
+              <a:t>a</a:t>
+            </a:r>
+            <a:r>
+              <a:rPr altLang="en-GB" sz="4000" lang="en-US">
+                <a:solidFill>
+                  <a:srgbClr val="000000"/>
+                </a:solidFill>
+              </a:rPr>
+              <a:t>l</a:t>
+            </a:r>
+            <a:r>
+              <a:rPr altLang="en-GB" sz="4000" lang="en-US">
+                <a:solidFill>
+                  <a:srgbClr val="000000"/>
+                </a:solidFill>
+              </a:rPr>
+              <a:t>ification </a:t>
+            </a:r>
+            <a:endParaRPr sz="4400" lang="en-GB">
+              <a:solidFill>
+                <a:srgbClr val="000000"/>
+              </a:solidFill>
+            </a:endParaRPr>
+          </a:p>
+          <a:p>
+            <a:pPr indent="-571500" marL="571500">
+              <a:buFont typeface="Arial"/>
+              <a:buChar char="•"/>
+            </a:pPr>
+            <a:r>
+              <a:rPr altLang="en-GB" sz="4000" lang="en-US">
+                <a:solidFill>
+                  <a:srgbClr val="000000"/>
+                </a:solidFill>
+              </a:rPr>
+              <a:t>S</a:t>
+            </a:r>
+            <a:r>
+              <a:rPr altLang="en-GB" sz="4000" lang="en-US">
+                <a:solidFill>
+                  <a:srgbClr val="000000"/>
+                </a:solidFill>
+              </a:rPr>
+              <a:t>k</a:t>
+            </a:r>
+            <a:r>
+              <a:rPr altLang="en-GB" sz="4000" lang="en-US">
+                <a:solidFill>
+                  <a:srgbClr val="000000"/>
+                </a:solidFill>
+              </a:rPr>
+              <a:t>i</a:t>
+            </a:r>
+            <a:r>
+              <a:rPr altLang="en-GB" sz="4000" lang="en-US">
+                <a:solidFill>
+                  <a:srgbClr val="000000"/>
+                </a:solidFill>
+              </a:rPr>
+              <a:t>l</a:t>
+            </a:r>
+            <a:r>
+              <a:rPr altLang="en-GB" sz="4000" lang="en-US">
+                <a:solidFill>
+                  <a:srgbClr val="000000"/>
+                </a:solidFill>
+              </a:rPr>
+              <a:t>l</a:t>
+            </a:r>
+            <a:r>
+              <a:rPr altLang="en-GB" sz="4000" lang="en-US">
+                <a:solidFill>
+                  <a:srgbClr val="000000"/>
+                </a:solidFill>
+              </a:rPr>
+              <a:t>s </a:t>
+            </a:r>
+            <a:endParaRPr sz="4400" lang="en-GB">
+              <a:solidFill>
+                <a:srgbClr val="000000"/>
+              </a:solidFill>
+            </a:endParaRPr>
+          </a:p>
+          <a:p>
+            <a:pPr indent="-571500" marL="571500">
+              <a:buFont typeface="Arial"/>
+              <a:buChar char="•"/>
+            </a:pPr>
+            <a:r>
+              <a:rPr altLang="en-GB" sz="4000" lang="en-US">
+                <a:solidFill>
+                  <a:srgbClr val="000000"/>
+                </a:solidFill>
+              </a:rPr>
+              <a:t>C</a:t>
+            </a:r>
+            <a:r>
+              <a:rPr altLang="en-GB" sz="4000" lang="en-US">
+                <a:solidFill>
+                  <a:srgbClr val="000000"/>
+                </a:solidFill>
+              </a:rPr>
+              <a:t>o</a:t>
+            </a:r>
+            <a:r>
+              <a:rPr altLang="en-GB" sz="4000" lang="en-US">
+                <a:solidFill>
+                  <a:srgbClr val="000000"/>
+                </a:solidFill>
+              </a:rPr>
+              <a:t>n</a:t>
+            </a:r>
+            <a:r>
+              <a:rPr altLang="en-GB" sz="4000" lang="en-US">
+                <a:solidFill>
+                  <a:srgbClr val="000000"/>
+                </a:solidFill>
+              </a:rPr>
+              <a:t>tact </a:t>
+            </a:r>
+            <a:r>
+              <a:rPr altLang="en-GB" sz="4000" lang="en-US">
+                <a:solidFill>
+                  <a:srgbClr val="000000"/>
+                </a:solidFill>
+              </a:rPr>
+              <a:t>m</a:t>
+            </a:r>
+            <a:r>
+              <a:rPr altLang="en-GB" sz="4000" lang="en-US">
+                <a:solidFill>
+                  <a:srgbClr val="000000"/>
+                </a:solidFill>
+              </a:rPr>
+              <a:t>e</a:t>
+            </a:r>
+            <a:endParaRPr sz="2800" lang="en-GB">
+              <a:solidFill>
+                <a:srgbClr val="000000"/>
+              </a:solidFill>
+            </a:endParaRPr>
+          </a:p>
+        </p:txBody>
+      </p:sp>
+    </p:spTree>
+  </p:cSld>
+  <p:clrMapOvr>
+    <a:masterClrMapping/>
+  </p:clrMapOvr>
+</p:sld>
+</file>
+
+<file path=ppt/slides/slide11.xml><?xml version="1.0" encoding="utf-8"?>
+<p:sld xmlns:a="http://schemas.openxmlformats.org/drawingml/2006/main" xmlns:r="http://schemas.openxmlformats.org/officeDocument/2006/relationships" xmlns:p="http://schemas.openxmlformats.org/presentationml/2006/main">
+  <p:cSld>
+    <p:spTree>
+      <p:nvGrpSpPr>
+        <p:cNvPr id="55" name=""/>
+        <p:cNvGrpSpPr/>
+        <p:nvPr/>
+      </p:nvGrpSpPr>
+      <p:grpSpPr>
+        <a:xfrm>
+          <a:off x="0" y="0"/>
+          <a:ext cx="0" cy="0"/>
+          <a:chOff x="0" y="0"/>
+          <a:chExt cx="0" cy="0"/>
+        </a:xfrm>
+      </p:grpSpPr>
+      <p:pic>
+        <p:nvPicPr>
+          <p:cNvPr id="2097166" name=""/>
+          <p:cNvPicPr>
+            <a:picLocks/>
+          </p:cNvPicPr>
+          <p:nvPr/>
+        </p:nvPicPr>
+        <p:blipFill>
+          <a:blip xmlns:r="http://schemas.openxmlformats.org/officeDocument/2006/relationships" r:embed="rId1"/>
+          <a:stretch>
+            <a:fillRect/>
+          </a:stretch>
+        </p:blipFill>
+        <p:spPr>
+          <a:xfrm rot="0">
+            <a:off x="4042789" y="332724"/>
+            <a:ext cx="6185117" cy="6192552"/>
+          </a:xfrm>
+          <a:prstGeom prst="rect"/>
+        </p:spPr>
+      </p:pic>
+      <p:sp>
+        <p:nvSpPr>
+          <p:cNvPr id="1048681" name=""/>
+          <p:cNvSpPr txBox="1"/>
+          <p:nvPr/>
+        </p:nvSpPr>
+        <p:spPr>
+          <a:xfrm>
+            <a:off x="438531" y="332724"/>
+            <a:ext cx="4000000" cy="688339"/>
+          </a:xfrm>
+          <a:prstGeom prst="rect"/>
+        </p:spPr>
+        <p:txBody>
+          <a:bodyPr rtlCol="0" wrap="square">
+            <a:spAutoFit/>
+          </a:bodyPr>
+          <a:p>
+            <a:r>
+              <a:rPr altLang="en-GB" sz="4000" lang="en-US">
+                <a:solidFill>
+                  <a:srgbClr val="000000"/>
+                </a:solidFill>
+              </a:rPr>
+              <a:t>P</a:t>
+            </a:r>
+            <a:r>
+              <a:rPr altLang="en-GB" sz="4000" lang="en-US">
+                <a:solidFill>
+                  <a:srgbClr val="000000"/>
+                </a:solidFill>
+              </a:rPr>
+              <a:t>r</a:t>
+            </a:r>
+            <a:r>
+              <a:rPr altLang="en-GB" sz="4000" lang="en-US">
+                <a:solidFill>
+                  <a:srgbClr val="000000"/>
+                </a:solidFill>
+              </a:rPr>
+              <a:t>o</a:t>
+            </a:r>
+            <a:r>
+              <a:rPr altLang="en-GB" sz="4000" lang="en-US">
+                <a:solidFill>
+                  <a:srgbClr val="000000"/>
+                </a:solidFill>
+              </a:rPr>
+              <a:t>f</a:t>
+            </a:r>
+            <a:r>
+              <a:rPr altLang="en-GB" sz="4000" lang="en-US">
+                <a:solidFill>
+                  <a:srgbClr val="000000"/>
+                </a:solidFill>
+              </a:rPr>
+              <a:t>ile </a:t>
+            </a:r>
+            <a:r>
+              <a:rPr altLang="en-GB" sz="4000" lang="en-US">
+                <a:solidFill>
+                  <a:srgbClr val="000000"/>
+                </a:solidFill>
+              </a:rPr>
+              <a:t>p</a:t>
+            </a:r>
+            <a:r>
+              <a:rPr altLang="en-GB" sz="4000" lang="en-US">
+                <a:solidFill>
+                  <a:srgbClr val="000000"/>
+                </a:solidFill>
+              </a:rPr>
+              <a:t>a</a:t>
+            </a:r>
+            <a:r>
+              <a:rPr altLang="en-GB" sz="4000" lang="en-US">
+                <a:solidFill>
+                  <a:srgbClr val="000000"/>
+                </a:solidFill>
+              </a:rPr>
+              <a:t>g</a:t>
+            </a:r>
+            <a:r>
+              <a:rPr altLang="en-GB" sz="4000" lang="en-US">
+                <a:solidFill>
+                  <a:srgbClr val="000000"/>
+                </a:solidFill>
+              </a:rPr>
+              <a:t>e</a:t>
+            </a:r>
+            <a:r>
+              <a:rPr altLang="en-GB" sz="4000" lang="en-US">
+                <a:solidFill>
+                  <a:srgbClr val="000000"/>
+                </a:solidFill>
+              </a:rPr>
+              <a:t>:</a:t>
+            </a:r>
+            <a:endParaRPr sz="2800" lang="en-GB">
+              <a:solidFill>
+                <a:srgbClr val="000000"/>
+              </a:solidFill>
+            </a:endParaRPr>
+          </a:p>
+        </p:txBody>
+      </p:sp>
+    </p:spTree>
+  </p:cSld>
+  <p:clrMapOvr>
+    <a:masterClrMapping/>
+  </p:clrMapOvr>
+</p:sld>
+</file>
+
+<file path=ppt/slides/slide12.xml><?xml version="1.0" encoding="utf-8"?>
+<p:sld xmlns:a="http://schemas.openxmlformats.org/drawingml/2006/main" xmlns:r="http://schemas.openxmlformats.org/officeDocument/2006/relationships" xmlns:p="http://schemas.openxmlformats.org/presentationml/2006/main">
+  <p:cSld>
+    <p:spTree>
+      <p:nvGrpSpPr>
+        <p:cNvPr id="56" name=""/>
+        <p:cNvGrpSpPr/>
+        <p:nvPr/>
+      </p:nvGrpSpPr>
+      <p:grpSpPr>
+        <a:xfrm>
+          <a:off x="0" y="0"/>
+          <a:ext cx="0" cy="0"/>
+          <a:chOff x="0" y="0"/>
+          <a:chExt cx="0" cy="0"/>
+        </a:xfrm>
+      </p:grpSpPr>
+      <p:sp>
+        <p:nvSpPr>
+          <p:cNvPr id="1048682" name=""/>
+          <p:cNvSpPr txBox="1"/>
+          <p:nvPr/>
+        </p:nvSpPr>
+        <p:spPr>
+          <a:xfrm>
+            <a:off x="396045" y="700601"/>
+            <a:ext cx="4743340" cy="688339"/>
+          </a:xfrm>
+          <a:prstGeom prst="rect"/>
+        </p:spPr>
+        <p:txBody>
+          <a:bodyPr rtlCol="0" wrap="square">
+            <a:spAutoFit/>
+          </a:bodyPr>
+          <a:p>
+            <a:r>
+              <a:rPr altLang="en-GB" sz="4000" lang="en-US">
+                <a:solidFill>
+                  <a:srgbClr val="000000"/>
+                </a:solidFill>
+              </a:rPr>
+              <a:t>A</a:t>
+            </a:r>
+            <a:r>
+              <a:rPr altLang="en-GB" sz="4000" lang="en-US">
+                <a:solidFill>
+                  <a:srgbClr val="000000"/>
+                </a:solidFill>
+              </a:rPr>
+              <a:t>b</a:t>
+            </a:r>
+            <a:r>
+              <a:rPr altLang="en-GB" sz="4000" lang="en-US">
+                <a:solidFill>
+                  <a:srgbClr val="000000"/>
+                </a:solidFill>
+              </a:rPr>
+              <a:t>o</a:t>
+            </a:r>
+            <a:r>
+              <a:rPr altLang="en-GB" sz="4000" lang="en-US">
+                <a:solidFill>
+                  <a:srgbClr val="000000"/>
+                </a:solidFill>
+              </a:rPr>
+              <a:t>ut </a:t>
+            </a:r>
+            <a:r>
+              <a:rPr altLang="en-GB" sz="4000" lang="en-US">
+                <a:solidFill>
+                  <a:srgbClr val="000000"/>
+                </a:solidFill>
+              </a:rPr>
+              <a:t>m</a:t>
+            </a:r>
+            <a:r>
+              <a:rPr altLang="en-GB" sz="4000" lang="en-US">
+                <a:solidFill>
+                  <a:srgbClr val="000000"/>
+                </a:solidFill>
+              </a:rPr>
+              <a:t>e</a:t>
+            </a:r>
+            <a:r>
+              <a:rPr altLang="en-GB" sz="4000" lang="en-US">
+                <a:solidFill>
+                  <a:srgbClr val="000000"/>
+                </a:solidFill>
+              </a:rPr>
+              <a:t>:</a:t>
+            </a:r>
+            <a:endParaRPr sz="2800" lang="en-GB">
+              <a:solidFill>
+                <a:srgbClr val="000000"/>
+              </a:solidFill>
+            </a:endParaRPr>
+          </a:p>
+        </p:txBody>
+      </p:sp>
+      <p:pic>
+        <p:nvPicPr>
+          <p:cNvPr id="2097167" name=""/>
+          <p:cNvPicPr>
+            <a:picLocks/>
+          </p:cNvPicPr>
+          <p:nvPr/>
+        </p:nvPicPr>
+        <p:blipFill>
+          <a:blip xmlns:r="http://schemas.openxmlformats.org/officeDocument/2006/relationships" r:embed="rId1"/>
+          <a:srcRect l="0" t="15335" r="-17263" b="39304"/>
+          <a:stretch>
+            <a:fillRect/>
+          </a:stretch>
+        </p:blipFill>
+        <p:spPr>
+          <a:xfrm rot="0">
+            <a:off x="6095999" y="3897253"/>
+            <a:ext cx="3544777" cy="3110842"/>
+          </a:xfrm>
+          <a:prstGeom prst="rect"/>
+        </p:spPr>
+      </p:pic>
+      <p:pic>
+        <p:nvPicPr>
+          <p:cNvPr id="2097168" name=""/>
+          <p:cNvPicPr>
+            <a:picLocks/>
+          </p:cNvPicPr>
+          <p:nvPr/>
+        </p:nvPicPr>
+        <p:blipFill>
+          <a:blip xmlns:r="http://schemas.openxmlformats.org/officeDocument/2006/relationships" r:embed="rId2"/>
+          <a:stretch>
+            <a:fillRect/>
+          </a:stretch>
+        </p:blipFill>
+        <p:spPr>
+          <a:xfrm rot="0">
+            <a:off x="3073070" y="0"/>
+            <a:ext cx="3022929" cy="6858000"/>
+          </a:xfrm>
+          <a:prstGeom prst="rect"/>
+        </p:spPr>
+      </p:pic>
+    </p:spTree>
+  </p:cSld>
+  <p:clrMapOvr>
+    <a:masterClrMapping/>
+  </p:clrMapOvr>
+</p:sld>
+</file>
+
+<file path=ppt/slides/slide13.xml><?xml version="1.0" encoding="utf-8"?>
+<p:sld xmlns:a="http://schemas.openxmlformats.org/drawingml/2006/main" xmlns:r="http://schemas.openxmlformats.org/officeDocument/2006/relationships" xmlns:p="http://schemas.openxmlformats.org/presentationml/2006/main">
+  <p:cSld>
+    <p:spTree>
+      <p:nvGrpSpPr>
+        <p:cNvPr id="57" name=""/>
+        <p:cNvGrpSpPr/>
+        <p:nvPr/>
+      </p:nvGrpSpPr>
+      <p:grpSpPr>
+        <a:xfrm>
+          <a:off x="0" y="0"/>
+          <a:ext cx="0" cy="0"/>
+          <a:chOff x="0" y="0"/>
+          <a:chExt cx="0" cy="0"/>
+        </a:xfrm>
+      </p:grpSpPr>
+      <p:pic>
+        <p:nvPicPr>
+          <p:cNvPr id="2097169" name=""/>
+          <p:cNvPicPr>
+            <a:picLocks/>
+          </p:cNvPicPr>
+          <p:nvPr/>
+        </p:nvPicPr>
+        <p:blipFill>
+          <a:blip xmlns:r="http://schemas.openxmlformats.org/officeDocument/2006/relationships" r:embed="rId1"/>
+          <a:stretch>
+            <a:fillRect/>
+          </a:stretch>
+        </p:blipFill>
+        <p:spPr>
+          <a:xfrm rot="0">
+            <a:off x="6095999" y="0"/>
+            <a:ext cx="3022929" cy="6858000"/>
+          </a:xfrm>
+          <a:prstGeom prst="rect"/>
+        </p:spPr>
+      </p:pic>
+      <p:sp>
+        <p:nvSpPr>
+          <p:cNvPr id="1048683" name=""/>
+          <p:cNvSpPr txBox="1"/>
+          <p:nvPr/>
+        </p:nvSpPr>
+        <p:spPr>
+          <a:xfrm>
+            <a:off x="2096000" y="906928"/>
+            <a:ext cx="4000000" cy="624840"/>
+          </a:xfrm>
+          <a:prstGeom prst="rect"/>
+        </p:spPr>
+        <p:txBody>
+          <a:bodyPr rtlCol="0" wrap="square">
+            <a:spAutoFit/>
+          </a:bodyPr>
+          <a:p>
+            <a:r>
+              <a:rPr altLang="en-GB" sz="3600" lang="en-US">
+                <a:solidFill>
+                  <a:srgbClr val="000000"/>
+                </a:solidFill>
+              </a:rPr>
+              <a:t>M</a:t>
+            </a:r>
+            <a:r>
+              <a:rPr altLang="en-GB" sz="3600" lang="en-US">
+                <a:solidFill>
+                  <a:srgbClr val="000000"/>
+                </a:solidFill>
+              </a:rPr>
+              <a:t>y</a:t>
+            </a:r>
+            <a:r>
+              <a:rPr altLang="en-GB" sz="3600" lang="en-US">
+                <a:solidFill>
+                  <a:srgbClr val="000000"/>
+                </a:solidFill>
+              </a:rPr>
+              <a:t> </a:t>
+            </a:r>
+            <a:r>
+              <a:rPr altLang="en-GB" sz="3600" lang="en-US">
+                <a:solidFill>
+                  <a:srgbClr val="000000"/>
+                </a:solidFill>
+              </a:rPr>
+              <a:t>p</a:t>
+            </a:r>
+            <a:r>
+              <a:rPr altLang="en-GB" sz="3600" lang="en-US">
+                <a:solidFill>
+                  <a:srgbClr val="000000"/>
+                </a:solidFill>
+              </a:rPr>
+              <a:t>r</a:t>
+            </a:r>
+            <a:r>
+              <a:rPr altLang="en-GB" sz="3600" lang="en-US">
+                <a:solidFill>
+                  <a:srgbClr val="000000"/>
+                </a:solidFill>
+              </a:rPr>
+              <a:t>o</a:t>
+            </a:r>
+            <a:r>
+              <a:rPr altLang="en-GB" sz="3600" lang="en-US">
+                <a:solidFill>
+                  <a:srgbClr val="000000"/>
+                </a:solidFill>
+              </a:rPr>
+              <a:t>j</a:t>
+            </a:r>
+            <a:r>
+              <a:rPr altLang="en-GB" sz="3600" lang="en-US">
+                <a:solidFill>
+                  <a:srgbClr val="000000"/>
+                </a:solidFill>
+              </a:rPr>
+              <a:t>ect</a:t>
+            </a:r>
+            <a:r>
+              <a:rPr altLang="en-GB" sz="3600" lang="en-US">
+                <a:solidFill>
+                  <a:srgbClr val="000000"/>
+                </a:solidFill>
+              </a:rPr>
+              <a:t>:</a:t>
+            </a:r>
+            <a:endParaRPr sz="2800" lang="en-GB">
+              <a:solidFill>
+                <a:srgbClr val="000000"/>
+              </a:solidFill>
+            </a:endParaRPr>
+          </a:p>
+        </p:txBody>
+      </p:sp>
+    </p:spTree>
+  </p:cSld>
+  <p:clrMapOvr>
+    <a:masterClrMapping/>
+  </p:clrMapOvr>
+</p:sld>
+</file>
+
+<file path=ppt/slides/slide14.xml><?xml version="1.0" encoding="utf-8"?>
+<p:sld xmlns:a="http://schemas.openxmlformats.org/drawingml/2006/main" xmlns:r="http://schemas.openxmlformats.org/officeDocument/2006/relationships" xmlns:p="http://schemas.openxmlformats.org/presentationml/2006/main">
+  <p:cSld>
+    <p:spTree>
+      <p:nvGrpSpPr>
+        <p:cNvPr id="58" name=""/>
+        <p:cNvGrpSpPr/>
+        <p:nvPr/>
+      </p:nvGrpSpPr>
+      <p:grpSpPr>
+        <a:xfrm>
+          <a:off x="0" y="0"/>
+          <a:ext cx="0" cy="0"/>
+          <a:chOff x="0" y="0"/>
+          <a:chExt cx="0" cy="0"/>
+        </a:xfrm>
+      </p:grpSpPr>
+      <p:pic>
+        <p:nvPicPr>
+          <p:cNvPr id="2097170" name=""/>
+          <p:cNvPicPr>
+            <a:picLocks/>
+          </p:cNvPicPr>
+          <p:nvPr/>
+        </p:nvPicPr>
+        <p:blipFill>
+          <a:blip xmlns:r="http://schemas.openxmlformats.org/officeDocument/2006/relationships" r:embed="rId1"/>
+          <a:stretch>
+            <a:fillRect/>
+          </a:stretch>
+        </p:blipFill>
+        <p:spPr>
+          <a:xfrm rot="0">
+            <a:off x="3237550" y="0"/>
+            <a:ext cx="5716898" cy="3466320"/>
+          </a:xfrm>
+          <a:prstGeom prst="rect"/>
+        </p:spPr>
+      </p:pic>
+      <p:pic>
+        <p:nvPicPr>
+          <p:cNvPr id="2097171" name=""/>
+          <p:cNvPicPr>
+            <a:picLocks/>
+          </p:cNvPicPr>
+          <p:nvPr/>
+        </p:nvPicPr>
+        <p:blipFill>
+          <a:blip xmlns:r="http://schemas.openxmlformats.org/officeDocument/2006/relationships" r:embed="rId2"/>
+          <a:stretch>
+            <a:fillRect/>
+          </a:stretch>
+        </p:blipFill>
+        <p:spPr>
+          <a:xfrm rot="0">
+            <a:off x="4067842" y="3799449"/>
+            <a:ext cx="4630740" cy="3569024"/>
+          </a:xfrm>
+          <a:prstGeom prst="rect"/>
+        </p:spPr>
+      </p:pic>
+      <p:sp>
+        <p:nvSpPr>
+          <p:cNvPr id="1048684" name=""/>
+          <p:cNvSpPr txBox="1"/>
+          <p:nvPr/>
+        </p:nvSpPr>
+        <p:spPr>
+          <a:xfrm>
+            <a:off x="308701" y="972896"/>
+            <a:ext cx="2990725" cy="574040"/>
+          </a:xfrm>
+          <a:prstGeom prst="rect"/>
+        </p:spPr>
+        <p:txBody>
+          <a:bodyPr rtlCol="0" wrap="square">
+            <a:spAutoFit/>
+          </a:bodyPr>
+          <a:p>
+            <a:r>
+              <a:rPr altLang="en-GB" sz="3200" lang="en-US">
+                <a:solidFill>
+                  <a:srgbClr val="000000"/>
+                </a:solidFill>
+              </a:rPr>
+              <a:t>M</a:t>
+            </a:r>
+            <a:r>
+              <a:rPr altLang="en-GB" sz="3200" lang="en-US">
+                <a:solidFill>
+                  <a:srgbClr val="000000"/>
+                </a:solidFill>
+              </a:rPr>
+              <a:t>y</a:t>
+            </a:r>
+            <a:r>
+              <a:rPr altLang="en-GB" sz="3200" lang="en-US">
+                <a:solidFill>
+                  <a:srgbClr val="000000"/>
+                </a:solidFill>
+              </a:rPr>
+              <a:t> </a:t>
+            </a:r>
+            <a:r>
+              <a:rPr altLang="en-GB" sz="3200" lang="en-US">
+                <a:solidFill>
+                  <a:srgbClr val="000000"/>
+                </a:solidFill>
+              </a:rPr>
+              <a:t>c</a:t>
+            </a:r>
+            <a:r>
+              <a:rPr altLang="en-GB" sz="3200" lang="en-US">
+                <a:solidFill>
+                  <a:srgbClr val="000000"/>
+                </a:solidFill>
+              </a:rPr>
+              <a:t>e</a:t>
+            </a:r>
+            <a:r>
+              <a:rPr altLang="en-GB" sz="3200" lang="en-US">
+                <a:solidFill>
+                  <a:srgbClr val="000000"/>
+                </a:solidFill>
+              </a:rPr>
+              <a:t>r</a:t>
+            </a:r>
+            <a:r>
+              <a:rPr altLang="en-GB" sz="3200" lang="en-US">
+                <a:solidFill>
+                  <a:srgbClr val="000000"/>
+                </a:solidFill>
+              </a:rPr>
+              <a:t>tificate</a:t>
+            </a:r>
+            <a:r>
+              <a:rPr altLang="en-GB" sz="3200" lang="en-US">
+                <a:solidFill>
+                  <a:srgbClr val="000000"/>
+                </a:solidFill>
+              </a:rPr>
+              <a:t>:</a:t>
+            </a:r>
+            <a:endParaRPr sz="2800" lang="en-GB">
+              <a:solidFill>
+                <a:srgbClr val="000000"/>
+              </a:solidFill>
+            </a:endParaRPr>
+          </a:p>
+        </p:txBody>
+      </p:sp>
+    </p:spTree>
+  </p:cSld>
+  <p:clrMapOvr>
+    <a:masterClrMapping/>
+  </p:clrMapOvr>
+</p:sld>
+</file>
+
+<file path=ppt/slides/slide15.xml><?xml version="1.0" encoding="utf-8"?>
+<p:sld xmlns:a="http://schemas.openxmlformats.org/drawingml/2006/main" xmlns:r="http://schemas.openxmlformats.org/officeDocument/2006/relationships" xmlns:p="http://schemas.openxmlformats.org/presentationml/2006/main">
+  <p:cSld>
+    <p:spTree>
+      <p:nvGrpSpPr>
+        <p:cNvPr id="59" name=""/>
+        <p:cNvGrpSpPr/>
+        <p:nvPr/>
+      </p:nvGrpSpPr>
+      <p:grpSpPr>
+        <a:xfrm>
+          <a:off x="0" y="0"/>
+          <a:ext cx="0" cy="0"/>
+          <a:chOff x="0" y="0"/>
+          <a:chExt cx="0" cy="0"/>
+        </a:xfrm>
+      </p:grpSpPr>
+      <p:sp>
+        <p:nvSpPr>
+          <p:cNvPr id="1048685" name="Title 1"/>
+          <p:cNvSpPr>
+            <a:spLocks noGrp="1"/>
+          </p:cNvSpPr>
+          <p:nvPr>
+            <p:ph type="title"/>
+          </p:nvPr>
+        </p:nvSpPr>
+        <p:spPr>
+          <a:xfrm>
+            <a:off x="755332" y="385444"/>
+            <a:ext cx="10681335" cy="723901"/>
+          </a:xfrm>
+        </p:spPr>
+        <p:txBody>
+          <a:bodyPr/>
+          <a:p>
+            <a:r>
+              <a:rPr dirty="0" lang="en-IN"/>
+              <a:t>FEATURES AND FUNCTIONALITY</a:t>
+            </a:r>
+          </a:p>
+        </p:txBody>
+      </p:sp>
+      <p:sp>
+        <p:nvSpPr>
+          <p:cNvPr id="1048686" name=""/>
+          <p:cNvSpPr txBox="1"/>
+          <p:nvPr/>
+        </p:nvSpPr>
+        <p:spPr>
+          <a:xfrm>
+            <a:off x="994207" y="1437044"/>
+            <a:ext cx="8839048" cy="5120641"/>
+          </a:xfrm>
+          <a:prstGeom prst="rect"/>
+        </p:spPr>
+        <p:txBody>
+          <a:bodyPr rtlCol="0" wrap="square">
+            <a:spAutoFit/>
+          </a:bodyPr>
+          <a:p>
+            <a:r>
+              <a:rPr sz="2800" lang="en-GB">
+                <a:solidFill>
+                  <a:srgbClr val="000000"/>
+                </a:solidFill>
+              </a:rPr>
+              <a:t>HTML (HyperText Markup Language):
+Provides the structure and content of a web page, defining elements like headings, paragraphs, images, and links.
+CSS (Cascading Style Sheets):
+Controls the visual presentation of a web page, including layout, colors, fonts, and responsiveness across different devices.
+JavaScript:
+Adds interactivity and dynamic behavior to web pages, enabling features like animations, form validation, and data manipulation.</a:t>
+            </a:r>
+            <a:endParaRPr sz="2800" lang="en-GB">
+              <a:solidFill>
+                <a:srgbClr val="000000"/>
+              </a:solidFill>
+            </a:endParaRPr>
+          </a:p>
+        </p:txBody>
+      </p:sp>
+    </p:spTree>
+  </p:cSld>
+  <p:clrMapOvr>
+    <a:masterClrMapping/>
+  </p:clrMapOvr>
+</p:sld>
+</file>
+
+<file path=ppt/slides/slide16.xml><?xml version="1.0" encoding="utf-8"?>
+<p:sld xmlns:a="http://schemas.openxmlformats.org/drawingml/2006/main" xmlns:r="http://schemas.openxmlformats.org/officeDocument/2006/relationships" xmlns:p="http://schemas.openxmlformats.org/presentationml/2006/main">
+  <p:cSld>
+    <p:spTree>
+      <p:nvGrpSpPr>
+        <p:cNvPr id="60" name=""/>
+        <p:cNvGrpSpPr/>
+        <p:nvPr/>
+      </p:nvGrpSpPr>
+      <p:grpSpPr>
+        <a:xfrm>
+          <a:off x="0" y="0"/>
+          <a:ext cx="0" cy="0"/>
+          <a:chOff x="0" y="0"/>
+          <a:chExt cx="0" cy="0"/>
+        </a:xfrm>
+      </p:grpSpPr>
+      <p:sp>
+        <p:nvSpPr>
+          <p:cNvPr id="1048687" name="object 2"/>
+          <p:cNvSpPr txBox="1"/>
+          <p:nvPr/>
+        </p:nvSpPr>
+        <p:spPr>
+          <a:xfrm>
+            <a:off x="752475" y="6486037"/>
+            <a:ext cx="1773555" cy="166370"/>
+          </a:xfrm>
+          <a:prstGeom prst="rect"/>
+        </p:spPr>
+        <p:txBody>
+          <a:bodyPr bIns="0" lIns="0" rIns="0" rtlCol="0" tIns="0" vert="horz" wrap="square">
+            <a:spAutoFit/>
+          </a:bodyPr>
+          <a:p>
+            <a:pPr>
+              <a:lnSpc>
+                <a:spcPts val="1275"/>
+              </a:lnSpc>
+            </a:pPr>
+            <a:r>
+              <a:rPr dirty="0" sz="1100" spc="20">
+                <a:solidFill>
+                  <a:srgbClr val="2D83C3"/>
+                </a:solidFill>
+                <a:latin typeface="Trebuchet MS"/>
+                <a:cs typeface="Trebuchet MS"/>
+              </a:rPr>
+              <a:t>3/21/202</a:t>
+            </a:r>
+            <a:r>
+              <a:rPr dirty="0" sz="1100" spc="10">
+                <a:solidFill>
+                  <a:srgbClr val="2D83C3"/>
+                </a:solidFill>
+                <a:latin typeface="Trebuchet MS"/>
+                <a:cs typeface="Trebuchet MS"/>
+              </a:rPr>
+              <a:t>4</a:t>
+            </a:r>
+            <a:r>
+              <a:rPr dirty="0" sz="1100">
+                <a:solidFill>
+                  <a:srgbClr val="2D83C3"/>
+                </a:solidFill>
+                <a:latin typeface="Trebuchet MS"/>
+                <a:cs typeface="Trebuchet MS"/>
+              </a:rPr>
+              <a:t> </a:t>
+            </a:r>
+            <a:r>
+              <a:rPr dirty="0" sz="1100" spc="130">
+                <a:solidFill>
+                  <a:srgbClr val="2D83C3"/>
+                </a:solidFill>
+                <a:latin typeface="Trebuchet MS"/>
+                <a:cs typeface="Trebuchet MS"/>
+              </a:rPr>
+              <a:t> </a:t>
+            </a:r>
+            <a:r>
+              <a:rPr b="1" dirty="0" sz="1100" spc="50">
+                <a:solidFill>
+                  <a:srgbClr val="2D83C3"/>
+                </a:solidFill>
+                <a:latin typeface="Trebuchet MS"/>
+                <a:cs typeface="Trebuchet MS"/>
+              </a:rPr>
+              <a:t>A</a:t>
+            </a:r>
+            <a:r>
+              <a:rPr b="1" dirty="0" sz="1100" spc="15">
+                <a:solidFill>
+                  <a:srgbClr val="2D83C3"/>
+                </a:solidFill>
+                <a:latin typeface="Trebuchet MS"/>
+                <a:cs typeface="Trebuchet MS"/>
+              </a:rPr>
+              <a:t>nnu</a:t>
+            </a:r>
+            <a:r>
+              <a:rPr b="1" dirty="0" sz="1100" spc="10">
+                <a:solidFill>
+                  <a:srgbClr val="2D83C3"/>
+                </a:solidFill>
+                <a:latin typeface="Trebuchet MS"/>
+                <a:cs typeface="Trebuchet MS"/>
+              </a:rPr>
+              <a:t>al</a:t>
+            </a:r>
+            <a:r>
+              <a:rPr b="1" dirty="0" sz="1100" spc="-140">
+                <a:solidFill>
+                  <a:srgbClr val="2D83C3"/>
+                </a:solidFill>
+                <a:latin typeface="Trebuchet MS"/>
+                <a:cs typeface="Trebuchet MS"/>
+              </a:rPr>
+              <a:t> </a:t>
+            </a:r>
+            <a:r>
+              <a:rPr b="1" dirty="0" sz="1100">
+                <a:solidFill>
+                  <a:srgbClr val="2D83C3"/>
+                </a:solidFill>
+                <a:latin typeface="Trebuchet MS"/>
+                <a:cs typeface="Trebuchet MS"/>
+              </a:rPr>
+              <a:t>R</a:t>
+            </a:r>
+            <a:r>
+              <a:rPr b="1" dirty="0" sz="1100" spc="35">
+                <a:solidFill>
+                  <a:srgbClr val="2D83C3"/>
+                </a:solidFill>
+                <a:latin typeface="Trebuchet MS"/>
+                <a:cs typeface="Trebuchet MS"/>
+              </a:rPr>
+              <a:t>e</a:t>
+            </a:r>
+            <a:r>
+              <a:rPr b="1" dirty="0" sz="1100" spc="90">
+                <a:solidFill>
+                  <a:srgbClr val="2D83C3"/>
+                </a:solidFill>
+                <a:latin typeface="Trebuchet MS"/>
+                <a:cs typeface="Trebuchet MS"/>
+              </a:rPr>
+              <a:t>v</a:t>
+            </a:r>
+            <a:r>
+              <a:rPr b="1" dirty="0" sz="1100" spc="-35">
+                <a:solidFill>
+                  <a:srgbClr val="2D83C3"/>
+                </a:solidFill>
+                <a:latin typeface="Trebuchet MS"/>
+                <a:cs typeface="Trebuchet MS"/>
+              </a:rPr>
+              <a:t>i</a:t>
+            </a:r>
+            <a:r>
+              <a:rPr b="1" dirty="0" sz="1100" spc="35">
+                <a:solidFill>
+                  <a:srgbClr val="2D83C3"/>
+                </a:solidFill>
+                <a:latin typeface="Trebuchet MS"/>
+                <a:cs typeface="Trebuchet MS"/>
+              </a:rPr>
+              <a:t>e</a:t>
+            </a:r>
+            <a:r>
+              <a:rPr b="1" dirty="0" sz="1100" spc="15">
+                <a:solidFill>
+                  <a:srgbClr val="2D83C3"/>
+                </a:solidFill>
+                <a:latin typeface="Trebuchet MS"/>
+                <a:cs typeface="Trebuchet MS"/>
+              </a:rPr>
+              <a:t>w</a:t>
+            </a:r>
+            <a:endParaRPr sz="1100">
+              <a:latin typeface="Trebuchet MS"/>
+              <a:cs typeface="Trebuchet MS"/>
+            </a:endParaRPr>
+          </a:p>
+        </p:txBody>
+      </p:sp>
+      <p:sp>
+        <p:nvSpPr>
+          <p:cNvPr id="1048688" name="object 3"/>
+          <p:cNvSpPr/>
+          <p:nvPr/>
+        </p:nvSpPr>
+        <p:spPr>
+          <a:xfrm>
+            <a:off x="9353550" y="5362575"/>
+            <a:ext cx="457200" cy="457200"/>
+          </a:xfrm>
+          <a:custGeom>
+            <a:avLst/>
+            <a:ahLst/>
+            <a:rect l="l" t="t" r="r" b="b"/>
+            <a:pathLst>
+              <a:path w="457200" h="457200">
+                <a:moveTo>
+                  <a:pt x="457200" y="0"/>
+                </a:moveTo>
+                <a:lnTo>
+                  <a:pt x="0" y="0"/>
+                </a:lnTo>
+                <a:lnTo>
+                  <a:pt x="0" y="457200"/>
+                </a:lnTo>
+                <a:lnTo>
+                  <a:pt x="457200" y="457200"/>
+                </a:lnTo>
+                <a:lnTo>
+                  <a:pt x="457200" y="0"/>
+                </a:lnTo>
+                <a:close/>
+              </a:path>
+            </a:pathLst>
+          </a:custGeom>
+          <a:solidFill>
+            <a:srgbClr val="42AF51"/>
+          </a:solidFill>
+        </p:spPr>
+        <p:txBody>
+          <a:bodyPr bIns="0" lIns="0" rIns="0" rtlCol="0" tIns="0" wrap="square"/>
+          <a:p/>
+        </p:txBody>
+      </p:sp>
+      <p:sp>
+        <p:nvSpPr>
+          <p:cNvPr id="1048689" name="object 4"/>
+          <p:cNvSpPr/>
+          <p:nvPr/>
+        </p:nvSpPr>
+        <p:spPr>
+          <a:xfrm>
+            <a:off x="6696075" y="1695450"/>
+            <a:ext cx="314325" cy="323850"/>
+          </a:xfrm>
+          <a:custGeom>
+            <a:avLst/>
+            <a:ahLst/>
+            <a:rect l="l" t="t" r="r" b="b"/>
+            <a:pathLst>
+              <a:path w="314325" h="323850">
+                <a:moveTo>
+                  <a:pt x="314325" y="0"/>
+                </a:moveTo>
+                <a:lnTo>
+                  <a:pt x="0" y="0"/>
+                </a:lnTo>
+                <a:lnTo>
+                  <a:pt x="0" y="323850"/>
+                </a:lnTo>
+                <a:lnTo>
+                  <a:pt x="314325" y="323850"/>
+                </a:lnTo>
+                <a:lnTo>
+                  <a:pt x="314325" y="0"/>
+                </a:lnTo>
+                <a:close/>
+              </a:path>
+            </a:pathLst>
+          </a:custGeom>
+          <a:solidFill>
+            <a:srgbClr val="2D83C3"/>
+          </a:solidFill>
+        </p:spPr>
+        <p:txBody>
+          <a:bodyPr bIns="0" lIns="0" rIns="0" rtlCol="0" tIns="0" wrap="square"/>
+          <a:p/>
+        </p:txBody>
+      </p:sp>
+      <p:sp>
+        <p:nvSpPr>
+          <p:cNvPr id="1048690" name="object 5"/>
+          <p:cNvSpPr/>
+          <p:nvPr/>
+        </p:nvSpPr>
+        <p:spPr>
+          <a:xfrm>
+            <a:off x="9353550" y="5895975"/>
+            <a:ext cx="180975" cy="180975"/>
+          </a:xfrm>
+          <a:custGeom>
+            <a:avLst/>
+            <a:ahLst/>
+            <a:rect l="l" t="t" r="r" b="b"/>
+            <a:pathLst>
+              <a:path w="180975" h="180975">
+                <a:moveTo>
+                  <a:pt x="180975" y="0"/>
+                </a:moveTo>
+                <a:lnTo>
+                  <a:pt x="0" y="0"/>
+                </a:lnTo>
+                <a:lnTo>
+                  <a:pt x="0" y="180975"/>
+                </a:lnTo>
+                <a:lnTo>
+                  <a:pt x="180975" y="180975"/>
+                </a:lnTo>
+                <a:lnTo>
+                  <a:pt x="180975" y="0"/>
+                </a:lnTo>
+                <a:close/>
+              </a:path>
+            </a:pathLst>
+          </a:custGeom>
+          <a:solidFill>
+            <a:srgbClr val="2D936B"/>
+          </a:solidFill>
+        </p:spPr>
+        <p:txBody>
+          <a:bodyPr bIns="0" lIns="0" rIns="0" rtlCol="0" tIns="0" wrap="square"/>
+          <a:p/>
+        </p:txBody>
+      </p:sp>
+      <p:pic>
+        <p:nvPicPr>
+          <p:cNvPr id="2097172" name="object 6"/>
+          <p:cNvPicPr>
+            <a:picLocks/>
+          </p:cNvPicPr>
+          <p:nvPr/>
+        </p:nvPicPr>
+        <p:blipFill>
+          <a:blip xmlns:r="http://schemas.openxmlformats.org/officeDocument/2006/relationships" r:embed="rId1" cstate="print"/>
+          <a:stretch>
+            <a:fillRect/>
+          </a:stretch>
+        </p:blipFill>
+        <p:spPr>
+          <a:xfrm>
+            <a:off x="66675" y="3381373"/>
+            <a:ext cx="2466975" cy="3419475"/>
+          </a:xfrm>
+          <a:prstGeom prst="rect"/>
+        </p:spPr>
+      </p:pic>
+      <p:sp>
+        <p:nvSpPr>
+          <p:cNvPr id="1048691" name="object 7"/>
+          <p:cNvSpPr txBox="1">
+            <a:spLocks noGrp="1"/>
+          </p:cNvSpPr>
+          <p:nvPr>
+            <p:ph type="title"/>
+          </p:nvPr>
+        </p:nvSpPr>
+        <p:spPr>
+          <a:xfrm>
+            <a:off x="739775" y="654938"/>
+            <a:ext cx="8480425" cy="638810"/>
+          </a:xfrm>
+          <a:prstGeom prst="rect"/>
+        </p:spPr>
+        <p:txBody>
+          <a:bodyPr bIns="0" lIns="0" rIns="0" rtlCol="0" tIns="16510" vert="horz" wrap="square">
+            <a:spAutoFit/>
+          </a:bodyPr>
+          <a:p>
+            <a:pPr marL="12700">
+              <a:lnSpc>
+                <a:spcPct val="100000"/>
+              </a:lnSpc>
+              <a:spcBef>
+                <a:spcPts val="130"/>
+              </a:spcBef>
+            </a:pPr>
+            <a:r>
+              <a:rPr dirty="0" sz="4250" lang="en-IN" spc="15"/>
+              <a:t>RESULTS AND SCREENSHOTS</a:t>
+            </a:r>
+            <a:endParaRPr dirty="0" sz="4250"/>
+          </a:p>
+        </p:txBody>
+      </p:sp>
+      <p:sp>
+        <p:nvSpPr>
+          <p:cNvPr id="1048692" name="object 8"/>
+          <p:cNvSpPr txBox="1"/>
+          <p:nvPr/>
+        </p:nvSpPr>
+        <p:spPr>
+          <a:xfrm>
+            <a:off x="11277218" y="6473337"/>
+            <a:ext cx="228600" cy="191770"/>
+          </a:xfrm>
+          <a:prstGeom prst="rect"/>
+        </p:spPr>
+        <p:txBody>
+          <a:bodyPr bIns="0" lIns="0" rIns="0" rtlCol="0" tIns="6985" vert="horz" wrap="square">
+            <a:spAutoFit/>
+          </a:bodyPr>
+          <a:p>
+            <a:pPr marL="38100">
+              <a:lnSpc>
+                <a:spcPct val="100000"/>
+              </a:lnSpc>
+              <a:spcBef>
+                <a:spcPts val="55"/>
+              </a:spcBef>
+            </a:pPr>
+            <a:fld id="{81D60167-4931-47E6-BA6A-407CBD079E47}" type="slidenum">
+              <a:rPr dirty="0" sz="1100" spc="10">
+                <a:solidFill>
+                  <a:srgbClr val="2D936B"/>
+                </a:solidFill>
+                <a:latin typeface="Trebuchet MS"/>
+                <a:cs typeface="Trebuchet MS"/>
+              </a:rPr>
+              <a:t>16</a:t>
+            </a:fld>
+            <a:endParaRPr sz="1100">
+              <a:latin typeface="Trebuchet MS"/>
+              <a:cs typeface="Trebuchet MS"/>
+            </a:endParaRPr>
+          </a:p>
+        </p:txBody>
+      </p:sp>
+      <p:sp>
+        <p:nvSpPr>
+          <p:cNvPr id="1048693" name="TextBox 8"/>
           <p:cNvSpPr txBox="1"/>
           <p:nvPr/>
         </p:nvSpPr>
@@ -3152,6 +5028,28 @@
           </a:p>
         </p:txBody>
       </p:sp>
+      <p:pic>
+        <p:nvPicPr>
+          <p:cNvPr id="2097173" name=""/>
+          <p:cNvPicPr>
+            <a:picLocks/>
+          </p:cNvPicPr>
+          <p:nvPr/>
+        </p:nvPicPr>
+        <p:blipFill>
+          <a:blip xmlns:r="http://schemas.openxmlformats.org/officeDocument/2006/relationships" r:embed="rId2"/>
+          <a:stretch>
+            <a:fillRect/>
+          </a:stretch>
+        </p:blipFill>
+        <p:spPr>
+          <a:xfrm rot="27846">
+            <a:off x="4955780" y="1479254"/>
+            <a:ext cx="3963418" cy="6160497"/>
+          </a:xfrm>
+          <a:prstGeom prst="rect"/>
+        </p:spPr>
+      </p:pic>
     </p:spTree>
   </p:cSld>
   <p:clrMapOvr>
@@ -3160,12 +5058,12 @@
 </p:sld>
 </file>
 
-<file path=ppt/slides/slide11.xml><?xml version="1.0" encoding="utf-8"?>
+<file path=ppt/slides/slide17.xml><?xml version="1.0" encoding="utf-8"?>
 <p:sld xmlns:a="http://schemas.openxmlformats.org/drawingml/2006/main" xmlns:r="http://schemas.openxmlformats.org/officeDocument/2006/relationships" xmlns:p="http://schemas.openxmlformats.org/presentationml/2006/main">
   <p:cSld>
     <p:spTree>
       <p:nvGrpSpPr>
-        <p:cNvPr id="40" name=""/>
+        <p:cNvPr id="61" name=""/>
         <p:cNvGrpSpPr/>
         <p:nvPr/>
       </p:nvGrpSpPr>
@@ -3177,244 +5075,122 @@
           <a:chExt cx="0" cy="0"/>
         </a:xfrm>
       </p:grpSpPr>
-      <p:sp>
-        <p:nvSpPr>
-          <p:cNvPr id="1048675" name="object 3"/>
-          <p:cNvSpPr/>
-          <p:nvPr/>
-        </p:nvSpPr>
-        <p:spPr>
-          <a:xfrm>
-            <a:off x="9353550" y="5362575"/>
-            <a:ext cx="457200" cy="457200"/>
-          </a:xfrm>
-          <a:custGeom>
-            <a:avLst/>
-            <a:ahLst/>
-            <a:rect l="l" t="t" r="r" b="b"/>
-            <a:pathLst>
-              <a:path w="457200" h="457200">
-                <a:moveTo>
-                  <a:pt x="457200" y="0"/>
-                </a:moveTo>
-                <a:lnTo>
-                  <a:pt x="0" y="0"/>
-                </a:lnTo>
-                <a:lnTo>
-                  <a:pt x="0" y="457200"/>
-                </a:lnTo>
-                <a:lnTo>
-                  <a:pt x="457200" y="457200"/>
-                </a:lnTo>
-                <a:lnTo>
-                  <a:pt x="457200" y="0"/>
-                </a:lnTo>
-                <a:close/>
-              </a:path>
-            </a:pathLst>
-          </a:custGeom>
-          <a:solidFill>
-            <a:srgbClr val="42AF51"/>
-          </a:solidFill>
-        </p:spPr>
-        <p:txBody>
-          <a:bodyPr bIns="0" lIns="0" rIns="0" rtlCol="0" tIns="0" wrap="square"/>
-          <a:p/>
-        </p:txBody>
-      </p:sp>
-      <p:sp>
-        <p:nvSpPr>
-          <p:cNvPr id="1048676" name="object 4"/>
-          <p:cNvSpPr/>
-          <p:nvPr/>
-        </p:nvSpPr>
-        <p:spPr>
-          <a:xfrm>
-            <a:off x="6696075" y="1695450"/>
-            <a:ext cx="314325" cy="323850"/>
-          </a:xfrm>
-          <a:custGeom>
-            <a:avLst/>
-            <a:ahLst/>
-            <a:rect l="l" t="t" r="r" b="b"/>
-            <a:pathLst>
-              <a:path w="314325" h="323850">
-                <a:moveTo>
-                  <a:pt x="314325" y="0"/>
-                </a:moveTo>
-                <a:lnTo>
-                  <a:pt x="0" y="0"/>
-                </a:lnTo>
-                <a:lnTo>
-                  <a:pt x="0" y="323850"/>
-                </a:lnTo>
-                <a:lnTo>
-                  <a:pt x="314325" y="323850"/>
-                </a:lnTo>
-                <a:lnTo>
-                  <a:pt x="314325" y="0"/>
-                </a:lnTo>
-                <a:close/>
-              </a:path>
-            </a:pathLst>
-          </a:custGeom>
-          <a:solidFill>
-            <a:srgbClr val="2D83C3"/>
-          </a:solidFill>
-        </p:spPr>
-        <p:txBody>
-          <a:bodyPr bIns="0" lIns="0" rIns="0" rtlCol="0" tIns="0" wrap="square"/>
-          <a:p/>
-        </p:txBody>
-      </p:sp>
-      <p:sp>
-        <p:nvSpPr>
-          <p:cNvPr id="1048677" name="object 5"/>
-          <p:cNvSpPr/>
-          <p:nvPr/>
-        </p:nvSpPr>
-        <p:spPr>
-          <a:xfrm>
-            <a:off x="9353550" y="5895975"/>
-            <a:ext cx="180975" cy="180975"/>
-          </a:xfrm>
-          <a:custGeom>
-            <a:avLst/>
-            <a:ahLst/>
-            <a:rect l="l" t="t" r="r" b="b"/>
-            <a:pathLst>
-              <a:path w="180975" h="180975">
-                <a:moveTo>
-                  <a:pt x="180975" y="0"/>
-                </a:moveTo>
-                <a:lnTo>
-                  <a:pt x="0" y="0"/>
-                </a:lnTo>
-                <a:lnTo>
-                  <a:pt x="0" y="180975"/>
-                </a:lnTo>
-                <a:lnTo>
-                  <a:pt x="180975" y="180975"/>
-                </a:lnTo>
-                <a:lnTo>
-                  <a:pt x="180975" y="0"/>
-                </a:lnTo>
-                <a:close/>
-              </a:path>
-            </a:pathLst>
-          </a:custGeom>
-          <a:solidFill>
-            <a:srgbClr val="2D936B"/>
-          </a:solidFill>
-        </p:spPr>
-        <p:txBody>
-          <a:bodyPr bIns="0" lIns="0" rIns="0" rtlCol="0" tIns="0" wrap="square"/>
-          <a:p/>
-        </p:txBody>
-      </p:sp>
       <p:pic>
         <p:nvPicPr>
-          <p:cNvPr id="2097167" name="object 6"/>
+          <p:cNvPr id="2097174" name=""/>
           <p:cNvPicPr>
             <a:picLocks/>
           </p:cNvPicPr>
           <p:nvPr/>
         </p:nvPicPr>
         <p:blipFill>
-          <a:blip xmlns:r="http://schemas.openxmlformats.org/officeDocument/2006/relationships" r:embed="rId1" cstate="print"/>
+          <a:blip xmlns:r="http://schemas.openxmlformats.org/officeDocument/2006/relationships" r:embed="rId1"/>
           <a:stretch>
             <a:fillRect/>
           </a:stretch>
         </p:blipFill>
         <p:spPr>
-          <a:xfrm>
-            <a:off x="1666875" y="6467475"/>
-            <a:ext cx="76200" cy="177800"/>
+          <a:xfrm rot="0">
+            <a:off x="3091708" y="0"/>
+            <a:ext cx="6008583" cy="6858000"/>
           </a:xfrm>
           <a:prstGeom prst="rect"/>
         </p:spPr>
       </p:pic>
-      <p:sp>
-        <p:nvSpPr>
-          <p:cNvPr id="1048678" name="object 7"/>
-          <p:cNvSpPr txBox="1">
-            <a:spLocks noGrp="1"/>
-          </p:cNvSpPr>
-          <p:nvPr>
-            <p:ph type="title"/>
-          </p:nvPr>
-        </p:nvSpPr>
-        <p:spPr>
-          <a:xfrm>
-            <a:off x="755332" y="385444"/>
-            <a:ext cx="4578668" cy="752129"/>
+    </p:spTree>
+  </p:cSld>
+  <p:clrMapOvr>
+    <a:masterClrMapping/>
+  </p:clrMapOvr>
+</p:sld>
+</file>
+
+<file path=ppt/slides/slide18.xml><?xml version="1.0" encoding="utf-8"?>
+<p:sld xmlns:a="http://schemas.openxmlformats.org/drawingml/2006/main" xmlns:r="http://schemas.openxmlformats.org/officeDocument/2006/relationships" xmlns:p="http://schemas.openxmlformats.org/presentationml/2006/main">
+  <p:cSld>
+    <p:spTree>
+      <p:nvGrpSpPr>
+        <p:cNvPr id="62" name=""/>
+        <p:cNvGrpSpPr/>
+        <p:nvPr/>
+      </p:nvGrpSpPr>
+      <p:grpSpPr>
+        <a:xfrm>
+          <a:off x="0" y="0"/>
+          <a:ext cx="0" cy="0"/>
+          <a:chOff x="0" y="0"/>
+          <a:chExt cx="0" cy="0"/>
+        </a:xfrm>
+      </p:grpSpPr>
+      <p:pic>
+        <p:nvPicPr>
+          <p:cNvPr id="2097175" name=""/>
+          <p:cNvPicPr>
+            <a:picLocks/>
+          </p:cNvPicPr>
+          <p:nvPr/>
+        </p:nvPicPr>
+        <p:blipFill>
+          <a:blip xmlns:r="http://schemas.openxmlformats.org/officeDocument/2006/relationships" r:embed="rId1"/>
+          <a:stretch>
+            <a:fillRect/>
+          </a:stretch>
+        </p:blipFill>
+        <p:spPr>
+          <a:xfrm rot="0">
+            <a:off x="3762650" y="0"/>
+            <a:ext cx="5821703" cy="8225552"/>
           </a:xfrm>
           <a:prstGeom prst="rect"/>
         </p:spPr>
-        <p:txBody>
-          <a:bodyPr bIns="0" lIns="0" rIns="0" rtlCol="0" tIns="13335" vert="horz" wrap="square">
-            <a:spAutoFit/>
-          </a:bodyPr>
-          <a:p>
-            <a:pPr marL="12700">
-              <a:lnSpc>
-                <a:spcPct val="100000"/>
-              </a:lnSpc>
-              <a:spcBef>
-                <a:spcPts val="105"/>
-              </a:spcBef>
-            </a:pPr>
-            <a:r>
-              <a:rPr dirty="0" lang="en-IN"/>
-              <a:t>CONCLUSION</a:t>
-            </a:r>
-            <a:endParaRPr dirty="0"/>
-          </a:p>
-        </p:txBody>
-      </p:sp>
-      <p:sp>
-        <p:nvSpPr>
-          <p:cNvPr id="1048679" name="object 9"/>
-          <p:cNvSpPr txBox="1"/>
+      </p:pic>
+    </p:spTree>
+  </p:cSld>
+  <p:clrMapOvr>
+    <a:masterClrMapping/>
+  </p:clrMapOvr>
+</p:sld>
+</file>
+
+<file path=ppt/slides/slide19.xml><?xml version="1.0" encoding="utf-8"?>
+<p:sld xmlns:a="http://schemas.openxmlformats.org/drawingml/2006/main" xmlns:r="http://schemas.openxmlformats.org/officeDocument/2006/relationships" xmlns:p="http://schemas.openxmlformats.org/presentationml/2006/main">
+  <p:cSld>
+    <p:spTree>
+      <p:nvGrpSpPr>
+        <p:cNvPr id="63" name=""/>
+        <p:cNvGrpSpPr/>
+        <p:nvPr/>
+      </p:nvGrpSpPr>
+      <p:grpSpPr>
+        <a:xfrm>
+          <a:off x="0" y="0"/>
+          <a:ext cx="0" cy="0"/>
+          <a:chOff x="0" y="0"/>
+          <a:chExt cx="0" cy="0"/>
+        </a:xfrm>
+      </p:grpSpPr>
+      <p:pic>
+        <p:nvPicPr>
+          <p:cNvPr id="2097176" name=""/>
+          <p:cNvPicPr>
+            <a:picLocks/>
+          </p:cNvPicPr>
           <p:nvPr/>
-        </p:nvSpPr>
-        <p:spPr>
-          <a:xfrm>
-            <a:off x="11277218" y="6473337"/>
-            <a:ext cx="228600" cy="191770"/>
+        </p:nvPicPr>
+        <p:blipFill>
+          <a:blip xmlns:r="http://schemas.openxmlformats.org/officeDocument/2006/relationships" r:embed="rId1"/>
+          <a:stretch>
+            <a:fillRect/>
+          </a:stretch>
+        </p:blipFill>
+        <p:spPr>
+          <a:xfrm rot="0">
+            <a:off x="4327328" y="280058"/>
+            <a:ext cx="4994636" cy="8292441"/>
           </a:xfrm>
           <a:prstGeom prst="rect"/>
         </p:spPr>
-        <p:txBody>
-          <a:bodyPr bIns="0" lIns="0" rIns="0" rtlCol="0" tIns="6985" vert="horz" wrap="square">
-            <a:spAutoFit/>
-          </a:bodyPr>
-          <a:p>
-            <a:pPr marL="38100">
-              <a:lnSpc>
-                <a:spcPct val="100000"/>
-              </a:lnSpc>
-              <a:spcBef>
-                <a:spcPts val="55"/>
-              </a:spcBef>
-            </a:pPr>
-            <a:fld id="{81D60167-4931-47E6-BA6A-407CBD079E47}" type="slidenum">
-              <a:rPr dirty="0" sz="1100" spc="10">
-                <a:solidFill>
-                  <a:srgbClr val="2D936B"/>
-                </a:solidFill>
-                <a:latin typeface="Trebuchet MS"/>
-                <a:cs typeface="Trebuchet MS"/>
-              </a:rPr>
-              <a:t>11</a:t>
-            </a:fld>
-            <a:endParaRPr sz="1100">
-              <a:latin typeface="Trebuchet MS"/>
-              <a:cs typeface="Trebuchet MS"/>
-            </a:endParaRPr>
-          </a:p>
-        </p:txBody>
-      </p:sp>
+      </p:pic>
     </p:spTree>
   </p:cSld>
   <p:clrMapOvr>
@@ -3428,7 +5204,7 @@
   <p:cSld>
     <p:spTree>
       <p:nvGrpSpPr>
-        <p:cNvPr id="25" name=""/>
+        <p:cNvPr id="39" name=""/>
         <p:cNvGrpSpPr/>
         <p:nvPr/>
       </p:nvGrpSpPr>
@@ -3442,7 +5218,7 @@
       </p:grpSpPr>
       <p:sp>
         <p:nvSpPr>
-          <p:cNvPr id="1048610" name="object 2"/>
+          <p:cNvPr id="1048613" name="object 2"/>
           <p:cNvSpPr/>
           <p:nvPr/>
         </p:nvSpPr>
@@ -3483,30 +5259,220 @@
         <p:txBody>
           <a:bodyPr bIns="0" lIns="0" rIns="0" rtlCol="0" tIns="0" wrap="square"/>
           <a:p>
+            <a:pPr algn="ctr"/>
             <a:endParaRPr dirty="0">
               <a:latin typeface="Times New Roman" panose="02020603050405020304" pitchFamily="18" charset="0"/>
               <a:cs typeface="Times New Roman" panose="02020603050405020304" pitchFamily="18" charset="0"/>
             </a:endParaRPr>
           </a:p>
+          <a:p>
+            <a:pPr algn="ctr"/>
+            <a:endParaRPr dirty="0">
+              <a:latin typeface="Times New Roman" panose="02020603050405020304" pitchFamily="18" charset="0"/>
+              <a:cs typeface="Times New Roman" panose="02020603050405020304" pitchFamily="18" charset="0"/>
+            </a:endParaRPr>
+          </a:p>
+          <a:p>
+            <a:pPr algn="ctr"/>
+            <a:endParaRPr dirty="0">
+              <a:latin typeface="Times New Roman" panose="02020603050405020304" pitchFamily="18" charset="0"/>
+              <a:cs typeface="Times New Roman" panose="02020603050405020304" pitchFamily="18" charset="0"/>
+            </a:endParaRPr>
+          </a:p>
+          <a:p>
+            <a:pPr algn="ctr"/>
+            <a:endParaRPr dirty="0">
+              <a:latin typeface="Times New Roman" panose="02020603050405020304" pitchFamily="18" charset="0"/>
+              <a:cs typeface="Times New Roman" panose="02020603050405020304" pitchFamily="18" charset="0"/>
+            </a:endParaRPr>
+          </a:p>
+          <a:p>
+            <a:pPr algn="ctr"/>
+            <a:endParaRPr dirty="0">
+              <a:latin typeface="Times New Roman" panose="02020603050405020304" pitchFamily="18" charset="0"/>
+              <a:cs typeface="Times New Roman" panose="02020603050405020304" pitchFamily="18" charset="0"/>
+            </a:endParaRPr>
+          </a:p>
+          <a:p>
+            <a:pPr algn="ctr"/>
+            <a:endParaRPr dirty="0">
+              <a:latin typeface="Times New Roman" panose="02020603050405020304" pitchFamily="18" charset="0"/>
+              <a:cs typeface="Times New Roman" panose="02020603050405020304" pitchFamily="18" charset="0"/>
+            </a:endParaRPr>
+          </a:p>
+          <a:p>
+            <a:pPr algn="ctr"/>
+            <a:endParaRPr dirty="0">
+              <a:latin typeface="Times New Roman" panose="02020603050405020304" pitchFamily="18" charset="0"/>
+              <a:cs typeface="Times New Roman" panose="02020603050405020304" pitchFamily="18" charset="0"/>
+            </a:endParaRPr>
+          </a:p>
+          <a:p>
+            <a:pPr algn="ctr"/>
+            <a:endParaRPr dirty="0">
+              <a:latin typeface="Times New Roman" panose="02020603050405020304" pitchFamily="18" charset="0"/>
+              <a:cs typeface="Times New Roman" panose="02020603050405020304" pitchFamily="18" charset="0"/>
+            </a:endParaRPr>
+          </a:p>
+          <a:p>
+            <a:pPr algn="ctr"/>
+            <a:endParaRPr dirty="0">
+              <a:latin typeface="Times New Roman" panose="02020603050405020304" pitchFamily="18" charset="0"/>
+              <a:cs typeface="Times New Roman" panose="02020603050405020304" pitchFamily="18" charset="0"/>
+            </a:endParaRPr>
+          </a:p>
+          <a:p>
+            <a:pPr algn="l"/>
+            <a:r>
+              <a:rPr altLang="en-GB" dirty="0" sz="4400" lang="en-US">
+                <a:latin typeface="Times New Roman" panose="02020603050405020304" pitchFamily="18" charset="0"/>
+                <a:cs typeface="Times New Roman" panose="02020603050405020304" pitchFamily="18" charset="0"/>
+              </a:rPr>
+              <a:t>F</a:t>
+            </a:r>
+            <a:r>
+              <a:rPr altLang="en-GB" dirty="0" sz="4400" lang="en-US">
+                <a:latin typeface="Times New Roman" panose="02020603050405020304" pitchFamily="18" charset="0"/>
+                <a:cs typeface="Times New Roman" panose="02020603050405020304" pitchFamily="18" charset="0"/>
+              </a:rPr>
+              <a:t>u</a:t>
+            </a:r>
+            <a:r>
+              <a:rPr altLang="en-GB" dirty="0" sz="4400" lang="en-US">
+                <a:latin typeface="Times New Roman" panose="02020603050405020304" pitchFamily="18" charset="0"/>
+                <a:cs typeface="Times New Roman" panose="02020603050405020304" pitchFamily="18" charset="0"/>
+              </a:rPr>
+              <a:t>n</a:t>
+            </a:r>
+            <a:r>
+              <a:rPr altLang="en-GB" dirty="0" sz="4400" lang="en-US">
+                <a:latin typeface="Times New Roman" panose="02020603050405020304" pitchFamily="18" charset="0"/>
+                <a:cs typeface="Times New Roman" panose="02020603050405020304" pitchFamily="18" charset="0"/>
+              </a:rPr>
+              <a:t>d</a:t>
+            </a:r>
+            <a:r>
+              <a:rPr altLang="en-GB" dirty="0" sz="4400" lang="en-US">
+                <a:latin typeface="Times New Roman" panose="02020603050405020304" pitchFamily="18" charset="0"/>
+                <a:cs typeface="Times New Roman" panose="02020603050405020304" pitchFamily="18" charset="0"/>
+              </a:rPr>
+              <a:t>a</a:t>
+            </a:r>
+            <a:r>
+              <a:rPr altLang="en-GB" dirty="0" sz="4400" lang="en-US">
+                <a:latin typeface="Times New Roman" panose="02020603050405020304" pitchFamily="18" charset="0"/>
+                <a:cs typeface="Times New Roman" panose="02020603050405020304" pitchFamily="18" charset="0"/>
+              </a:rPr>
+              <a:t>mental </a:t>
+            </a:r>
+            <a:r>
+              <a:rPr altLang="en-GB" dirty="0" sz="4400" lang="en-US">
+                <a:latin typeface="Times New Roman" panose="02020603050405020304" pitchFamily="18" charset="0"/>
+                <a:cs typeface="Times New Roman" panose="02020603050405020304" pitchFamily="18" charset="0"/>
+              </a:rPr>
+              <a:t>o</a:t>
+            </a:r>
+            <a:r>
+              <a:rPr altLang="en-GB" dirty="0" sz="4400" lang="en-US">
+                <a:latin typeface="Times New Roman" panose="02020603050405020304" pitchFamily="18" charset="0"/>
+                <a:cs typeface="Times New Roman" panose="02020603050405020304" pitchFamily="18" charset="0"/>
+              </a:rPr>
+              <a:t>f</a:t>
+            </a:r>
+            <a:r>
+              <a:rPr altLang="en-GB" dirty="0" sz="4400" lang="en-US">
+                <a:latin typeface="Times New Roman" panose="02020603050405020304" pitchFamily="18" charset="0"/>
+                <a:cs typeface="Times New Roman" panose="02020603050405020304" pitchFamily="18" charset="0"/>
+              </a:rPr>
+              <a:t> </a:t>
+            </a:r>
+            <a:r>
+              <a:rPr altLang="en-GB" dirty="0" sz="4400" lang="en-US">
+                <a:latin typeface="Times New Roman" panose="02020603050405020304" pitchFamily="18" charset="0"/>
+                <a:cs typeface="Times New Roman" panose="02020603050405020304" pitchFamily="18" charset="0"/>
+              </a:rPr>
+              <a:t>w</a:t>
+            </a:r>
+            <a:r>
+              <a:rPr altLang="en-GB" dirty="0" sz="4400" lang="en-US">
+                <a:latin typeface="Times New Roman" panose="02020603050405020304" pitchFamily="18" charset="0"/>
+                <a:cs typeface="Times New Roman" panose="02020603050405020304" pitchFamily="18" charset="0"/>
+              </a:rPr>
+              <a:t>e</a:t>
+            </a:r>
+            <a:r>
+              <a:rPr altLang="en-GB" dirty="0" sz="4400" lang="en-US">
+                <a:latin typeface="Times New Roman" panose="02020603050405020304" pitchFamily="18" charset="0"/>
+                <a:cs typeface="Times New Roman" panose="02020603050405020304" pitchFamily="18" charset="0"/>
+              </a:rPr>
+              <a:t>b</a:t>
+            </a:r>
+            <a:r>
+              <a:rPr altLang="en-GB" dirty="0" sz="4400" lang="en-US">
+                <a:latin typeface="Times New Roman" panose="02020603050405020304" pitchFamily="18" charset="0"/>
+                <a:cs typeface="Times New Roman" panose="02020603050405020304" pitchFamily="18" charset="0"/>
+              </a:rPr>
+              <a:t> </a:t>
+            </a:r>
+            <a:r>
+              <a:rPr altLang="en-GB" dirty="0" sz="4400" lang="en-US">
+                <a:latin typeface="Times New Roman" panose="02020603050405020304" pitchFamily="18" charset="0"/>
+                <a:cs typeface="Times New Roman" panose="02020603050405020304" pitchFamily="18" charset="0"/>
+              </a:rPr>
+              <a:t>develope</a:t>
+            </a:r>
+            <a:r>
+              <a:rPr altLang="en-GB" dirty="0" sz="4400" lang="en-US">
+                <a:latin typeface="Times New Roman" panose="02020603050405020304" pitchFamily="18" charset="0"/>
+                <a:cs typeface="Times New Roman" panose="02020603050405020304" pitchFamily="18" charset="0"/>
+              </a:rPr>
+              <a:t>m</a:t>
+            </a:r>
+            <a:r>
+              <a:rPr altLang="en-GB" dirty="0" sz="4400" lang="en-US">
+                <a:latin typeface="Times New Roman" panose="02020603050405020304" pitchFamily="18" charset="0"/>
+                <a:cs typeface="Times New Roman" panose="02020603050405020304" pitchFamily="18" charset="0"/>
+              </a:rPr>
+              <a:t>e</a:t>
+            </a:r>
+            <a:r>
+              <a:rPr altLang="en-GB" dirty="0" sz="4400" lang="en-US">
+                <a:latin typeface="Times New Roman" panose="02020603050405020304" pitchFamily="18" charset="0"/>
+                <a:cs typeface="Times New Roman" panose="02020603050405020304" pitchFamily="18" charset="0"/>
+              </a:rPr>
+              <a:t>n</a:t>
+            </a:r>
+            <a:r>
+              <a:rPr altLang="en-GB" dirty="0" sz="4400" lang="en-US">
+                <a:latin typeface="Times New Roman" panose="02020603050405020304" pitchFamily="18" charset="0"/>
+                <a:cs typeface="Times New Roman" panose="02020603050405020304" pitchFamily="18" charset="0"/>
+              </a:rPr>
+              <a:t>t</a:t>
+            </a:r>
+            <a:endParaRPr dirty="0">
+              <a:latin typeface="Times New Roman" panose="02020603050405020304" pitchFamily="18" charset="0"/>
+              <a:cs typeface="Times New Roman" panose="02020603050405020304" pitchFamily="18" charset="0"/>
+            </a:endParaRPr>
+          </a:p>
         </p:txBody>
       </p:sp>
       <p:grpSp>
         <p:nvGrpSpPr>
-          <p:cNvPr id="26" name="object 3"/>
+          <p:cNvPr id="40" name="object 3"/>
           <p:cNvGrpSpPr/>
           <p:nvPr/>
         </p:nvGrpSpPr>
         <p:grpSpPr>
           <a:xfrm>
-            <a:off x="7443849" y="0"/>
-            <a:ext cx="4752975" cy="6863080"/>
+            <a:off x="-142023" y="-473078"/>
+            <a:ext cx="16126960" cy="8966206"/>
             <a:chOff x="7443849" y="0"/>
             <a:chExt cx="4752975" cy="6863080"/>
           </a:xfrm>
         </p:grpSpPr>
         <p:sp>
           <p:nvSpPr>
-            <p:cNvPr id="1048611" name="object 4"/>
+            <p:cNvPr id="1048614" name="object 4"/>
             <p:cNvSpPr/>
             <p:nvPr/>
           </p:nvSpPr>
@@ -3543,7 +5509,7 @@
         </p:sp>
         <p:sp>
           <p:nvSpPr>
-            <p:cNvPr id="1048612" name="object 5"/>
+            <p:cNvPr id="1048615" name="object 5"/>
             <p:cNvSpPr/>
             <p:nvPr/>
           </p:nvSpPr>
@@ -3580,7 +5546,7 @@
         </p:sp>
         <p:sp>
           <p:nvSpPr>
-            <p:cNvPr id="1048613" name="object 6"/>
+            <p:cNvPr id="1048616" name="object 6"/>
             <p:cNvSpPr/>
             <p:nvPr/>
           </p:nvSpPr>
@@ -3627,7 +5593,7 @@
         </p:sp>
         <p:sp>
           <p:nvSpPr>
-            <p:cNvPr id="1048614" name="object 7"/>
+            <p:cNvPr id="1048617" name="object 7"/>
             <p:cNvSpPr/>
             <p:nvPr/>
           </p:nvSpPr>
@@ -3674,7 +5640,7 @@
         </p:sp>
         <p:sp>
           <p:nvSpPr>
-            <p:cNvPr id="1048615" name="object 8"/>
+            <p:cNvPr id="1048618" name="object 8"/>
             <p:cNvSpPr/>
             <p:nvPr/>
           </p:nvSpPr>
@@ -3718,7 +5684,7 @@
         </p:sp>
         <p:sp>
           <p:nvSpPr>
-            <p:cNvPr id="1048616" name="object 9"/>
+            <p:cNvPr id="1048619" name="object 9"/>
             <p:cNvSpPr/>
             <p:nvPr/>
           </p:nvSpPr>
@@ -3765,7 +5731,7 @@
         </p:sp>
         <p:sp>
           <p:nvSpPr>
-            <p:cNvPr id="1048617" name="object 10"/>
+            <p:cNvPr id="1048620" name="object 10"/>
             <p:cNvSpPr/>
             <p:nvPr/>
           </p:nvSpPr>
@@ -3812,7 +5778,7 @@
         </p:sp>
         <p:sp>
           <p:nvSpPr>
-            <p:cNvPr id="1048618" name="object 11"/>
+            <p:cNvPr id="1048621" name="object 11"/>
             <p:cNvSpPr/>
             <p:nvPr/>
           </p:nvSpPr>
@@ -3859,7 +5825,7 @@
         </p:sp>
         <p:sp>
           <p:nvSpPr>
-            <p:cNvPr id="1048619" name="object 12"/>
+            <p:cNvPr id="1048622" name="object 12"/>
             <p:cNvSpPr/>
             <p:nvPr/>
           </p:nvSpPr>
@@ -3904,7 +5870,7 @@
       </p:grpSp>
       <p:sp>
         <p:nvSpPr>
-          <p:cNvPr id="1048620" name="object 13"/>
+          <p:cNvPr id="1048623" name="object 13"/>
           <p:cNvSpPr/>
           <p:nvPr/>
         </p:nvSpPr>
@@ -3948,7 +5914,7 @@
       </p:sp>
       <p:sp>
         <p:nvSpPr>
-          <p:cNvPr id="1048621" name="object 14"/>
+          <p:cNvPr id="1048624" name="object 14"/>
           <p:cNvSpPr/>
           <p:nvPr/>
         </p:nvSpPr>
@@ -3993,7 +5959,7 @@
       </p:sp>
       <p:sp>
         <p:nvSpPr>
-          <p:cNvPr id="1048622" name="object 15"/>
+          <p:cNvPr id="1048625" name="object 15"/>
           <p:cNvSpPr/>
           <p:nvPr/>
         </p:nvSpPr>
@@ -4038,7 +6004,7 @@
       </p:sp>
       <p:sp>
         <p:nvSpPr>
-          <p:cNvPr id="1048623" name="object 16"/>
+          <p:cNvPr id="1048626" name="object 16"/>
           <p:cNvSpPr/>
           <p:nvPr/>
         </p:nvSpPr>
@@ -4083,7 +6049,7 @@
       </p:sp>
       <p:sp>
         <p:nvSpPr>
-          <p:cNvPr id="1048624" name="object 17"/>
+          <p:cNvPr id="1048627" name="object 17"/>
           <p:cNvSpPr txBox="1">
             <a:spLocks noGrp="1"/>
           </p:cNvSpPr>
@@ -4129,7 +6095,7 @@
       </p:sp>
       <p:grpSp>
         <p:nvGrpSpPr>
-          <p:cNvPr id="27" name="object 18"/>
+          <p:cNvPr id="41" name="object 18"/>
           <p:cNvGrpSpPr/>
           <p:nvPr/>
         </p:nvGrpSpPr>
@@ -4188,7 +6154,7 @@
       </p:grpSp>
       <p:sp>
         <p:nvSpPr>
-          <p:cNvPr id="1048625" name="object 22"/>
+          <p:cNvPr id="1048628" name="object 22"/>
           <p:cNvSpPr txBox="1">
             <a:spLocks noGrp="1"/>
           </p:cNvSpPr>
@@ -4228,12 +6194,12 @@
 </p:sld>
 </file>
 
-<file path=ppt/slides/slide3.xml><?xml version="1.0" encoding="utf-8"?>
-<p:sld xmlns:a="http://schemas.openxmlformats.org/drawingml/2006/main" xmlns:r="http://schemas.openxmlformats.org/officeDocument/2006/relationships" xmlns:p="http://schemas.openxmlformats.org/presentationml/2006/main" showMasterSp="0">
+<file path=ppt/slides/slide20.xml><?xml version="1.0" encoding="utf-8"?>
+<p:sld xmlns:a="http://schemas.openxmlformats.org/drawingml/2006/main" xmlns:r="http://schemas.openxmlformats.org/officeDocument/2006/relationships" xmlns:p="http://schemas.openxmlformats.org/presentationml/2006/main">
   <p:cSld>
     <p:spTree>
       <p:nvGrpSpPr>
-        <p:cNvPr id="28" name=""/>
+        <p:cNvPr id="64" name=""/>
         <p:cNvGrpSpPr/>
         <p:nvPr/>
       </p:nvGrpSpPr>
@@ -4245,9 +6211,553 @@
           <a:chExt cx="0" cy="0"/>
         </a:xfrm>
       </p:grpSpPr>
-      <p:sp>
-        <p:nvSpPr>
-          <p:cNvPr id="1048626" name="object 2"/>
+      <p:pic>
+        <p:nvPicPr>
+          <p:cNvPr id="2097177" name=""/>
+          <p:cNvPicPr>
+            <a:picLocks/>
+          </p:cNvPicPr>
+          <p:nvPr/>
+        </p:nvPicPr>
+        <p:blipFill>
+          <a:blip xmlns:r="http://schemas.openxmlformats.org/officeDocument/2006/relationships" r:embed="rId1"/>
+          <a:stretch>
+            <a:fillRect/>
+          </a:stretch>
+        </p:blipFill>
+        <p:spPr>
+          <a:xfrm rot="0">
+            <a:off x="3594693" y="-323757"/>
+            <a:ext cx="5002614" cy="6858000"/>
+          </a:xfrm>
+          <a:prstGeom prst="rect"/>
+        </p:spPr>
+      </p:pic>
+    </p:spTree>
+  </p:cSld>
+  <p:clrMapOvr>
+    <a:masterClrMapping/>
+  </p:clrMapOvr>
+</p:sld>
+</file>
+
+<file path=ppt/slides/slide21.xml><?xml version="1.0" encoding="utf-8"?>
+<p:sld xmlns:a="http://schemas.openxmlformats.org/drawingml/2006/main" xmlns:r="http://schemas.openxmlformats.org/officeDocument/2006/relationships" xmlns:p="http://schemas.openxmlformats.org/presentationml/2006/main">
+  <p:cSld>
+    <p:spTree>
+      <p:nvGrpSpPr>
+        <p:cNvPr id="65" name=""/>
+        <p:cNvGrpSpPr/>
+        <p:nvPr/>
+      </p:nvGrpSpPr>
+      <p:grpSpPr>
+        <a:xfrm>
+          <a:off x="0" y="0"/>
+          <a:ext cx="0" cy="0"/>
+          <a:chOff x="0" y="0"/>
+          <a:chExt cx="0" cy="0"/>
+        </a:xfrm>
+      </p:grpSpPr>
+      <p:pic>
+        <p:nvPicPr>
+          <p:cNvPr id="2097178" name=""/>
+          <p:cNvPicPr>
+            <a:picLocks/>
+          </p:cNvPicPr>
+          <p:nvPr/>
+        </p:nvPicPr>
+        <p:blipFill>
+          <a:blip xmlns:r="http://schemas.openxmlformats.org/officeDocument/2006/relationships" r:embed="rId1"/>
+          <a:stretch>
+            <a:fillRect/>
+          </a:stretch>
+        </p:blipFill>
+        <p:spPr>
+          <a:xfrm rot="0">
+            <a:off x="3806140" y="0"/>
+            <a:ext cx="4579720" cy="6858000"/>
+          </a:xfrm>
+          <a:prstGeom prst="rect"/>
+        </p:spPr>
+      </p:pic>
+    </p:spTree>
+  </p:cSld>
+  <p:clrMapOvr>
+    <a:masterClrMapping/>
+  </p:clrMapOvr>
+</p:sld>
+</file>
+
+<file path=ppt/slides/slide22.xml><?xml version="1.0" encoding="utf-8"?>
+<p:sld xmlns:a="http://schemas.openxmlformats.org/drawingml/2006/main" xmlns:r="http://schemas.openxmlformats.org/officeDocument/2006/relationships" xmlns:p="http://schemas.openxmlformats.org/presentationml/2006/main">
+  <p:cSld>
+    <p:spTree>
+      <p:nvGrpSpPr>
+        <p:cNvPr id="66" name=""/>
+        <p:cNvGrpSpPr/>
+        <p:nvPr/>
+      </p:nvGrpSpPr>
+      <p:grpSpPr>
+        <a:xfrm>
+          <a:off x="0" y="0"/>
+          <a:ext cx="0" cy="0"/>
+          <a:chOff x="0" y="0"/>
+          <a:chExt cx="0" cy="0"/>
+        </a:xfrm>
+      </p:grpSpPr>
+      <p:pic>
+        <p:nvPicPr>
+          <p:cNvPr id="2097179" name=""/>
+          <p:cNvPicPr>
+            <a:picLocks/>
+          </p:cNvPicPr>
+          <p:nvPr/>
+        </p:nvPicPr>
+        <p:blipFill>
+          <a:blip xmlns:r="http://schemas.openxmlformats.org/officeDocument/2006/relationships" r:embed="rId1"/>
+          <a:stretch>
+            <a:fillRect/>
+          </a:stretch>
+        </p:blipFill>
+        <p:spPr>
+          <a:xfrm rot="0">
+            <a:off x="3211963" y="-323935"/>
+            <a:ext cx="5768073" cy="6858000"/>
+          </a:xfrm>
+          <a:prstGeom prst="rect"/>
+        </p:spPr>
+      </p:pic>
+    </p:spTree>
+  </p:cSld>
+  <p:clrMapOvr>
+    <a:masterClrMapping/>
+  </p:clrMapOvr>
+</p:sld>
+</file>
+
+<file path=ppt/slides/slide23.xml><?xml version="1.0" encoding="utf-8"?>
+<p:sld xmlns:a="http://schemas.openxmlformats.org/drawingml/2006/main" xmlns:r="http://schemas.openxmlformats.org/officeDocument/2006/relationships" xmlns:p="http://schemas.openxmlformats.org/presentationml/2006/main">
+  <p:cSld>
+    <p:spTree>
+      <p:nvGrpSpPr>
+        <p:cNvPr id="67" name=""/>
+        <p:cNvGrpSpPr/>
+        <p:nvPr/>
+      </p:nvGrpSpPr>
+      <p:grpSpPr>
+        <a:xfrm>
+          <a:off x="0" y="0"/>
+          <a:ext cx="0" cy="0"/>
+          <a:chOff x="0" y="0"/>
+          <a:chExt cx="0" cy="0"/>
+        </a:xfrm>
+      </p:grpSpPr>
+      <p:sp>
+        <p:nvSpPr>
+          <p:cNvPr id="1048694" name=""/>
+          <p:cNvSpPr txBox="1"/>
+          <p:nvPr/>
+        </p:nvSpPr>
+        <p:spPr>
+          <a:xfrm>
+            <a:off x="1258846" y="982989"/>
+            <a:ext cx="7660015" cy="5463540"/>
+          </a:xfrm>
+          <a:prstGeom prst="rect"/>
+        </p:spPr>
+        <p:txBody>
+          <a:bodyPr rtlCol="0" wrap="square">
+            <a:spAutoFit/>
+          </a:bodyPr>
+          <a:p>
+            <a:r>
+              <a:rPr sz="4000" lang="en-GB">
+                <a:solidFill>
+                  <a:srgbClr val="000000"/>
+                </a:solidFill>
+              </a:rPr>
+              <a:t>Fundamental front-end web development provides the essential skills and knowledge required to build the user-facing portion of websites and web applications. It forms the foundation for creating engaging and interactive digital experiences</a:t>
+            </a:r>
+            <a:endParaRPr sz="2800" lang="en-GB">
+              <a:solidFill>
+                <a:srgbClr val="000000"/>
+              </a:solidFill>
+            </a:endParaRPr>
+          </a:p>
+        </p:txBody>
+      </p:sp>
+    </p:spTree>
+  </p:cSld>
+  <p:clrMapOvr>
+    <a:masterClrMapping/>
+  </p:clrMapOvr>
+</p:sld>
+</file>
+
+<file path=ppt/slides/slide24.xml><?xml version="1.0" encoding="utf-8"?>
+<p:sld xmlns:a="http://schemas.openxmlformats.org/drawingml/2006/main" xmlns:r="http://schemas.openxmlformats.org/officeDocument/2006/relationships" xmlns:p="http://schemas.openxmlformats.org/presentationml/2006/main">
+  <p:cSld>
+    <p:spTree>
+      <p:nvGrpSpPr>
+        <p:cNvPr id="68" name=""/>
+        <p:cNvGrpSpPr/>
+        <p:nvPr/>
+      </p:nvGrpSpPr>
+      <p:grpSpPr>
+        <a:xfrm>
+          <a:off x="0" y="0"/>
+          <a:ext cx="0" cy="0"/>
+          <a:chOff x="0" y="0"/>
+          <a:chExt cx="0" cy="0"/>
+        </a:xfrm>
+      </p:grpSpPr>
+      <p:pic>
+        <p:nvPicPr>
+          <p:cNvPr id="2097180" name=""/>
+          <p:cNvPicPr>
+            <a:picLocks/>
+          </p:cNvPicPr>
+          <p:nvPr/>
+        </p:nvPicPr>
+        <p:blipFill>
+          <a:blip xmlns:r="http://schemas.openxmlformats.org/officeDocument/2006/relationships" r:embed="rId1"/>
+          <a:stretch>
+            <a:fillRect/>
+          </a:stretch>
+        </p:blipFill>
+        <p:spPr>
+          <a:xfrm rot="0">
+            <a:off x="3241206" y="0"/>
+            <a:ext cx="5233670" cy="6858000"/>
+          </a:xfrm>
+          <a:prstGeom prst="rect"/>
+        </p:spPr>
+      </p:pic>
+    </p:spTree>
+  </p:cSld>
+  <p:clrMapOvr>
+    <a:masterClrMapping/>
+  </p:clrMapOvr>
+</p:sld>
+</file>
+
+<file path=ppt/slides/slide25.xml><?xml version="1.0" encoding="utf-8"?>
+<p:sld xmlns:a="http://schemas.openxmlformats.org/drawingml/2006/main" xmlns:r="http://schemas.openxmlformats.org/officeDocument/2006/relationships" xmlns:p="http://schemas.openxmlformats.org/presentationml/2006/main">
+  <p:cSld>
+    <p:spTree>
+      <p:nvGrpSpPr>
+        <p:cNvPr id="69" name=""/>
+        <p:cNvGrpSpPr/>
+        <p:nvPr/>
+      </p:nvGrpSpPr>
+      <p:grpSpPr>
+        <a:xfrm>
+          <a:off x="0" y="0"/>
+          <a:ext cx="0" cy="0"/>
+          <a:chOff x="0" y="0"/>
+          <a:chExt cx="0" cy="0"/>
+        </a:xfrm>
+      </p:grpSpPr>
+      <p:sp>
+        <p:nvSpPr>
+          <p:cNvPr id="1048695" name="object 3"/>
+          <p:cNvSpPr/>
+          <p:nvPr/>
+        </p:nvSpPr>
+        <p:spPr>
+          <a:xfrm>
+            <a:off x="9353550" y="5362575"/>
+            <a:ext cx="457200" cy="457200"/>
+          </a:xfrm>
+          <a:custGeom>
+            <a:avLst/>
+            <a:ahLst/>
+            <a:rect l="l" t="t" r="r" b="b"/>
+            <a:pathLst>
+              <a:path w="457200" h="457200">
+                <a:moveTo>
+                  <a:pt x="457200" y="0"/>
+                </a:moveTo>
+                <a:lnTo>
+                  <a:pt x="0" y="0"/>
+                </a:lnTo>
+                <a:lnTo>
+                  <a:pt x="0" y="457200"/>
+                </a:lnTo>
+                <a:lnTo>
+                  <a:pt x="457200" y="457200"/>
+                </a:lnTo>
+                <a:lnTo>
+                  <a:pt x="457200" y="0"/>
+                </a:lnTo>
+                <a:close/>
+              </a:path>
+            </a:pathLst>
+          </a:custGeom>
+          <a:solidFill>
+            <a:srgbClr val="42AF51"/>
+          </a:solidFill>
+        </p:spPr>
+        <p:txBody>
+          <a:bodyPr bIns="0" lIns="0" rIns="0" rtlCol="0" tIns="0" wrap="square"/>
+          <a:p/>
+        </p:txBody>
+      </p:sp>
+      <p:sp>
+        <p:nvSpPr>
+          <p:cNvPr id="1048696" name="object 4"/>
+          <p:cNvSpPr/>
+          <p:nvPr/>
+        </p:nvSpPr>
+        <p:spPr>
+          <a:xfrm>
+            <a:off x="6696075" y="1695450"/>
+            <a:ext cx="314325" cy="323850"/>
+          </a:xfrm>
+          <a:custGeom>
+            <a:avLst/>
+            <a:ahLst/>
+            <a:rect l="l" t="t" r="r" b="b"/>
+            <a:pathLst>
+              <a:path w="314325" h="323850">
+                <a:moveTo>
+                  <a:pt x="314325" y="0"/>
+                </a:moveTo>
+                <a:lnTo>
+                  <a:pt x="0" y="0"/>
+                </a:lnTo>
+                <a:lnTo>
+                  <a:pt x="0" y="323850"/>
+                </a:lnTo>
+                <a:lnTo>
+                  <a:pt x="314325" y="323850"/>
+                </a:lnTo>
+                <a:lnTo>
+                  <a:pt x="314325" y="0"/>
+                </a:lnTo>
+                <a:close/>
+              </a:path>
+            </a:pathLst>
+          </a:custGeom>
+          <a:solidFill>
+            <a:srgbClr val="2D83C3"/>
+          </a:solidFill>
+        </p:spPr>
+        <p:txBody>
+          <a:bodyPr bIns="0" lIns="0" rIns="0" rtlCol="0" tIns="0" wrap="square"/>
+          <a:p/>
+        </p:txBody>
+      </p:sp>
+      <p:sp>
+        <p:nvSpPr>
+          <p:cNvPr id="1048697" name="object 5"/>
+          <p:cNvSpPr/>
+          <p:nvPr/>
+        </p:nvSpPr>
+        <p:spPr>
+          <a:xfrm>
+            <a:off x="9353550" y="5895975"/>
+            <a:ext cx="180975" cy="180975"/>
+          </a:xfrm>
+          <a:custGeom>
+            <a:avLst/>
+            <a:ahLst/>
+            <a:rect l="l" t="t" r="r" b="b"/>
+            <a:pathLst>
+              <a:path w="180975" h="180975">
+                <a:moveTo>
+                  <a:pt x="180975" y="0"/>
+                </a:moveTo>
+                <a:lnTo>
+                  <a:pt x="0" y="0"/>
+                </a:lnTo>
+                <a:lnTo>
+                  <a:pt x="0" y="180975"/>
+                </a:lnTo>
+                <a:lnTo>
+                  <a:pt x="180975" y="180975"/>
+                </a:lnTo>
+                <a:lnTo>
+                  <a:pt x="180975" y="0"/>
+                </a:lnTo>
+                <a:close/>
+              </a:path>
+            </a:pathLst>
+          </a:custGeom>
+          <a:solidFill>
+            <a:srgbClr val="2D936B"/>
+          </a:solidFill>
+        </p:spPr>
+        <p:txBody>
+          <a:bodyPr bIns="0" lIns="0" rIns="0" rtlCol="0" tIns="0" wrap="square"/>
+          <a:p/>
+        </p:txBody>
+      </p:sp>
+      <p:pic>
+        <p:nvPicPr>
+          <p:cNvPr id="2097181" name="object 6"/>
+          <p:cNvPicPr>
+            <a:picLocks/>
+          </p:cNvPicPr>
+          <p:nvPr/>
+        </p:nvPicPr>
+        <p:blipFill>
+          <a:blip xmlns:r="http://schemas.openxmlformats.org/officeDocument/2006/relationships" r:embed="rId1" cstate="print"/>
+          <a:stretch>
+            <a:fillRect/>
+          </a:stretch>
+        </p:blipFill>
+        <p:spPr>
+          <a:xfrm>
+            <a:off x="1666875" y="6467475"/>
+            <a:ext cx="76200" cy="177800"/>
+          </a:xfrm>
+          <a:prstGeom prst="rect"/>
+        </p:spPr>
+      </p:pic>
+      <p:sp>
+        <p:nvSpPr>
+          <p:cNvPr id="1048698" name="object 7"/>
+          <p:cNvSpPr txBox="1">
+            <a:spLocks noGrp="1"/>
+          </p:cNvSpPr>
+          <p:nvPr>
+            <p:ph type="title"/>
+          </p:nvPr>
+        </p:nvSpPr>
+        <p:spPr>
+          <a:xfrm>
+            <a:off x="755332" y="385444"/>
+            <a:ext cx="4578668" cy="752129"/>
+          </a:xfrm>
+          <a:prstGeom prst="rect"/>
+        </p:spPr>
+        <p:txBody>
+          <a:bodyPr bIns="0" lIns="0" rIns="0" rtlCol="0" tIns="13335" vert="horz" wrap="square">
+            <a:spAutoFit/>
+          </a:bodyPr>
+          <a:p>
+            <a:pPr marL="12700">
+              <a:lnSpc>
+                <a:spcPct val="100000"/>
+              </a:lnSpc>
+              <a:spcBef>
+                <a:spcPts val="105"/>
+              </a:spcBef>
+            </a:pPr>
+            <a:r>
+              <a:rPr dirty="0" lang="en-IN"/>
+              <a:t>CONCLUSION</a:t>
+            </a:r>
+            <a:endParaRPr dirty="0"/>
+          </a:p>
+        </p:txBody>
+      </p:sp>
+      <p:sp>
+        <p:nvSpPr>
+          <p:cNvPr id="1048699" name="object 9"/>
+          <p:cNvSpPr txBox="1"/>
+          <p:nvPr/>
+        </p:nvSpPr>
+        <p:spPr>
+          <a:xfrm>
+            <a:off x="11277218" y="6473337"/>
+            <a:ext cx="228600" cy="191770"/>
+          </a:xfrm>
+          <a:prstGeom prst="rect"/>
+        </p:spPr>
+        <p:txBody>
+          <a:bodyPr bIns="0" lIns="0" rIns="0" rtlCol="0" tIns="6985" vert="horz" wrap="square">
+            <a:spAutoFit/>
+          </a:bodyPr>
+          <a:p>
+            <a:pPr marL="38100">
+              <a:lnSpc>
+                <a:spcPct val="100000"/>
+              </a:lnSpc>
+              <a:spcBef>
+                <a:spcPts val="55"/>
+              </a:spcBef>
+            </a:pPr>
+            <a:fld id="{81D60167-4931-47E6-BA6A-407CBD079E47}" type="slidenum">
+              <a:rPr dirty="0" sz="1100" spc="10">
+                <a:solidFill>
+                  <a:srgbClr val="2D936B"/>
+                </a:solidFill>
+                <a:latin typeface="Trebuchet MS"/>
+                <a:cs typeface="Trebuchet MS"/>
+              </a:rPr>
+              <a:t>25</a:t>
+            </a:fld>
+            <a:endParaRPr sz="1100">
+              <a:latin typeface="Trebuchet MS"/>
+              <a:cs typeface="Trebuchet MS"/>
+            </a:endParaRPr>
+          </a:p>
+        </p:txBody>
+      </p:sp>
+      <p:sp>
+        <p:nvSpPr>
+          <p:cNvPr id="1048700" name=""/>
+          <p:cNvSpPr txBox="1"/>
+          <p:nvPr/>
+        </p:nvSpPr>
+        <p:spPr>
+          <a:xfrm>
+            <a:off x="2282528" y="1706880"/>
+            <a:ext cx="6102945" cy="4434839"/>
+          </a:xfrm>
+          <a:prstGeom prst="rect"/>
+        </p:spPr>
+        <p:txBody>
+          <a:bodyPr rtlCol="0" wrap="square">
+            <a:spAutoFit/>
+          </a:bodyPr>
+          <a:p>
+            <a:r>
+              <a:rPr sz="3200" lang="en-GB">
+                <a:solidFill>
+                  <a:srgbClr val="000000"/>
+                </a:solidFill>
+              </a:rPr>
+              <a:t>Fundamental front-end web development provides the essential skills and knowledge required to build the user-facing portion of websites and web applications. It forms the foundation for creating engaging and interactive digital experiences</a:t>
+            </a:r>
+            <a:endParaRPr sz="2800" lang="en-GB">
+              <a:solidFill>
+                <a:srgbClr val="000000"/>
+              </a:solidFill>
+            </a:endParaRPr>
+          </a:p>
+        </p:txBody>
+      </p:sp>
+    </p:spTree>
+  </p:cSld>
+  <p:clrMapOvr>
+    <a:masterClrMapping/>
+  </p:clrMapOvr>
+</p:sld>
+</file>
+
+<file path=ppt/slides/slide3.xml><?xml version="1.0" encoding="utf-8"?>
+<p:sld xmlns:a="http://schemas.openxmlformats.org/drawingml/2006/main" xmlns:r="http://schemas.openxmlformats.org/officeDocument/2006/relationships" xmlns:p="http://schemas.openxmlformats.org/presentationml/2006/main" showMasterSp="0">
+  <p:cSld>
+    <p:spTree>
+      <p:nvGrpSpPr>
+        <p:cNvPr id="42" name=""/>
+        <p:cNvGrpSpPr/>
+        <p:nvPr/>
+      </p:nvGrpSpPr>
+      <p:grpSpPr>
+        <a:xfrm>
+          <a:off x="0" y="0"/>
+          <a:ext cx="0" cy="0"/>
+          <a:chOff x="0" y="0"/>
+          <a:chExt cx="0" cy="0"/>
+        </a:xfrm>
+      </p:grpSpPr>
+      <p:sp>
+        <p:nvSpPr>
+          <p:cNvPr id="1048629" name="object 2"/>
           <p:cNvSpPr/>
           <p:nvPr/>
         </p:nvSpPr>
@@ -4294,7 +6804,7 @@
       </p:sp>
       <p:grpSp>
         <p:nvGrpSpPr>
-          <p:cNvPr id="29" name="object 3"/>
+          <p:cNvPr id="43" name="object 3"/>
           <p:cNvGrpSpPr/>
           <p:nvPr/>
         </p:nvGrpSpPr>
@@ -4308,7 +6818,7 @@
         </p:grpSpPr>
         <p:sp>
           <p:nvSpPr>
-            <p:cNvPr id="1048627" name="object 4"/>
+            <p:cNvPr id="1048630" name="object 4"/>
             <p:cNvSpPr/>
             <p:nvPr/>
           </p:nvSpPr>
@@ -4345,7 +6855,7 @@
         </p:sp>
         <p:sp>
           <p:nvSpPr>
-            <p:cNvPr id="1048628" name="object 5"/>
+            <p:cNvPr id="1048631" name="object 5"/>
             <p:cNvSpPr/>
             <p:nvPr/>
           </p:nvSpPr>
@@ -4382,7 +6892,7 @@
         </p:sp>
         <p:sp>
           <p:nvSpPr>
-            <p:cNvPr id="1048629" name="object 6"/>
+            <p:cNvPr id="1048632" name="object 6"/>
             <p:cNvSpPr/>
             <p:nvPr/>
           </p:nvSpPr>
@@ -4429,7 +6939,7 @@
         </p:sp>
         <p:sp>
           <p:nvSpPr>
-            <p:cNvPr id="1048630" name="object 7"/>
+            <p:cNvPr id="1048633" name="object 7"/>
             <p:cNvSpPr/>
             <p:nvPr/>
           </p:nvSpPr>
@@ -4476,7 +6986,7 @@
         </p:sp>
         <p:sp>
           <p:nvSpPr>
-            <p:cNvPr id="1048631" name="object 8"/>
+            <p:cNvPr id="1048634" name="object 8"/>
             <p:cNvSpPr/>
             <p:nvPr/>
           </p:nvSpPr>
@@ -4520,7 +7030,7 @@
         </p:sp>
         <p:sp>
           <p:nvSpPr>
-            <p:cNvPr id="1048632" name="object 9"/>
+            <p:cNvPr id="1048635" name="object 9"/>
             <p:cNvSpPr/>
             <p:nvPr/>
           </p:nvSpPr>
@@ -4567,7 +7077,7 @@
         </p:sp>
         <p:sp>
           <p:nvSpPr>
-            <p:cNvPr id="1048633" name="object 10"/>
+            <p:cNvPr id="1048636" name="object 10"/>
             <p:cNvSpPr/>
             <p:nvPr/>
           </p:nvSpPr>
@@ -4614,7 +7124,7 @@
         </p:sp>
         <p:sp>
           <p:nvSpPr>
-            <p:cNvPr id="1048634" name="object 11"/>
+            <p:cNvPr id="1048637" name="object 11"/>
             <p:cNvSpPr/>
             <p:nvPr/>
           </p:nvSpPr>
@@ -4661,7 +7171,7 @@
         </p:sp>
         <p:sp>
           <p:nvSpPr>
-            <p:cNvPr id="1048635" name="object 12"/>
+            <p:cNvPr id="1048638" name="object 12"/>
             <p:cNvSpPr/>
             <p:nvPr/>
           </p:nvSpPr>
@@ -4706,7 +7216,7 @@
       </p:grpSp>
       <p:sp>
         <p:nvSpPr>
-          <p:cNvPr id="1048636" name="object 13"/>
+          <p:cNvPr id="1048639" name="object 13"/>
           <p:cNvSpPr/>
           <p:nvPr/>
         </p:nvSpPr>
@@ -4750,7 +7260,7 @@
       </p:sp>
       <p:sp>
         <p:nvSpPr>
-          <p:cNvPr id="1048637" name="object 14"/>
+          <p:cNvPr id="1048640" name="object 14"/>
           <p:cNvSpPr txBox="1"/>
           <p:nvPr/>
         </p:nvSpPr>
@@ -4920,7 +7430,7 @@
       </p:sp>
       <p:sp>
         <p:nvSpPr>
-          <p:cNvPr id="1048638" name="object 15"/>
+          <p:cNvPr id="1048641" name="object 15"/>
           <p:cNvSpPr/>
           <p:nvPr/>
         </p:nvSpPr>
@@ -5025,7 +7535,7 @@
       </p:sp>
       <p:sp>
         <p:nvSpPr>
-          <p:cNvPr id="1048639" name="object 16"/>
+          <p:cNvPr id="1048642" name="object 16"/>
           <p:cNvSpPr/>
           <p:nvPr/>
         </p:nvSpPr>
@@ -5212,7 +7722,7 @@
       </p:pic>
       <p:grpSp>
         <p:nvGrpSpPr>
-          <p:cNvPr id="30" name="object 18"/>
+          <p:cNvPr id="44" name="object 18"/>
           <p:cNvGrpSpPr/>
           <p:nvPr/>
         </p:nvGrpSpPr>
@@ -5271,7 +7781,7 @@
       </p:grpSp>
       <p:sp>
         <p:nvSpPr>
-          <p:cNvPr id="1048640" name="object 21"/>
+          <p:cNvPr id="1048643" name="object 21"/>
           <p:cNvSpPr txBox="1">
             <a:spLocks noGrp="1"/>
           </p:cNvSpPr>
@@ -5324,7 +7834,7 @@
       </p:sp>
       <p:sp>
         <p:nvSpPr>
-          <p:cNvPr id="1048641" name="object 22"/>
+          <p:cNvPr id="1048644" name="object 22"/>
           <p:cNvSpPr txBox="1">
             <a:spLocks noGrp="1"/>
           </p:cNvSpPr>
@@ -5358,7 +7868,7 @@
       </p:sp>
       <p:sp>
         <p:nvSpPr>
-          <p:cNvPr id="1048642" name="TextBox 22"/>
+          <p:cNvPr id="1048645" name="TextBox 22"/>
           <p:cNvSpPr txBox="1"/>
           <p:nvPr/>
         </p:nvSpPr>
@@ -5608,7 +8118,7 @@
   <p:cSld>
     <p:spTree>
       <p:nvGrpSpPr>
-        <p:cNvPr id="31" name=""/>
+        <p:cNvPr id="45" name=""/>
         <p:cNvGrpSpPr/>
         <p:nvPr/>
       </p:nvGrpSpPr>
@@ -5622,7 +8132,7 @@
       </p:grpSpPr>
       <p:grpSp>
         <p:nvGrpSpPr>
-          <p:cNvPr id="32" name="object 2"/>
+          <p:cNvPr id="46" name="object 2"/>
           <p:cNvGrpSpPr/>
           <p:nvPr/>
         </p:nvGrpSpPr>
@@ -5636,7 +8146,7 @@
         </p:grpSpPr>
         <p:sp>
           <p:nvSpPr>
-            <p:cNvPr id="1048643" name="object 3"/>
+            <p:cNvPr id="1048646" name="object 3"/>
             <p:cNvSpPr/>
             <p:nvPr/>
           </p:nvSpPr>
@@ -5681,7 +8191,7 @@
         </p:sp>
         <p:sp>
           <p:nvSpPr>
-            <p:cNvPr id="1048644" name="object 4"/>
+            <p:cNvPr id="1048647" name="object 4"/>
             <p:cNvSpPr/>
             <p:nvPr/>
           </p:nvSpPr>
@@ -5749,7 +8259,7 @@
       </p:grpSp>
       <p:sp>
         <p:nvSpPr>
-          <p:cNvPr id="1048645" name="object 6"/>
+          <p:cNvPr id="1048648" name="object 6"/>
           <p:cNvSpPr/>
           <p:nvPr/>
         </p:nvSpPr>
@@ -5794,7 +8304,7 @@
       </p:sp>
       <p:sp>
         <p:nvSpPr>
-          <p:cNvPr id="1048646" name="object 7"/>
+          <p:cNvPr id="1048649" name="object 7"/>
           <p:cNvSpPr txBox="1">
             <a:spLocks noGrp="1"/>
           </p:cNvSpPr>
@@ -5905,7 +8415,7 @@
       </p:pic>
       <p:sp>
         <p:nvSpPr>
-          <p:cNvPr id="1048647" name="object 10"/>
+          <p:cNvPr id="1048650" name="object 10"/>
           <p:cNvSpPr txBox="1">
             <a:spLocks noGrp="1"/>
           </p:cNvSpPr>
@@ -5937,6 +8447,66 @@
           </a:p>
         </p:txBody>
       </p:sp>
+      <p:sp>
+        <p:nvSpPr>
+          <p:cNvPr id="1048651" name=""/>
+          <p:cNvSpPr txBox="1"/>
+          <p:nvPr/>
+        </p:nvSpPr>
+        <p:spPr>
+          <a:xfrm rot="3138">
+            <a:off x="436895" y="20253727"/>
+            <a:ext cx="7858513" cy="510544"/>
+          </a:xfrm>
+          <a:prstGeom prst="rect"/>
+        </p:spPr>
+        <p:txBody>
+          <a:bodyPr rtlCol="0" wrap="square">
+            <a:spAutoFit/>
+          </a:bodyPr>
+          <a:p>
+            <a:endParaRPr sz="2800" lang="en-GB">
+              <a:solidFill>
+                <a:srgbClr val="000000"/>
+              </a:solidFill>
+            </a:endParaRPr>
+          </a:p>
+        </p:txBody>
+      </p:sp>
+      <p:sp>
+        <p:nvSpPr>
+          <p:cNvPr id="1048652" name=""/>
+          <p:cNvSpPr txBox="1"/>
+          <p:nvPr/>
+        </p:nvSpPr>
+        <p:spPr>
+          <a:xfrm>
+            <a:off x="436663" y="2337434"/>
+            <a:ext cx="7349303" cy="3025140"/>
+          </a:xfrm>
+          <a:prstGeom prst="rect"/>
+        </p:spPr>
+        <p:txBody>
+          <a:bodyPr rtlCol="0" wrap="square">
+            <a:spAutoFit/>
+          </a:bodyPr>
+          <a:p>
+            <a:r>
+              <a:rPr sz="2800" lang="en-GB">
+                <a:solidFill>
+                  <a:srgbClr val="000000"/>
+                </a:solidFill>
+              </a:rPr>
+              <a:t>The fundamental problem statement in front-end web development centers on creating and maintaining a seamless, intuitive, and performant user experience across diverse devices and browsers while effectively translating design into functional, interactive interfaces.</a:t>
+            </a:r>
+            <a:endParaRPr sz="2800" lang="en-GB">
+              <a:solidFill>
+                <a:srgbClr val="000000"/>
+              </a:solidFill>
+            </a:endParaRPr>
+          </a:p>
+        </p:txBody>
+      </p:sp>
     </p:spTree>
   </p:cSld>
   <p:clrMapOvr>
@@ -5950,7 +8520,67 @@
   <p:cSld>
     <p:spTree>
       <p:nvGrpSpPr>
-        <p:cNvPr id="33" name=""/>
+        <p:cNvPr id="48" name=""/>
+        <p:cNvGrpSpPr/>
+        <p:nvPr/>
+      </p:nvGrpSpPr>
+      <p:grpSpPr>
+        <a:xfrm>
+          <a:off x="0" y="0"/>
+          <a:ext cx="0" cy="0"/>
+          <a:chOff x="0" y="0"/>
+          <a:chExt cx="0" cy="0"/>
+        </a:xfrm>
+      </p:grpSpPr>
+      <p:sp>
+        <p:nvSpPr>
+          <p:cNvPr id="1048656" name=""/>
+          <p:cNvSpPr txBox="1"/>
+          <p:nvPr/>
+        </p:nvSpPr>
+        <p:spPr>
+          <a:xfrm rot="15032">
+            <a:off x="1099407" y="1436502"/>
+            <a:ext cx="8732191" cy="4866640"/>
+          </a:xfrm>
+          <a:prstGeom prst="rect"/>
+        </p:spPr>
+        <p:txBody>
+          <a:bodyPr rtlCol="0" wrap="square">
+            <a:spAutoFit/>
+          </a:bodyPr>
+          <a:p>
+            <a:r>
+              <a:rPr sz="4000" lang="en-GB">
+                <a:solidFill>
+                  <a:srgbClr val="000000"/>
+                </a:solidFill>
+              </a:rPr>
+              <a:t>Browser and Device Compatibility:
+Ensuring consistent rendering and functionality of web applications across various web browsers (Chrome, Firefox, Safari, Edge) and devices (desktops, tablets, mobile phones) with differing screen sizes, resolutions, and input methods.</a:t>
+            </a:r>
+            <a:endParaRPr sz="2800" lang="en-GB">
+              <a:solidFill>
+                <a:srgbClr val="000000"/>
+              </a:solidFill>
+            </a:endParaRPr>
+          </a:p>
+        </p:txBody>
+      </p:sp>
+    </p:spTree>
+  </p:cSld>
+  <p:clrMapOvr>
+    <a:masterClrMapping/>
+  </p:clrMapOvr>
+</p:sld>
+</file>
+
+<file path=ppt/slides/slide6.xml><?xml version="1.0" encoding="utf-8"?>
+<p:sld xmlns:a="http://schemas.openxmlformats.org/drawingml/2006/main" xmlns:r="http://schemas.openxmlformats.org/officeDocument/2006/relationships" xmlns:p="http://schemas.openxmlformats.org/presentationml/2006/main">
+  <p:cSld>
+    <p:spTree>
+      <p:nvGrpSpPr>
+        <p:cNvPr id="49" name=""/>
         <p:cNvGrpSpPr/>
         <p:nvPr/>
       </p:nvGrpSpPr>
@@ -5964,7 +8594,7 @@
       </p:grpSpPr>
       <p:grpSp>
         <p:nvGrpSpPr>
-          <p:cNvPr id="34" name="object 2"/>
+          <p:cNvPr id="50" name="object 2"/>
           <p:cNvGrpSpPr/>
           <p:nvPr/>
         </p:nvGrpSpPr>
@@ -5978,7 +8608,7 @@
         </p:grpSpPr>
         <p:sp>
           <p:nvSpPr>
-            <p:cNvPr id="1048648" name="object 3"/>
+            <p:cNvPr id="1048657" name="object 3"/>
             <p:cNvSpPr/>
             <p:nvPr/>
           </p:nvSpPr>
@@ -6023,7 +8653,7 @@
         </p:sp>
         <p:sp>
           <p:nvSpPr>
-            <p:cNvPr id="1048649" name="object 4"/>
+            <p:cNvPr id="1048658" name="object 4"/>
             <p:cNvSpPr/>
             <p:nvPr/>
           </p:nvSpPr>
@@ -6091,7 +8721,7 @@
       </p:grpSp>
       <p:sp>
         <p:nvSpPr>
-          <p:cNvPr id="1048650" name="object 6"/>
+          <p:cNvPr id="1048659" name="object 6"/>
           <p:cNvSpPr/>
           <p:nvPr/>
         </p:nvSpPr>
@@ -6136,7 +8766,7 @@
       </p:sp>
       <p:sp>
         <p:nvSpPr>
-          <p:cNvPr id="1048651" name="object 7"/>
+          <p:cNvPr id="1048660" name="object 7"/>
           <p:cNvSpPr txBox="1">
             <a:spLocks noGrp="1"/>
           </p:cNvSpPr>
@@ -6203,337 +8833,7 @@
       </p:pic>
       <p:sp>
         <p:nvSpPr>
-          <p:cNvPr id="1048652" name="object 10"/>
-          <p:cNvSpPr txBox="1">
-            <a:spLocks noGrp="1"/>
-          </p:cNvSpPr>
-          <p:nvPr>
-            <p:ph type="sldNum" sz="quarter" idx="7"/>
-          </p:nvPr>
-        </p:nvSpPr>
-        <p:spPr>
-          <a:prstGeom prst="rect"/>
-        </p:spPr>
-        <p:txBody>
-          <a:bodyPr bIns="0" lIns="0" rIns="0" rtlCol="0" tIns="6985" vert="horz" wrap="square">
-            <a:spAutoFit/>
-          </a:bodyPr>
-          <a:p>
-            <a:pPr marL="38100">
-              <a:lnSpc>
-                <a:spcPct val="100000"/>
-              </a:lnSpc>
-              <a:spcBef>
-                <a:spcPts val="55"/>
-              </a:spcBef>
-            </a:pPr>
-            <a:fld id="{81D60167-4931-47E6-BA6A-407CBD079E47}" type="slidenum">
-              <a:rPr dirty="0" spc="10"/>
-              <a:t>5</a:t>
-            </a:fld>
-            <a:endParaRPr dirty="0" spc="10"/>
-          </a:p>
-        </p:txBody>
-      </p:sp>
-    </p:spTree>
-  </p:cSld>
-  <p:clrMapOvr>
-    <a:masterClrMapping/>
-  </p:clrMapOvr>
-</p:sld>
-</file>
-
-<file path=ppt/slides/slide6.xml><?xml version="1.0" encoding="utf-8"?>
-<p:sld xmlns:a="http://schemas.openxmlformats.org/drawingml/2006/main" xmlns:r="http://schemas.openxmlformats.org/officeDocument/2006/relationships" xmlns:p="http://schemas.openxmlformats.org/presentationml/2006/main">
-  <p:cSld>
-    <p:spTree>
-      <p:nvGrpSpPr>
-        <p:cNvPr id="35" name=""/>
-        <p:cNvGrpSpPr/>
-        <p:nvPr/>
-      </p:nvGrpSpPr>
-      <p:grpSpPr>
-        <a:xfrm>
-          <a:off x="0" y="0"/>
-          <a:ext cx="0" cy="0"/>
-          <a:chOff x="0" y="0"/>
-          <a:chExt cx="0" cy="0"/>
-        </a:xfrm>
-      </p:grpSpPr>
-      <p:sp>
-        <p:nvSpPr>
-          <p:cNvPr id="1048653" name="object 2"/>
-          <p:cNvSpPr/>
-          <p:nvPr/>
-        </p:nvSpPr>
-        <p:spPr>
-          <a:xfrm>
-            <a:off x="9353550" y="5362575"/>
-            <a:ext cx="457200" cy="457200"/>
-          </a:xfrm>
-          <a:custGeom>
-            <a:avLst/>
-            <a:ahLst/>
-            <a:rect l="l" t="t" r="r" b="b"/>
-            <a:pathLst>
-              <a:path w="457200" h="457200">
-                <a:moveTo>
-                  <a:pt x="457200" y="0"/>
-                </a:moveTo>
-                <a:lnTo>
-                  <a:pt x="0" y="0"/>
-                </a:lnTo>
-                <a:lnTo>
-                  <a:pt x="0" y="457200"/>
-                </a:lnTo>
-                <a:lnTo>
-                  <a:pt x="457200" y="457200"/>
-                </a:lnTo>
-                <a:lnTo>
-                  <a:pt x="457200" y="0"/>
-                </a:lnTo>
-                <a:close/>
-              </a:path>
-            </a:pathLst>
-          </a:custGeom>
-          <a:solidFill>
-            <a:srgbClr val="42AF51"/>
-          </a:solidFill>
-        </p:spPr>
-        <p:txBody>
-          <a:bodyPr bIns="0" lIns="0" rIns="0" rtlCol="0" tIns="0" wrap="square"/>
-          <a:p/>
-        </p:txBody>
-      </p:sp>
-      <p:sp>
-        <p:nvSpPr>
-          <p:cNvPr id="1048654" name="object 3"/>
-          <p:cNvSpPr/>
-          <p:nvPr/>
-        </p:nvSpPr>
-        <p:spPr>
-          <a:xfrm>
-            <a:off x="6696075" y="1695450"/>
-            <a:ext cx="314325" cy="323850"/>
-          </a:xfrm>
-          <a:custGeom>
-            <a:avLst/>
-            <a:ahLst/>
-            <a:rect l="l" t="t" r="r" b="b"/>
-            <a:pathLst>
-              <a:path w="314325" h="323850">
-                <a:moveTo>
-                  <a:pt x="314325" y="0"/>
-                </a:moveTo>
-                <a:lnTo>
-                  <a:pt x="0" y="0"/>
-                </a:lnTo>
-                <a:lnTo>
-                  <a:pt x="0" y="323850"/>
-                </a:lnTo>
-                <a:lnTo>
-                  <a:pt x="314325" y="323850"/>
-                </a:lnTo>
-                <a:lnTo>
-                  <a:pt x="314325" y="0"/>
-                </a:lnTo>
-                <a:close/>
-              </a:path>
-            </a:pathLst>
-          </a:custGeom>
-          <a:solidFill>
-            <a:srgbClr val="2D83C3"/>
-          </a:solidFill>
-        </p:spPr>
-        <p:txBody>
-          <a:bodyPr bIns="0" lIns="0" rIns="0" rtlCol="0" tIns="0" wrap="square"/>
-          <a:p/>
-        </p:txBody>
-      </p:sp>
-      <p:sp>
-        <p:nvSpPr>
-          <p:cNvPr id="1048655" name="object 4"/>
-          <p:cNvSpPr/>
-          <p:nvPr/>
-        </p:nvSpPr>
-        <p:spPr>
-          <a:xfrm>
-            <a:off x="9353550" y="5895975"/>
-            <a:ext cx="180975" cy="180975"/>
-          </a:xfrm>
-          <a:custGeom>
-            <a:avLst/>
-            <a:ahLst/>
-            <a:rect l="l" t="t" r="r" b="b"/>
-            <a:pathLst>
-              <a:path w="180975" h="180975">
-                <a:moveTo>
-                  <a:pt x="180975" y="0"/>
-                </a:moveTo>
-                <a:lnTo>
-                  <a:pt x="0" y="0"/>
-                </a:lnTo>
-                <a:lnTo>
-                  <a:pt x="0" y="180975"/>
-                </a:lnTo>
-                <a:lnTo>
-                  <a:pt x="180975" y="180975"/>
-                </a:lnTo>
-                <a:lnTo>
-                  <a:pt x="180975" y="0"/>
-                </a:lnTo>
-                <a:close/>
-              </a:path>
-            </a:pathLst>
-          </a:custGeom>
-          <a:solidFill>
-            <a:srgbClr val="2D936B"/>
-          </a:solidFill>
-        </p:spPr>
-        <p:txBody>
-          <a:bodyPr bIns="0" lIns="0" rIns="0" rtlCol="0" tIns="0" wrap="square"/>
-          <a:p/>
-        </p:txBody>
-      </p:sp>
-      <p:sp>
-        <p:nvSpPr>
-          <p:cNvPr id="1048656" name="object 5"/>
-          <p:cNvSpPr txBox="1">
-            <a:spLocks noGrp="1"/>
-          </p:cNvSpPr>
-          <p:nvPr>
-            <p:ph type="title"/>
-          </p:nvPr>
-        </p:nvSpPr>
-        <p:spPr>
-          <a:xfrm>
-            <a:off x="699452" y="891793"/>
-            <a:ext cx="5014595" cy="518159"/>
-          </a:xfrm>
-          <a:prstGeom prst="rect"/>
-        </p:spPr>
-        <p:txBody>
-          <a:bodyPr bIns="0" lIns="0" rIns="0" rtlCol="0" tIns="16510" vert="horz" wrap="square">
-            <a:spAutoFit/>
-          </a:bodyPr>
-          <a:p>
-            <a:pPr marL="12700">
-              <a:lnSpc>
-                <a:spcPct val="100000"/>
-              </a:lnSpc>
-              <a:spcBef>
-                <a:spcPts val="130"/>
-              </a:spcBef>
-            </a:pPr>
-            <a:r>
-              <a:rPr dirty="0" sz="3200" spc="25"/>
-              <a:t>W</a:t>
-            </a:r>
-            <a:r>
-              <a:rPr dirty="0" sz="3200" spc="-20"/>
-              <a:t>H</a:t>
-            </a:r>
-            <a:r>
-              <a:rPr dirty="0" sz="3200" spc="20"/>
-              <a:t>O</a:t>
-            </a:r>
-            <a:r>
-              <a:rPr dirty="0" sz="3200" spc="-235"/>
-              <a:t> </a:t>
-            </a:r>
-            <a:r>
-              <a:rPr dirty="0" sz="3200" spc="-10"/>
-              <a:t>AR</a:t>
-            </a:r>
-            <a:r>
-              <a:rPr dirty="0" sz="3200" spc="15"/>
-              <a:t>E</a:t>
-            </a:r>
-            <a:r>
-              <a:rPr dirty="0" sz="3200" spc="-35"/>
-              <a:t> </a:t>
-            </a:r>
-            <a:r>
-              <a:rPr dirty="0" sz="3200" spc="-10"/>
-              <a:t>T</a:t>
-            </a:r>
-            <a:r>
-              <a:rPr dirty="0" sz="3200" spc="-15"/>
-              <a:t>H</a:t>
-            </a:r>
-            <a:r>
-              <a:rPr dirty="0" sz="3200" spc="15"/>
-              <a:t>E</a:t>
-            </a:r>
-            <a:r>
-              <a:rPr dirty="0" sz="3200" spc="-35"/>
-              <a:t> </a:t>
-            </a:r>
-            <a:r>
-              <a:rPr dirty="0" sz="3200" spc="-20"/>
-              <a:t>E</a:t>
-            </a:r>
-            <a:r>
-              <a:rPr dirty="0" sz="3200" spc="30"/>
-              <a:t>N</a:t>
-            </a:r>
-            <a:r>
-              <a:rPr dirty="0" sz="3200" spc="15"/>
-              <a:t>D</a:t>
-            </a:r>
-            <a:r>
-              <a:rPr dirty="0" sz="3200" spc="-45"/>
-              <a:t> </a:t>
-            </a:r>
-            <a:r>
-              <a:rPr dirty="0" sz="3200"/>
-              <a:t>U</a:t>
-            </a:r>
-            <a:r>
-              <a:rPr dirty="0" sz="3200" spc="10"/>
-              <a:t>S</a:t>
-            </a:r>
-            <a:r>
-              <a:rPr dirty="0" sz="3200" spc="-25"/>
-              <a:t>E</a:t>
-            </a:r>
-            <a:r>
-              <a:rPr dirty="0" sz="3200" spc="-10"/>
-              <a:t>R</a:t>
-            </a:r>
-            <a:r>
-              <a:rPr dirty="0" sz="3200" spc="5"/>
-              <a:t>S?</a:t>
-            </a:r>
-            <a:endParaRPr sz="3200"/>
-          </a:p>
-        </p:txBody>
-      </p:sp>
-      <p:pic>
-        <p:nvPicPr>
-          <p:cNvPr id="2097162" name="object 6"/>
-          <p:cNvPicPr>
-            <a:picLocks/>
-          </p:cNvPicPr>
-          <p:nvPr/>
-        </p:nvPicPr>
-        <p:blipFill>
-          <a:blip xmlns:r="http://schemas.openxmlformats.org/officeDocument/2006/relationships" r:embed="rId1" cstate="print"/>
-          <a:stretch>
-            <a:fillRect/>
-          </a:stretch>
-        </p:blipFill>
-        <p:spPr>
-          <a:xfrm>
-            <a:off x="723900" y="6172200"/>
-            <a:ext cx="2181225" cy="485775"/>
-          </a:xfrm>
-          <a:prstGeom prst="rect"/>
-        </p:spPr>
-      </p:pic>
-      <p:sp>
-        <p:nvSpPr>
-          <p:cNvPr id="1048657" name="object 8"/>
+          <p:cNvPr id="1048661" name="object 10"/>
           <p:cNvSpPr txBox="1">
             <a:spLocks noGrp="1"/>
           </p:cNvSpPr>
@@ -6565,6 +8865,40 @@
           </a:p>
         </p:txBody>
       </p:sp>
+      <p:sp>
+        <p:nvSpPr>
+          <p:cNvPr id="1048662" name=""/>
+          <p:cNvSpPr txBox="1"/>
+          <p:nvPr/>
+        </p:nvSpPr>
+        <p:spPr>
+          <a:xfrm>
+            <a:off x="1003377" y="2019300"/>
+            <a:ext cx="7387092" cy="4358639"/>
+          </a:xfrm>
+          <a:prstGeom prst="rect"/>
+        </p:spPr>
+        <p:txBody>
+          <a:bodyPr rtlCol="0" wrap="square">
+            <a:spAutoFit/>
+          </a:bodyPr>
+          <a:p>
+            <a:r>
+              <a:rPr sz="3600" lang="en-GB">
+                <a:solidFill>
+                  <a:srgbClr val="000000"/>
+                </a:solidFill>
+              </a:rPr>
+              <a:t>Front-end web development focuses on the user-facing part of a website or web application, often referred to as the client-side. Its primary goal is to create a visually appealing, interactive, and user-friendly interface that users can directly see and interact with.</a:t>
+            </a:r>
+            <a:endParaRPr sz="2800" lang="en-GB">
+              <a:solidFill>
+                <a:srgbClr val="000000"/>
+              </a:solidFill>
+            </a:endParaRPr>
+          </a:p>
+        </p:txBody>
+      </p:sp>
     </p:spTree>
   </p:cSld>
   <p:clrMapOvr>
@@ -6578,7 +8912,441 @@
   <p:cSld>
     <p:spTree>
       <p:nvGrpSpPr>
-        <p:cNvPr id="36" name=""/>
+        <p:cNvPr id="51" name=""/>
+        <p:cNvGrpSpPr/>
+        <p:nvPr/>
+      </p:nvGrpSpPr>
+      <p:grpSpPr>
+        <a:xfrm>
+          <a:off x="0" y="0"/>
+          <a:ext cx="0" cy="0"/>
+          <a:chOff x="0" y="0"/>
+          <a:chExt cx="0" cy="0"/>
+        </a:xfrm>
+      </p:grpSpPr>
+      <p:sp>
+        <p:nvSpPr>
+          <p:cNvPr id="1048663" name=""/>
+          <p:cNvSpPr txBox="1"/>
+          <p:nvPr/>
+        </p:nvSpPr>
+        <p:spPr>
+          <a:xfrm>
+            <a:off x="545368" y="646277"/>
+            <a:ext cx="9162088" cy="5539739"/>
+          </a:xfrm>
+          <a:prstGeom prst="rect"/>
+        </p:spPr>
+        <p:txBody>
+          <a:bodyPr rtlCol="0" wrap="square">
+            <a:spAutoFit/>
+          </a:bodyPr>
+          <a:p>
+            <a:r>
+              <a:rPr sz="2800" lang="en-GB">
+                <a:solidFill>
+                  <a:srgbClr val="000000"/>
+                </a:solidFill>
+              </a:rPr>
+              <a:t>Core Technologies:
+HTML (HyperText Markup Language):
+Provides the fundamental structure and content of a web page, defining elements like headings, paragraphs, images, and links.
+CSS (Cascading Style Sheets):
+Controls the visual presentation and layout of HTML elements, including colors, fonts, spacing, and responsiveness across different devices.
+JavaScript:
+Adds dynamic and interactive behavior to web pages, enabling features like animations, form validation, and communication with back-end servers</a:t>
+            </a:r>
+            <a:endParaRPr sz="2800" lang="en-GB">
+              <a:solidFill>
+                <a:srgbClr val="000000"/>
+              </a:solidFill>
+            </a:endParaRPr>
+          </a:p>
+        </p:txBody>
+      </p:sp>
+    </p:spTree>
+  </p:cSld>
+  <p:clrMapOvr>
+    <a:masterClrMapping/>
+  </p:clrMapOvr>
+</p:sld>
+</file>
+
+<file path=ppt/slides/slide8.xml><?xml version="1.0" encoding="utf-8"?>
+<p:sld xmlns:a="http://schemas.openxmlformats.org/drawingml/2006/main" xmlns:r="http://schemas.openxmlformats.org/officeDocument/2006/relationships" xmlns:p="http://schemas.openxmlformats.org/presentationml/2006/main">
+  <p:cSld>
+    <p:spTree>
+      <p:nvGrpSpPr>
+        <p:cNvPr id="52" name=""/>
+        <p:cNvGrpSpPr/>
+        <p:nvPr/>
+      </p:nvGrpSpPr>
+      <p:grpSpPr>
+        <a:xfrm>
+          <a:off x="0" y="0"/>
+          <a:ext cx="0" cy="0"/>
+          <a:chOff x="0" y="0"/>
+          <a:chExt cx="0" cy="0"/>
+        </a:xfrm>
+      </p:grpSpPr>
+      <p:sp>
+        <p:nvSpPr>
+          <p:cNvPr id="1048664" name="object 2"/>
+          <p:cNvSpPr/>
+          <p:nvPr/>
+        </p:nvSpPr>
+        <p:spPr>
+          <a:xfrm>
+            <a:off x="9353550" y="5362575"/>
+            <a:ext cx="457200" cy="457200"/>
+          </a:xfrm>
+          <a:custGeom>
+            <a:avLst/>
+            <a:ahLst/>
+            <a:rect l="l" t="t" r="r" b="b"/>
+            <a:pathLst>
+              <a:path w="457200" h="457200">
+                <a:moveTo>
+                  <a:pt x="457200" y="0"/>
+                </a:moveTo>
+                <a:lnTo>
+                  <a:pt x="0" y="0"/>
+                </a:lnTo>
+                <a:lnTo>
+                  <a:pt x="0" y="457200"/>
+                </a:lnTo>
+                <a:lnTo>
+                  <a:pt x="457200" y="457200"/>
+                </a:lnTo>
+                <a:lnTo>
+                  <a:pt x="457200" y="0"/>
+                </a:lnTo>
+                <a:close/>
+              </a:path>
+            </a:pathLst>
+          </a:custGeom>
+          <a:solidFill>
+            <a:srgbClr val="42AF51"/>
+          </a:solidFill>
+        </p:spPr>
+        <p:txBody>
+          <a:bodyPr bIns="0" lIns="0" rIns="0" rtlCol="0" tIns="0" wrap="square"/>
+          <a:p/>
+        </p:txBody>
+      </p:sp>
+      <p:sp>
+        <p:nvSpPr>
+          <p:cNvPr id="1048665" name="object 3"/>
+          <p:cNvSpPr/>
+          <p:nvPr/>
+        </p:nvSpPr>
+        <p:spPr>
+          <a:xfrm>
+            <a:off x="6696075" y="1695450"/>
+            <a:ext cx="314325" cy="323850"/>
+          </a:xfrm>
+          <a:custGeom>
+            <a:avLst/>
+            <a:ahLst/>
+            <a:rect l="l" t="t" r="r" b="b"/>
+            <a:pathLst>
+              <a:path w="314325" h="323850">
+                <a:moveTo>
+                  <a:pt x="314325" y="0"/>
+                </a:moveTo>
+                <a:lnTo>
+                  <a:pt x="0" y="0"/>
+                </a:lnTo>
+                <a:lnTo>
+                  <a:pt x="0" y="323850"/>
+                </a:lnTo>
+                <a:lnTo>
+                  <a:pt x="314325" y="323850"/>
+                </a:lnTo>
+                <a:lnTo>
+                  <a:pt x="314325" y="0"/>
+                </a:lnTo>
+                <a:close/>
+              </a:path>
+            </a:pathLst>
+          </a:custGeom>
+          <a:solidFill>
+            <a:srgbClr val="2D83C3"/>
+          </a:solidFill>
+        </p:spPr>
+        <p:txBody>
+          <a:bodyPr bIns="0" lIns="0" rIns="0" rtlCol="0" tIns="0" wrap="square"/>
+          <a:p/>
+        </p:txBody>
+      </p:sp>
+      <p:sp>
+        <p:nvSpPr>
+          <p:cNvPr id="1048666" name="object 4"/>
+          <p:cNvSpPr/>
+          <p:nvPr/>
+        </p:nvSpPr>
+        <p:spPr>
+          <a:xfrm>
+            <a:off x="9353550" y="5895975"/>
+            <a:ext cx="180975" cy="180975"/>
+          </a:xfrm>
+          <a:custGeom>
+            <a:avLst/>
+            <a:ahLst/>
+            <a:rect l="l" t="t" r="r" b="b"/>
+            <a:pathLst>
+              <a:path w="180975" h="180975">
+                <a:moveTo>
+                  <a:pt x="180975" y="0"/>
+                </a:moveTo>
+                <a:lnTo>
+                  <a:pt x="0" y="0"/>
+                </a:lnTo>
+                <a:lnTo>
+                  <a:pt x="0" y="180975"/>
+                </a:lnTo>
+                <a:lnTo>
+                  <a:pt x="180975" y="180975"/>
+                </a:lnTo>
+                <a:lnTo>
+                  <a:pt x="180975" y="0"/>
+                </a:lnTo>
+                <a:close/>
+              </a:path>
+            </a:pathLst>
+          </a:custGeom>
+          <a:solidFill>
+            <a:srgbClr val="2D936B"/>
+          </a:solidFill>
+        </p:spPr>
+        <p:txBody>
+          <a:bodyPr bIns="0" lIns="0" rIns="0" rtlCol="0" tIns="0" wrap="square"/>
+          <a:p/>
+        </p:txBody>
+      </p:sp>
+      <p:sp>
+        <p:nvSpPr>
+          <p:cNvPr id="1048667" name="object 5"/>
+          <p:cNvSpPr txBox="1">
+            <a:spLocks noGrp="1"/>
+          </p:cNvSpPr>
+          <p:nvPr>
+            <p:ph type="title"/>
+          </p:nvPr>
+        </p:nvSpPr>
+        <p:spPr>
+          <a:xfrm>
+            <a:off x="699452" y="891793"/>
+            <a:ext cx="5014595" cy="518159"/>
+          </a:xfrm>
+          <a:prstGeom prst="rect"/>
+        </p:spPr>
+        <p:txBody>
+          <a:bodyPr bIns="0" lIns="0" rIns="0" rtlCol="0" tIns="16510" vert="horz" wrap="square">
+            <a:spAutoFit/>
+          </a:bodyPr>
+          <a:p>
+            <a:pPr marL="12700">
+              <a:lnSpc>
+                <a:spcPct val="100000"/>
+              </a:lnSpc>
+              <a:spcBef>
+                <a:spcPts val="130"/>
+              </a:spcBef>
+            </a:pPr>
+            <a:r>
+              <a:rPr dirty="0" sz="3200" spc="25"/>
+              <a:t>W</a:t>
+            </a:r>
+            <a:r>
+              <a:rPr dirty="0" sz="3200" spc="-20"/>
+              <a:t>H</a:t>
+            </a:r>
+            <a:r>
+              <a:rPr dirty="0" sz="3200" spc="20"/>
+              <a:t>O</a:t>
+            </a:r>
+            <a:r>
+              <a:rPr dirty="0" sz="3200" spc="-235"/>
+              <a:t> </a:t>
+            </a:r>
+            <a:r>
+              <a:rPr dirty="0" sz="3200" spc="-10"/>
+              <a:t>AR</a:t>
+            </a:r>
+            <a:r>
+              <a:rPr dirty="0" sz="3200" spc="15"/>
+              <a:t>E</a:t>
+            </a:r>
+            <a:r>
+              <a:rPr dirty="0" sz="3200" spc="-35"/>
+              <a:t> </a:t>
+            </a:r>
+            <a:r>
+              <a:rPr dirty="0" sz="3200" spc="-10"/>
+              <a:t>T</a:t>
+            </a:r>
+            <a:r>
+              <a:rPr dirty="0" sz="3200" spc="-15"/>
+              <a:t>H</a:t>
+            </a:r>
+            <a:r>
+              <a:rPr dirty="0" sz="3200" spc="15"/>
+              <a:t>E</a:t>
+            </a:r>
+            <a:r>
+              <a:rPr dirty="0" sz="3200" spc="-35"/>
+              <a:t> </a:t>
+            </a:r>
+            <a:r>
+              <a:rPr dirty="0" sz="3200" spc="-20"/>
+              <a:t>E</a:t>
+            </a:r>
+            <a:r>
+              <a:rPr dirty="0" sz="3200" spc="30"/>
+              <a:t>N</a:t>
+            </a:r>
+            <a:r>
+              <a:rPr dirty="0" sz="3200" spc="15"/>
+              <a:t>D</a:t>
+            </a:r>
+            <a:r>
+              <a:rPr dirty="0" sz="3200" spc="-45"/>
+              <a:t> </a:t>
+            </a:r>
+            <a:r>
+              <a:rPr dirty="0" sz="3200"/>
+              <a:t>U</a:t>
+            </a:r>
+            <a:r>
+              <a:rPr dirty="0" sz="3200" spc="10"/>
+              <a:t>S</a:t>
+            </a:r>
+            <a:r>
+              <a:rPr dirty="0" sz="3200" spc="-25"/>
+              <a:t>E</a:t>
+            </a:r>
+            <a:r>
+              <a:rPr dirty="0" sz="3200" spc="-10"/>
+              <a:t>R</a:t>
+            </a:r>
+            <a:r>
+              <a:rPr dirty="0" sz="3200" spc="5"/>
+              <a:t>S?</a:t>
+            </a:r>
+            <a:endParaRPr sz="3200"/>
+          </a:p>
+        </p:txBody>
+      </p:sp>
+      <p:pic>
+        <p:nvPicPr>
+          <p:cNvPr id="2097162" name="object 6"/>
+          <p:cNvPicPr>
+            <a:picLocks/>
+          </p:cNvPicPr>
+          <p:nvPr/>
+        </p:nvPicPr>
+        <p:blipFill>
+          <a:blip xmlns:r="http://schemas.openxmlformats.org/officeDocument/2006/relationships" r:embed="rId1" cstate="print"/>
+          <a:stretch>
+            <a:fillRect/>
+          </a:stretch>
+        </p:blipFill>
+        <p:spPr>
+          <a:xfrm>
+            <a:off x="723900" y="6172200"/>
+            <a:ext cx="2181225" cy="485775"/>
+          </a:xfrm>
+          <a:prstGeom prst="rect"/>
+        </p:spPr>
+      </p:pic>
+      <p:sp>
+        <p:nvSpPr>
+          <p:cNvPr id="1048668" name="object 8"/>
+          <p:cNvSpPr txBox="1">
+            <a:spLocks noGrp="1"/>
+          </p:cNvSpPr>
+          <p:nvPr>
+            <p:ph type="sldNum" sz="quarter" idx="7"/>
+          </p:nvPr>
+        </p:nvSpPr>
+        <p:spPr>
+          <a:prstGeom prst="rect"/>
+        </p:spPr>
+        <p:txBody>
+          <a:bodyPr bIns="0" lIns="0" rIns="0" rtlCol="0" tIns="6985" vert="horz" wrap="square">
+            <a:spAutoFit/>
+          </a:bodyPr>
+          <a:p>
+            <a:pPr marL="38100">
+              <a:lnSpc>
+                <a:spcPct val="100000"/>
+              </a:lnSpc>
+              <a:spcBef>
+                <a:spcPts val="55"/>
+              </a:spcBef>
+            </a:pPr>
+            <a:fld id="{81D60167-4931-47E6-BA6A-407CBD079E47}" type="slidenum">
+              <a:rPr dirty="0" spc="10"/>
+              <a:t>8</a:t>
+            </a:fld>
+            <a:endParaRPr dirty="0" spc="10"/>
+          </a:p>
+        </p:txBody>
+      </p:sp>
+      <p:sp>
+        <p:nvSpPr>
+          <p:cNvPr id="1048669" name=""/>
+          <p:cNvSpPr txBox="1"/>
+          <p:nvPr/>
+        </p:nvSpPr>
+        <p:spPr>
+          <a:xfrm rot="21600000">
+            <a:off x="207265" y="1470659"/>
+            <a:ext cx="10162366" cy="4701541"/>
+          </a:xfrm>
+          <a:prstGeom prst="rect"/>
+        </p:spPr>
+        <p:txBody>
+          <a:bodyPr rtlCol="0" wrap="square">
+            <a:spAutoFit/>
+          </a:bodyPr>
+          <a:p>
+            <a:r>
+              <a:rPr sz="2800" lang="en-GB">
+                <a:solidFill>
+                  <a:srgbClr val="000000"/>
+                </a:solidFill>
+              </a:rPr>
+              <a:t>In the context of front-end web development, the end users are the individuals who directly interact with the website or web application. They are the audience for whom the front-end is built and designed.
+This includes anyone who:
+Visits a website: in a browser.
+Uses a web application: on a desktop or mobile device.
+Interacts with the visual elements: such as buttons, menus, forms, and content.
+Consumes the information: presented on the web page or application</a:t>
+            </a:r>
+            <a:endParaRPr sz="2800" lang="en-GB">
+              <a:solidFill>
+                <a:srgbClr val="000000"/>
+              </a:solidFill>
+            </a:endParaRPr>
+          </a:p>
+        </p:txBody>
+      </p:sp>
+    </p:spTree>
+  </p:cSld>
+  <p:clrMapOvr>
+    <a:masterClrMapping/>
+  </p:clrMapOvr>
+</p:sld>
+</file>
+
+<file path=ppt/slides/slide9.xml><?xml version="1.0" encoding="utf-8"?>
+<p:sld xmlns:a="http://schemas.openxmlformats.org/drawingml/2006/main" xmlns:r="http://schemas.openxmlformats.org/officeDocument/2006/relationships" xmlns:p="http://schemas.openxmlformats.org/presentationml/2006/main">
+  <p:cSld>
+    <p:spTree>
+      <p:nvGrpSpPr>
+        <p:cNvPr id="53" name=""/>
         <p:cNvGrpSpPr/>
         <p:nvPr/>
       </p:nvGrpSpPr>
@@ -6614,7 +9382,7 @@
       </p:pic>
       <p:sp>
         <p:nvSpPr>
-          <p:cNvPr id="1048658" name="object 3"/>
+          <p:cNvPr id="1048670" name="object 3"/>
           <p:cNvSpPr/>
           <p:nvPr/>
         </p:nvSpPr>
@@ -6659,7 +9427,7 @@
       </p:sp>
       <p:sp>
         <p:nvSpPr>
-          <p:cNvPr id="1048659" name="object 4"/>
+          <p:cNvPr id="1048671" name="object 4"/>
           <p:cNvSpPr/>
           <p:nvPr/>
         </p:nvSpPr>
@@ -6704,7 +9472,7 @@
       </p:sp>
       <p:sp>
         <p:nvSpPr>
-          <p:cNvPr id="1048660" name="object 5"/>
+          <p:cNvPr id="1048672" name="object 5"/>
           <p:cNvSpPr/>
           <p:nvPr/>
         </p:nvSpPr>
@@ -6749,7 +9517,7 @@
       </p:sp>
       <p:sp>
         <p:nvSpPr>
-          <p:cNvPr id="1048661" name="object 6"/>
+          <p:cNvPr id="1048673" name="object 6"/>
           <p:cNvSpPr txBox="1">
             <a:spLocks noGrp="1"/>
           </p:cNvSpPr>
@@ -6809,7 +9577,7 @@
       </p:pic>
       <p:sp>
         <p:nvSpPr>
-          <p:cNvPr id="1048662" name="object 9"/>
+          <p:cNvPr id="1048674" name="object 9"/>
           <p:cNvSpPr txBox="1">
             <a:spLocks noGrp="1"/>
           </p:cNvSpPr>
@@ -6835,280 +9603,48 @@
             </a:pPr>
             <a:fld id="{81D60167-4931-47E6-BA6A-407CBD079E47}" type="slidenum">
               <a:rPr dirty="0" spc="10"/>
-              <a:t>7</a:t>
+              <a:t>9</a:t>
             </a:fld>
             <a:endParaRPr dirty="0" spc="10"/>
           </a:p>
         </p:txBody>
       </p:sp>
-    </p:spTree>
-  </p:cSld>
-  <p:clrMapOvr>
-    <a:masterClrMapping/>
-  </p:clrMapOvr>
-</p:sld>
-</file>
-
-<file path=ppt/slides/slide8.xml><?xml version="1.0" encoding="utf-8"?>
-<p:sld xmlns:a="http://schemas.openxmlformats.org/drawingml/2006/main" xmlns:r="http://schemas.openxmlformats.org/officeDocument/2006/relationships" xmlns:p="http://schemas.openxmlformats.org/presentationml/2006/main">
-  <p:cSld>
-    <p:spTree>
-      <p:nvGrpSpPr>
-        <p:cNvPr id="37" name=""/>
-        <p:cNvGrpSpPr/>
-        <p:nvPr/>
-      </p:nvGrpSpPr>
-      <p:grpSpPr>
-        <a:xfrm>
-          <a:off x="0" y="0"/>
-          <a:ext cx="0" cy="0"/>
-          <a:chOff x="0" y="0"/>
-          <a:chExt cx="0" cy="0"/>
-        </a:xfrm>
-      </p:grpSpPr>
-      <p:sp>
-        <p:nvSpPr>
-          <p:cNvPr id="1048663" name="object 5"/>
-          <p:cNvSpPr/>
-          <p:nvPr/>
-        </p:nvSpPr>
-        <p:spPr>
-          <a:xfrm>
-            <a:off x="9353550" y="5895975"/>
-            <a:ext cx="180975" cy="180975"/>
-          </a:xfrm>
-          <a:custGeom>
-            <a:avLst/>
-            <a:ahLst/>
-            <a:rect l="l" t="t" r="r" b="b"/>
-            <a:pathLst>
-              <a:path w="180975" h="180975">
-                <a:moveTo>
-                  <a:pt x="180975" y="0"/>
-                </a:moveTo>
-                <a:lnTo>
-                  <a:pt x="0" y="0"/>
-                </a:lnTo>
-                <a:lnTo>
-                  <a:pt x="0" y="180975"/>
-                </a:lnTo>
-                <a:lnTo>
-                  <a:pt x="180975" y="180975"/>
-                </a:lnTo>
-                <a:lnTo>
-                  <a:pt x="180975" y="0"/>
-                </a:lnTo>
-                <a:close/>
-              </a:path>
-            </a:pathLst>
-          </a:custGeom>
-          <a:solidFill>
-            <a:srgbClr val="2D936B"/>
-          </a:solidFill>
-        </p:spPr>
-        <p:txBody>
-          <a:bodyPr bIns="0" lIns="0" rIns="0" rtlCol="0" tIns="0" wrap="square"/>
-          <a:p/>
-        </p:txBody>
-      </p:sp>
-      <p:pic>
-        <p:nvPicPr>
-          <p:cNvPr id="2097165" name="object 6"/>
-          <p:cNvPicPr>
-            <a:picLocks/>
-          </p:cNvPicPr>
-          <p:nvPr/>
-        </p:nvPicPr>
-        <p:blipFill>
-          <a:blip xmlns:r="http://schemas.openxmlformats.org/officeDocument/2006/relationships" r:embed="rId1" cstate="print"/>
-          <a:stretch>
-            <a:fillRect/>
-          </a:stretch>
-        </p:blipFill>
-        <p:spPr>
-          <a:xfrm>
-            <a:off x="1666875" y="6467475"/>
-            <a:ext cx="76200" cy="177800"/>
-          </a:xfrm>
-          <a:prstGeom prst="rect"/>
-        </p:spPr>
-      </p:pic>
-      <p:sp>
-        <p:nvSpPr>
-          <p:cNvPr id="1048664" name="object 9"/>
+      <p:sp>
+        <p:nvSpPr>
+          <p:cNvPr id="1048675" name=""/>
           <p:cNvSpPr txBox="1"/>
           <p:nvPr/>
         </p:nvSpPr>
         <p:spPr>
-          <a:xfrm>
-            <a:off x="11277218" y="6473337"/>
-            <a:ext cx="228600" cy="191770"/>
+          <a:xfrm rot="21582556">
+            <a:off x="2556160" y="1525884"/>
+            <a:ext cx="8279832" cy="5120641"/>
           </a:xfrm>
           <a:prstGeom prst="rect"/>
         </p:spPr>
         <p:txBody>
-          <a:bodyPr bIns="0" lIns="0" rIns="0" rtlCol="0" tIns="6985" vert="horz" wrap="square">
+          <a:bodyPr rtlCol="0" wrap="square">
             <a:spAutoFit/>
           </a:bodyPr>
           <a:p>
-            <a:pPr marL="38100">
-              <a:lnSpc>
-                <a:spcPct val="100000"/>
-              </a:lnSpc>
-              <a:spcBef>
-                <a:spcPts val="55"/>
-              </a:spcBef>
-            </a:pPr>
-            <a:fld id="{81D60167-4931-47E6-BA6A-407CBD079E47}" type="slidenum">
-              <a:rPr dirty="0" sz="1100" spc="10">
-                <a:solidFill>
-                  <a:srgbClr val="2D936B"/>
-                </a:solidFill>
-                <a:latin typeface="Trebuchet MS"/>
-                <a:cs typeface="Trebuchet MS"/>
-              </a:rPr>
-              <a:t>8</a:t>
-            </a:fld>
-            <a:endParaRPr sz="1100">
-              <a:latin typeface="Trebuchet MS"/>
-              <a:cs typeface="Trebuchet MS"/>
+            <a:r>
+              <a:rPr sz="2800" lang="en-GB">
+                <a:solidFill>
+                  <a:srgbClr val="000000"/>
+                </a:solidFill>
+              </a:rPr>
+              <a:t>HTML (HyperText Markup Language):
+The foundational language for structuring web content, defining elements like headings, paragraphs, images, and links.
+CSS (Cascading Style Sheets):
+Used for styling the appearance of web pages, controlling aspects like colors, fonts, layouts, and responsiveness across different devices.
+JavaScript:
+A programming language that adds interactivity, dynamic behavior, and complex logic to web pages, handling user interactions and data manipulation.</a:t>
+            </a:r>
+            <a:endParaRPr sz="2800" lang="en-GB">
+              <a:solidFill>
+                <a:srgbClr val="000000"/>
+              </a:solidFill>
             </a:endParaRPr>
-          </a:p>
-        </p:txBody>
-      </p:sp>
-      <p:sp>
-        <p:nvSpPr>
-          <p:cNvPr id="1048665" name="object 8"/>
-          <p:cNvSpPr txBox="1"/>
-          <p:nvPr/>
-        </p:nvSpPr>
-        <p:spPr>
-          <a:xfrm>
-            <a:off x="739775" y="291147"/>
-            <a:ext cx="8794750" cy="629018"/>
-          </a:xfrm>
-          <a:prstGeom prst="rect"/>
-        </p:spPr>
-        <p:txBody>
-          <a:bodyPr bIns="0" lIns="0" rIns="0" rtlCol="0" tIns="13335" vert="horz" wrap="square">
-            <a:spAutoFit/>
-          </a:bodyPr>
-          <a:p>
-            <a:pPr marL="12700">
-              <a:lnSpc>
-                <a:spcPct val="100000"/>
-              </a:lnSpc>
-              <a:spcBef>
-                <a:spcPts val="105"/>
-              </a:spcBef>
-            </a:pPr>
-            <a:r>
-              <a:rPr b="1" dirty="0" sz="4000" lang="en-IN" spc="15">
-                <a:latin typeface="Trebuchet MS"/>
-                <a:cs typeface="Trebuchet MS"/>
-              </a:rPr>
-              <a:t>POTFOLIO DESIGN AND LAYOUT</a:t>
-            </a:r>
-            <a:endParaRPr dirty="0" sz="4000">
-              <a:latin typeface="Trebuchet MS"/>
-              <a:cs typeface="Trebuchet MS"/>
-            </a:endParaRPr>
-          </a:p>
-        </p:txBody>
-      </p:sp>
-      <p:sp>
-        <p:nvSpPr>
-          <p:cNvPr id="1048666" name="object 3"/>
-          <p:cNvSpPr/>
-          <p:nvPr/>
-        </p:nvSpPr>
-        <p:spPr>
-          <a:xfrm>
-            <a:off x="10058400" y="525141"/>
-            <a:ext cx="457200" cy="457200"/>
-          </a:xfrm>
-          <a:custGeom>
-            <a:avLst/>
-            <a:ahLst/>
-            <a:rect l="l" t="t" r="r" b="b"/>
-            <a:pathLst>
-              <a:path w="457200" h="457200">
-                <a:moveTo>
-                  <a:pt x="457200" y="0"/>
-                </a:moveTo>
-                <a:lnTo>
-                  <a:pt x="0" y="0"/>
-                </a:lnTo>
-                <a:lnTo>
-                  <a:pt x="0" y="457200"/>
-                </a:lnTo>
-                <a:lnTo>
-                  <a:pt x="457200" y="457200"/>
-                </a:lnTo>
-                <a:lnTo>
-                  <a:pt x="457200" y="0"/>
-                </a:lnTo>
-                <a:close/>
-              </a:path>
-            </a:pathLst>
-          </a:custGeom>
-          <a:solidFill>
-            <a:srgbClr val="42AF51"/>
-          </a:solidFill>
-        </p:spPr>
-        <p:txBody>
-          <a:bodyPr bIns="0" lIns="0" rIns="0" rtlCol="0" tIns="0" wrap="square"/>
-          <a:p/>
-        </p:txBody>
-      </p:sp>
-    </p:spTree>
-  </p:cSld>
-  <p:clrMapOvr>
-    <a:masterClrMapping/>
-  </p:clrMapOvr>
-</p:sld>
-</file>
-
-<file path=ppt/slides/slide9.xml><?xml version="1.0" encoding="utf-8"?>
-<p:sld xmlns:a="http://schemas.openxmlformats.org/drawingml/2006/main" xmlns:r="http://schemas.openxmlformats.org/officeDocument/2006/relationships" xmlns:p="http://schemas.openxmlformats.org/presentationml/2006/main">
-  <p:cSld>
-    <p:spTree>
-      <p:nvGrpSpPr>
-        <p:cNvPr id="38" name=""/>
-        <p:cNvGrpSpPr/>
-        <p:nvPr/>
-      </p:nvGrpSpPr>
-      <p:grpSpPr>
-        <a:xfrm>
-          <a:off x="0" y="0"/>
-          <a:ext cx="0" cy="0"/>
-          <a:chOff x="0" y="0"/>
-          <a:chExt cx="0" cy="0"/>
-        </a:xfrm>
-      </p:grpSpPr>
-      <p:sp>
-        <p:nvSpPr>
-          <p:cNvPr id="1048667" name="Title 1"/>
-          <p:cNvSpPr>
-            <a:spLocks noGrp="1"/>
-          </p:cNvSpPr>
-          <p:nvPr>
-            <p:ph type="title"/>
-          </p:nvPr>
-        </p:nvSpPr>
-        <p:spPr>
-          <a:xfrm>
-            <a:off x="755332" y="385444"/>
-            <a:ext cx="10681335" cy="723901"/>
-          </a:xfrm>
-        </p:spPr>
-        <p:txBody>
-          <a:bodyPr/>
-          <a:p>
-            <a:r>
-              <a:rPr dirty="0" lang="en-IN"/>
-              <a:t>FEATURES AND FUNCTIONALITY</a:t>
-            </a:r>
           </a:p>
         </p:txBody>
       </p:sp>
